--- a/Presentación1.pptx
+++ b/Presentación1.pptx
@@ -350,7 +350,7 @@
           <a:p>
             <a:fld id="{C8A65DB0-4DD6-49EF-BE9A-3F1A050B2B8C}" type="datetimeFigureOut">
               <a:rPr lang="es-SV" smtClean="0"/>
-              <a:t>2/9/2024</a:t>
+              <a:t>12/9/2024</a:t>
             </a:fld>
             <a:endParaRPr lang="es-SV"/>
           </a:p>
@@ -550,7 +550,7 @@
           <a:p>
             <a:fld id="{C8A65DB0-4DD6-49EF-BE9A-3F1A050B2B8C}" type="datetimeFigureOut">
               <a:rPr lang="es-SV" smtClean="0"/>
-              <a:t>2/9/2024</a:t>
+              <a:t>12/9/2024</a:t>
             </a:fld>
             <a:endParaRPr lang="es-SV"/>
           </a:p>
@@ -760,7 +760,7 @@
           <a:p>
             <a:fld id="{C8A65DB0-4DD6-49EF-BE9A-3F1A050B2B8C}" type="datetimeFigureOut">
               <a:rPr lang="es-SV" smtClean="0"/>
-              <a:t>2/9/2024</a:t>
+              <a:t>12/9/2024</a:t>
             </a:fld>
             <a:endParaRPr lang="es-SV"/>
           </a:p>
@@ -960,7 +960,7 @@
           <a:p>
             <a:fld id="{C8A65DB0-4DD6-49EF-BE9A-3F1A050B2B8C}" type="datetimeFigureOut">
               <a:rPr lang="es-SV" smtClean="0"/>
-              <a:t>2/9/2024</a:t>
+              <a:t>12/9/2024</a:t>
             </a:fld>
             <a:endParaRPr lang="es-SV"/>
           </a:p>
@@ -1236,7 +1236,7 @@
           <a:p>
             <a:fld id="{C8A65DB0-4DD6-49EF-BE9A-3F1A050B2B8C}" type="datetimeFigureOut">
               <a:rPr lang="es-SV" smtClean="0"/>
-              <a:t>2/9/2024</a:t>
+              <a:t>12/9/2024</a:t>
             </a:fld>
             <a:endParaRPr lang="es-SV"/>
           </a:p>
@@ -1504,7 +1504,7 @@
           <a:p>
             <a:fld id="{C8A65DB0-4DD6-49EF-BE9A-3F1A050B2B8C}" type="datetimeFigureOut">
               <a:rPr lang="es-SV" smtClean="0"/>
-              <a:t>2/9/2024</a:t>
+              <a:t>12/9/2024</a:t>
             </a:fld>
             <a:endParaRPr lang="es-SV"/>
           </a:p>
@@ -1919,7 +1919,7 @@
           <a:p>
             <a:fld id="{C8A65DB0-4DD6-49EF-BE9A-3F1A050B2B8C}" type="datetimeFigureOut">
               <a:rPr lang="es-SV" smtClean="0"/>
-              <a:t>2/9/2024</a:t>
+              <a:t>12/9/2024</a:t>
             </a:fld>
             <a:endParaRPr lang="es-SV"/>
           </a:p>
@@ -2061,7 +2061,7 @@
           <a:p>
             <a:fld id="{C8A65DB0-4DD6-49EF-BE9A-3F1A050B2B8C}" type="datetimeFigureOut">
               <a:rPr lang="es-SV" smtClean="0"/>
-              <a:t>2/9/2024</a:t>
+              <a:t>12/9/2024</a:t>
             </a:fld>
             <a:endParaRPr lang="es-SV"/>
           </a:p>
@@ -2174,7 +2174,7 @@
           <a:p>
             <a:fld id="{C8A65DB0-4DD6-49EF-BE9A-3F1A050B2B8C}" type="datetimeFigureOut">
               <a:rPr lang="es-SV" smtClean="0"/>
-              <a:t>2/9/2024</a:t>
+              <a:t>12/9/2024</a:t>
             </a:fld>
             <a:endParaRPr lang="es-SV"/>
           </a:p>
@@ -2487,7 +2487,7 @@
           <a:p>
             <a:fld id="{C8A65DB0-4DD6-49EF-BE9A-3F1A050B2B8C}" type="datetimeFigureOut">
               <a:rPr lang="es-SV" smtClean="0"/>
-              <a:t>2/9/2024</a:t>
+              <a:t>12/9/2024</a:t>
             </a:fld>
             <a:endParaRPr lang="es-SV"/>
           </a:p>
@@ -2776,7 +2776,7 @@
           <a:p>
             <a:fld id="{C8A65DB0-4DD6-49EF-BE9A-3F1A050B2B8C}" type="datetimeFigureOut">
               <a:rPr lang="es-SV" smtClean="0"/>
-              <a:t>2/9/2024</a:t>
+              <a:t>12/9/2024</a:t>
             </a:fld>
             <a:endParaRPr lang="es-SV"/>
           </a:p>
@@ -3037,7 +3037,7 @@
           <a:p>
             <a:fld id="{C8A65DB0-4DD6-49EF-BE9A-3F1A050B2B8C}" type="datetimeFigureOut">
               <a:rPr lang="es-SV" smtClean="0"/>
-              <a:t>2/9/2024</a:t>
+              <a:t>12/9/2024</a:t>
             </a:fld>
             <a:endParaRPr lang="es-SV"/>
           </a:p>
@@ -4325,15 +4325,24 @@
                         </a:spcAft>
                       </a:pPr>
                       <a:r>
-                        <a:rPr lang="en-US" sz="2000" kern="0">
+                        <a:rPr lang="en-US" sz="2000" kern="0" dirty="0">
                           <a:solidFill>
                             <a:schemeClr val="bg1"/>
                           </a:solidFill>
                           <a:effectLst/>
                         </a:rPr>
-                        <a:t>Samuel Orlando Aguilar Recinos</a:t>
+                        <a:t>Samuel Orlando Aguilar </a:t>
                       </a:r>
-                      <a:endParaRPr lang="es-SV" sz="1800" kern="100">
+                      <a:r>
+                        <a:rPr lang="en-US" sz="2000" kern="0" dirty="0" err="1">
+                          <a:solidFill>
+                            <a:schemeClr val="bg1"/>
+                          </a:solidFill>
+                          <a:effectLst/>
+                        </a:rPr>
+                        <a:t>Recinos</a:t>
+                      </a:r>
+                      <a:endParaRPr lang="es-SV" sz="1800" kern="100" dirty="0">
                         <a:solidFill>
                           <a:schemeClr val="bg1"/>
                         </a:solidFill>
@@ -5273,8 +5282,8 @@
           <a:chExt cx="0" cy="0"/>
         </a:xfrm>
       </p:grpSpPr>
-      <mc:AlternateContent xmlns:mc="http://schemas.openxmlformats.org/markup-compatibility/2006">
-        <mc:Choice xmlns:p14="http://schemas.microsoft.com/office/powerpoint/2010/main" Requires="p14">
+      <mc:AlternateContent xmlns:mc="http://schemas.openxmlformats.org/markup-compatibility/2006" xmlns:p14="http://schemas.microsoft.com/office/powerpoint/2010/main">
+        <mc:Choice Requires="p14">
           <p:contentPart p14:bwMode="auto" r:id="rId2">
             <p14:nvContentPartPr>
               <p14:cNvPr id="10" name="Entrada de lápiz 9">
@@ -5293,7 +5302,7 @@
             </p14:xfrm>
           </p:contentPart>
         </mc:Choice>
-        <mc:Fallback>
+        <mc:Fallback xmlns="">
           <p:pic>
             <p:nvPicPr>
               <p:cNvPr id="10" name="Entrada de lápiz 9">
@@ -5411,12 +5420,206 @@
             <p:ph type="title"/>
           </p:nvPr>
         </p:nvSpPr>
-        <p:spPr/>
-        <p:txBody>
-          <a:bodyPr/>
+        <p:spPr>
+          <a:xfrm>
+            <a:off x="255976" y="394392"/>
+            <a:ext cx="11680047" cy="2182843"/>
+          </a:xfrm>
+        </p:spPr>
+        <p:txBody>
+          <a:bodyPr>
+            <a:noAutofit/>
+          </a:bodyPr>
           <a:lstStyle/>
           <a:p>
-            <a:endParaRPr lang="es-SV"/>
+            <a:pPr algn="ctr"/>
+            <a:r>
+              <a:rPr lang="es-ES" sz="6000" dirty="0">
+                <a:solidFill>
+                  <a:schemeClr val="bg1"/>
+                </a:solidFill>
+                <a:latin typeface="Avengeance Heroic Avenger"/>
+              </a:rPr>
+              <a:t>Desafíos y Consideraciones al usar Contenedores.</a:t>
+            </a:r>
+            <a:endParaRPr lang="es-SV" sz="6000" dirty="0">
+              <a:solidFill>
+                <a:schemeClr val="bg1"/>
+              </a:solidFill>
+              <a:latin typeface="Avengeance Heroic Avenger"/>
+            </a:endParaRPr>
+          </a:p>
+        </p:txBody>
+      </p:sp>
+      <p:sp>
+        <p:nvSpPr>
+          <p:cNvPr id="3" name="CuadroTexto 2">
+            <a:extLst>
+              <a:ext uri="{FF2B5EF4-FFF2-40B4-BE49-F238E27FC236}">
+                <a16:creationId xmlns:a16="http://schemas.microsoft.com/office/drawing/2014/main" id="{9873CC30-BA9C-06D2-9F80-8CAADC3F588E}"/>
+              </a:ext>
+            </a:extLst>
+          </p:cNvPr>
+          <p:cNvSpPr txBox="1"/>
+          <p:nvPr/>
+        </p:nvSpPr>
+        <p:spPr>
+          <a:xfrm>
+            <a:off x="255976" y="2855349"/>
+            <a:ext cx="3382401" cy="477054"/>
+          </a:xfrm>
+          <a:prstGeom prst="rect">
+            <a:avLst/>
+          </a:prstGeom>
+          <a:noFill/>
+        </p:spPr>
+        <p:txBody>
+          <a:bodyPr wrap="none" rtlCol="0">
+            <a:spAutoFit/>
+          </a:bodyPr>
+          <a:lstStyle/>
+          <a:p>
+            <a:pPr marL="285750" indent="-285750">
+              <a:buFont typeface="Wingdings" panose="05000000000000000000" pitchFamily="2" charset="2"/>
+              <a:buChar char="§"/>
+            </a:pPr>
+            <a:r>
+              <a:rPr lang="es-ES" sz="2500" b="1" dirty="0">
+                <a:latin typeface="Avengeance Heroic Avenger"/>
+              </a:rPr>
+              <a:t>Persistencia de Datos.</a:t>
+            </a:r>
+            <a:endParaRPr lang="es-SV" sz="2500" b="1" dirty="0">
+              <a:latin typeface="Avengeance Heroic Avenger"/>
+            </a:endParaRPr>
+          </a:p>
+        </p:txBody>
+      </p:sp>
+      <p:sp>
+        <p:nvSpPr>
+          <p:cNvPr id="5" name="CuadroTexto 4">
+            <a:extLst>
+              <a:ext uri="{FF2B5EF4-FFF2-40B4-BE49-F238E27FC236}">
+                <a16:creationId xmlns:a16="http://schemas.microsoft.com/office/drawing/2014/main" id="{0D56AFD9-9B6F-1419-C959-0F13136C6DB8}"/>
+              </a:ext>
+            </a:extLst>
+          </p:cNvPr>
+          <p:cNvSpPr txBox="1"/>
+          <p:nvPr/>
+        </p:nvSpPr>
+        <p:spPr>
+          <a:xfrm>
+            <a:off x="255976" y="3333918"/>
+            <a:ext cx="2762295" cy="477054"/>
+          </a:xfrm>
+          <a:prstGeom prst="rect">
+            <a:avLst/>
+          </a:prstGeom>
+          <a:noFill/>
+        </p:spPr>
+        <p:txBody>
+          <a:bodyPr wrap="none" rtlCol="0">
+            <a:spAutoFit/>
+          </a:bodyPr>
+          <a:lstStyle/>
+          <a:p>
+            <a:pPr marL="285750" indent="-285750">
+              <a:buFont typeface="Wingdings" panose="05000000000000000000" pitchFamily="2" charset="2"/>
+              <a:buChar char="§"/>
+            </a:pPr>
+            <a:r>
+              <a:rPr lang="es-ES" sz="2500" b="1" dirty="0">
+                <a:latin typeface="Avengeance Heroic Avenger"/>
+              </a:rPr>
+              <a:t>Tiempo de Inicio.</a:t>
+            </a:r>
+            <a:endParaRPr lang="es-SV" sz="2500" b="1" dirty="0">
+              <a:latin typeface="Avengeance Heroic Avenger"/>
+            </a:endParaRPr>
+          </a:p>
+        </p:txBody>
+      </p:sp>
+      <p:sp>
+        <p:nvSpPr>
+          <p:cNvPr id="7" name="CuadroTexto 6">
+            <a:extLst>
+              <a:ext uri="{FF2B5EF4-FFF2-40B4-BE49-F238E27FC236}">
+                <a16:creationId xmlns:a16="http://schemas.microsoft.com/office/drawing/2014/main" id="{FE43878F-E037-2718-46E4-995ED665B45B}"/>
+              </a:ext>
+            </a:extLst>
+          </p:cNvPr>
+          <p:cNvSpPr txBox="1"/>
+          <p:nvPr/>
+        </p:nvSpPr>
+        <p:spPr>
+          <a:xfrm>
+            <a:off x="255976" y="3810972"/>
+            <a:ext cx="2815322" cy="477054"/>
+          </a:xfrm>
+          <a:prstGeom prst="rect">
+            <a:avLst/>
+          </a:prstGeom>
+          <a:noFill/>
+        </p:spPr>
+        <p:txBody>
+          <a:bodyPr wrap="none" rtlCol="0">
+            <a:spAutoFit/>
+          </a:bodyPr>
+          <a:lstStyle/>
+          <a:p>
+            <a:pPr marL="285750" indent="-285750">
+              <a:buFont typeface="Wingdings" panose="05000000000000000000" pitchFamily="2" charset="2"/>
+              <a:buChar char="§"/>
+            </a:pPr>
+            <a:r>
+              <a:rPr lang="es-ES" sz="2500" b="1" dirty="0">
+                <a:latin typeface="Avengeance Heroic Avenger"/>
+              </a:rPr>
+              <a:t>Redes Complejas.</a:t>
+            </a:r>
+            <a:endParaRPr lang="es-SV" sz="2500" b="1" dirty="0">
+              <a:latin typeface="Avengeance Heroic Avenger"/>
+            </a:endParaRPr>
+          </a:p>
+        </p:txBody>
+      </p:sp>
+      <p:sp>
+        <p:nvSpPr>
+          <p:cNvPr id="8" name="CuadroTexto 7">
+            <a:extLst>
+              <a:ext uri="{FF2B5EF4-FFF2-40B4-BE49-F238E27FC236}">
+                <a16:creationId xmlns:a16="http://schemas.microsoft.com/office/drawing/2014/main" id="{BD933B0F-6989-BDE3-FAED-87D025E56C1F}"/>
+              </a:ext>
+            </a:extLst>
+          </p:cNvPr>
+          <p:cNvSpPr txBox="1"/>
+          <p:nvPr/>
+        </p:nvSpPr>
+        <p:spPr>
+          <a:xfrm>
+            <a:off x="255976" y="4279689"/>
+            <a:ext cx="4823949" cy="477054"/>
+          </a:xfrm>
+          <a:prstGeom prst="rect">
+            <a:avLst/>
+          </a:prstGeom>
+          <a:noFill/>
+        </p:spPr>
+        <p:txBody>
+          <a:bodyPr wrap="none" rtlCol="0">
+            <a:spAutoFit/>
+          </a:bodyPr>
+          <a:lstStyle/>
+          <a:p>
+            <a:pPr marL="285750" indent="-285750">
+              <a:buFont typeface="Wingdings" panose="05000000000000000000" pitchFamily="2" charset="2"/>
+              <a:buChar char="§"/>
+            </a:pPr>
+            <a:r>
+              <a:rPr lang="es-ES" sz="2500" b="1" dirty="0"/>
+              <a:t>Orquestación y Escalabilidad.</a:t>
+            </a:r>
+            <a:endParaRPr lang="es-SV" sz="2500" b="1" dirty="0"/>
           </a:p>
         </p:txBody>
       </p:sp>

--- a/Presentación1.pptx
+++ b/Presentación1.pptx
@@ -9,8 +9,12 @@
     <p:sldId id="278" r:id="rId3"/>
     <p:sldId id="284" r:id="rId4"/>
     <p:sldId id="285" r:id="rId5"/>
-    <p:sldId id="281" r:id="rId6"/>
-    <p:sldId id="280" r:id="rId7"/>
+    <p:sldId id="286" r:id="rId6"/>
+    <p:sldId id="287" r:id="rId7"/>
+    <p:sldId id="288" r:id="rId8"/>
+    <p:sldId id="289" r:id="rId9"/>
+    <p:sldId id="281" r:id="rId10"/>
+    <p:sldId id="280" r:id="rId11"/>
   </p:sldIdLst>
   <p:sldSz cx="12192000" cy="6858000"/>
   <p:notesSz cx="6858000" cy="9144000"/>
@@ -201,6 +205,118 @@
 </inkml:ink>
 </file>
 
+<file path=ppt/ink/ink4.xml><?xml version="1.0" encoding="utf-8"?>
+<inkml:ink xmlns:inkml="http://www.w3.org/2003/InkML">
+  <inkml:definitions>
+    <inkml:context xml:id="ctx0">
+      <inkml:inkSource xml:id="inkSrc0">
+        <inkml:traceFormat>
+          <inkml:channel name="X" type="integer" min="-2.14748E9" max="2.14748E9" units="cm"/>
+          <inkml:channel name="Y" type="integer" min="-2.14748E9" max="2.14748E9" units="cm"/>
+          <inkml:channel name="F" type="integer" max="32767" units="dev"/>
+        </inkml:traceFormat>
+        <inkml:channelProperties>
+          <inkml:channelProperty channel="X" name="resolution" value="1000" units="1/cm"/>
+          <inkml:channelProperty channel="Y" name="resolution" value="1000" units="1/cm"/>
+          <inkml:channelProperty channel="F" name="resolution" value="0" units="1/dev"/>
+        </inkml:channelProperties>
+      </inkml:inkSource>
+      <inkml:timestamp xml:id="ts0" timeString="2024-08-23T22:37:17.929"/>
+    </inkml:context>
+    <inkml:brush xml:id="br0">
+      <inkml:brushProperty name="width" value="0.035" units="cm"/>
+      <inkml:brushProperty name="height" value="0.035" units="cm"/>
+      <inkml:brushProperty name="color" value="#FF0066"/>
+    </inkml:brush>
+  </inkml:definitions>
+  <inkml:trace contextRef="#ctx0" brushRef="#br0">1 0 24575,'0'0'0</inkml:trace>
+</inkml:ink>
+</file>
+
+<file path=ppt/ink/ink5.xml><?xml version="1.0" encoding="utf-8"?>
+<inkml:ink xmlns:inkml="http://www.w3.org/2003/InkML">
+  <inkml:definitions>
+    <inkml:context xml:id="ctx0">
+      <inkml:inkSource xml:id="inkSrc0">
+        <inkml:traceFormat>
+          <inkml:channel name="X" type="integer" min="-2.14748E9" max="2.14748E9" units="cm"/>
+          <inkml:channel name="Y" type="integer" min="-2.14748E9" max="2.14748E9" units="cm"/>
+          <inkml:channel name="F" type="integer" max="32767" units="dev"/>
+        </inkml:traceFormat>
+        <inkml:channelProperties>
+          <inkml:channelProperty channel="X" name="resolution" value="1000" units="1/cm"/>
+          <inkml:channelProperty channel="Y" name="resolution" value="1000" units="1/cm"/>
+          <inkml:channelProperty channel="F" name="resolution" value="0" units="1/dev"/>
+        </inkml:channelProperties>
+      </inkml:inkSource>
+      <inkml:timestamp xml:id="ts0" timeString="2024-08-23T22:37:17.929"/>
+    </inkml:context>
+    <inkml:brush xml:id="br0">
+      <inkml:brushProperty name="width" value="0.035" units="cm"/>
+      <inkml:brushProperty name="height" value="0.035" units="cm"/>
+      <inkml:brushProperty name="color" value="#FF0066"/>
+    </inkml:brush>
+  </inkml:definitions>
+  <inkml:trace contextRef="#ctx0" brushRef="#br0">1 0 24575,'0'0'0</inkml:trace>
+</inkml:ink>
+</file>
+
+<file path=ppt/ink/ink6.xml><?xml version="1.0" encoding="utf-8"?>
+<inkml:ink xmlns:inkml="http://www.w3.org/2003/InkML">
+  <inkml:definitions>
+    <inkml:context xml:id="ctx0">
+      <inkml:inkSource xml:id="inkSrc0">
+        <inkml:traceFormat>
+          <inkml:channel name="X" type="integer" min="-2.14748E9" max="2.14748E9" units="cm"/>
+          <inkml:channel name="Y" type="integer" min="-2.14748E9" max="2.14748E9" units="cm"/>
+          <inkml:channel name="F" type="integer" max="32767" units="dev"/>
+        </inkml:traceFormat>
+        <inkml:channelProperties>
+          <inkml:channelProperty channel="X" name="resolution" value="1000" units="1/cm"/>
+          <inkml:channelProperty channel="Y" name="resolution" value="1000" units="1/cm"/>
+          <inkml:channelProperty channel="F" name="resolution" value="0" units="1/dev"/>
+        </inkml:channelProperties>
+      </inkml:inkSource>
+      <inkml:timestamp xml:id="ts0" timeString="2024-08-23T22:37:17.929"/>
+    </inkml:context>
+    <inkml:brush xml:id="br0">
+      <inkml:brushProperty name="width" value="0.035" units="cm"/>
+      <inkml:brushProperty name="height" value="0.035" units="cm"/>
+      <inkml:brushProperty name="color" value="#FF0066"/>
+    </inkml:brush>
+  </inkml:definitions>
+  <inkml:trace contextRef="#ctx0" brushRef="#br0">1 0 24575,'0'0'0</inkml:trace>
+</inkml:ink>
+</file>
+
+<file path=ppt/ink/ink7.xml><?xml version="1.0" encoding="utf-8"?>
+<inkml:ink xmlns:inkml="http://www.w3.org/2003/InkML">
+  <inkml:definitions>
+    <inkml:context xml:id="ctx0">
+      <inkml:inkSource xml:id="inkSrc0">
+        <inkml:traceFormat>
+          <inkml:channel name="X" type="integer" min="-2.14748E9" max="2.14748E9" units="cm"/>
+          <inkml:channel name="Y" type="integer" min="-2.14748E9" max="2.14748E9" units="cm"/>
+          <inkml:channel name="F" type="integer" max="32767" units="dev"/>
+        </inkml:traceFormat>
+        <inkml:channelProperties>
+          <inkml:channelProperty channel="X" name="resolution" value="1000" units="1/cm"/>
+          <inkml:channelProperty channel="Y" name="resolution" value="1000" units="1/cm"/>
+          <inkml:channelProperty channel="F" name="resolution" value="0" units="1/dev"/>
+        </inkml:channelProperties>
+      </inkml:inkSource>
+      <inkml:timestamp xml:id="ts0" timeString="2024-08-23T22:37:17.929"/>
+    </inkml:context>
+    <inkml:brush xml:id="br0">
+      <inkml:brushProperty name="width" value="0.035" units="cm"/>
+      <inkml:brushProperty name="height" value="0.035" units="cm"/>
+      <inkml:brushProperty name="color" value="#FF0066"/>
+    </inkml:brush>
+  </inkml:definitions>
+  <inkml:trace contextRef="#ctx0" brushRef="#br0">1 0 24575,'0'0'0</inkml:trace>
+</inkml:ink>
+</file>
+
 <file path=ppt/slideLayouts/slideLayout1.xml><?xml version="1.0" encoding="utf-8"?>
 <p:sldLayout xmlns:a="http://schemas.openxmlformats.org/drawingml/2006/main" xmlns:r="http://schemas.openxmlformats.org/officeDocument/2006/relationships" xmlns:p="http://schemas.openxmlformats.org/presentationml/2006/main" type="title" preserve="1">
   <p:cSld name="Diapositiva de título">
@@ -350,7 +466,7 @@
           <a:p>
             <a:fld id="{C8A65DB0-4DD6-49EF-BE9A-3F1A050B2B8C}" type="datetimeFigureOut">
               <a:rPr lang="es-SV" smtClean="0"/>
-              <a:t>12/9/2024</a:t>
+              <a:t>14/9/2024</a:t>
             </a:fld>
             <a:endParaRPr lang="es-SV"/>
           </a:p>
@@ -550,7 +666,7 @@
           <a:p>
             <a:fld id="{C8A65DB0-4DD6-49EF-BE9A-3F1A050B2B8C}" type="datetimeFigureOut">
               <a:rPr lang="es-SV" smtClean="0"/>
-              <a:t>12/9/2024</a:t>
+              <a:t>14/9/2024</a:t>
             </a:fld>
             <a:endParaRPr lang="es-SV"/>
           </a:p>
@@ -760,7 +876,7 @@
           <a:p>
             <a:fld id="{C8A65DB0-4DD6-49EF-BE9A-3F1A050B2B8C}" type="datetimeFigureOut">
               <a:rPr lang="es-SV" smtClean="0"/>
-              <a:t>12/9/2024</a:t>
+              <a:t>14/9/2024</a:t>
             </a:fld>
             <a:endParaRPr lang="es-SV"/>
           </a:p>
@@ -960,7 +1076,7 @@
           <a:p>
             <a:fld id="{C8A65DB0-4DD6-49EF-BE9A-3F1A050B2B8C}" type="datetimeFigureOut">
               <a:rPr lang="es-SV" smtClean="0"/>
-              <a:t>12/9/2024</a:t>
+              <a:t>14/9/2024</a:t>
             </a:fld>
             <a:endParaRPr lang="es-SV"/>
           </a:p>
@@ -1236,7 +1352,7 @@
           <a:p>
             <a:fld id="{C8A65DB0-4DD6-49EF-BE9A-3F1A050B2B8C}" type="datetimeFigureOut">
               <a:rPr lang="es-SV" smtClean="0"/>
-              <a:t>12/9/2024</a:t>
+              <a:t>14/9/2024</a:t>
             </a:fld>
             <a:endParaRPr lang="es-SV"/>
           </a:p>
@@ -1504,7 +1620,7 @@
           <a:p>
             <a:fld id="{C8A65DB0-4DD6-49EF-BE9A-3F1A050B2B8C}" type="datetimeFigureOut">
               <a:rPr lang="es-SV" smtClean="0"/>
-              <a:t>12/9/2024</a:t>
+              <a:t>14/9/2024</a:t>
             </a:fld>
             <a:endParaRPr lang="es-SV"/>
           </a:p>
@@ -1919,7 +2035,7 @@
           <a:p>
             <a:fld id="{C8A65DB0-4DD6-49EF-BE9A-3F1A050B2B8C}" type="datetimeFigureOut">
               <a:rPr lang="es-SV" smtClean="0"/>
-              <a:t>12/9/2024</a:t>
+              <a:t>14/9/2024</a:t>
             </a:fld>
             <a:endParaRPr lang="es-SV"/>
           </a:p>
@@ -2061,7 +2177,7 @@
           <a:p>
             <a:fld id="{C8A65DB0-4DD6-49EF-BE9A-3F1A050B2B8C}" type="datetimeFigureOut">
               <a:rPr lang="es-SV" smtClean="0"/>
-              <a:t>12/9/2024</a:t>
+              <a:t>14/9/2024</a:t>
             </a:fld>
             <a:endParaRPr lang="es-SV"/>
           </a:p>
@@ -2174,7 +2290,7 @@
           <a:p>
             <a:fld id="{C8A65DB0-4DD6-49EF-BE9A-3F1A050B2B8C}" type="datetimeFigureOut">
               <a:rPr lang="es-SV" smtClean="0"/>
-              <a:t>12/9/2024</a:t>
+              <a:t>14/9/2024</a:t>
             </a:fld>
             <a:endParaRPr lang="es-SV"/>
           </a:p>
@@ -2487,7 +2603,7 @@
           <a:p>
             <a:fld id="{C8A65DB0-4DD6-49EF-BE9A-3F1A050B2B8C}" type="datetimeFigureOut">
               <a:rPr lang="es-SV" smtClean="0"/>
-              <a:t>12/9/2024</a:t>
+              <a:t>14/9/2024</a:t>
             </a:fld>
             <a:endParaRPr lang="es-SV"/>
           </a:p>
@@ -2776,7 +2892,7 @@
           <a:p>
             <a:fld id="{C8A65DB0-4DD6-49EF-BE9A-3F1A050B2B8C}" type="datetimeFigureOut">
               <a:rPr lang="es-SV" smtClean="0"/>
-              <a:t>12/9/2024</a:t>
+              <a:t>14/9/2024</a:t>
             </a:fld>
             <a:endParaRPr lang="es-SV"/>
           </a:p>
@@ -3037,7 +3153,7 @@
           <a:p>
             <a:fld id="{C8A65DB0-4DD6-49EF-BE9A-3F1A050B2B8C}" type="datetimeFigureOut">
               <a:rPr lang="es-SV" smtClean="0"/>
-              <a:t>12/9/2024</a:t>
+              <a:t>14/9/2024</a:t>
             </a:fld>
             <a:endParaRPr lang="es-SV"/>
           </a:p>
@@ -3824,6 +3940,50 @@
       </p:par>
     </p:tnLst>
   </p:timing>
+</p:sld>
+</file>
+
+<file path=ppt/slides/slide10.xml><?xml version="1.0" encoding="utf-8"?>
+<p:sld xmlns:a="http://schemas.openxmlformats.org/drawingml/2006/main" xmlns:r="http://schemas.openxmlformats.org/officeDocument/2006/relationships" xmlns:p="http://schemas.openxmlformats.org/presentationml/2006/main">
+  <p:cSld>
+    <p:bg>
+      <p:bgPr>
+        <a:blipFill dpi="0" rotWithShape="1">
+          <a:blip r:embed="rId2">
+            <a:lum/>
+          </a:blip>
+          <a:srcRect/>
+          <a:stretch>
+            <a:fillRect/>
+          </a:stretch>
+        </a:blipFill>
+        <a:effectLst/>
+      </p:bgPr>
+    </p:bg>
+    <p:spTree>
+      <p:nvGrpSpPr>
+        <p:cNvPr id="1" name=""/>
+        <p:cNvGrpSpPr/>
+        <p:nvPr/>
+      </p:nvGrpSpPr>
+      <p:grpSpPr>
+        <a:xfrm>
+          <a:off x="0" y="0"/>
+          <a:ext cx="0" cy="0"/>
+          <a:chOff x="0" y="0"/>
+          <a:chExt cx="0" cy="0"/>
+        </a:xfrm>
+      </p:grpSpPr>
+    </p:spTree>
+    <p:extLst>
+      <p:ext uri="{BB962C8B-B14F-4D97-AF65-F5344CB8AC3E}">
+        <p14:creationId xmlns:p14="http://schemas.microsoft.com/office/powerpoint/2010/main" val="1074306514"/>
+      </p:ext>
+    </p:extLst>
+  </p:cSld>
+  <p:clrMapOvr>
+    <a:masterClrMapping/>
+  </p:clrMapOvr>
 </p:sld>
 </file>
 
@@ -5641,6 +5801,818 @@
   <p:cSld>
     <p:bg>
       <p:bgPr>
+        <a:gradFill flip="none" rotWithShape="1">
+          <a:gsLst>
+            <a:gs pos="75000">
+              <a:srgbClr val="008060"/>
+            </a:gs>
+            <a:gs pos="95413">
+              <a:srgbClr val="004F2D"/>
+            </a:gs>
+            <a:gs pos="56868">
+              <a:srgbClr val="7EB9FF"/>
+            </a:gs>
+            <a:gs pos="38518">
+              <a:srgbClr val="01A3FB"/>
+            </a:gs>
+            <a:gs pos="17000">
+              <a:srgbClr val="002F6C"/>
+            </a:gs>
+          </a:gsLst>
+          <a:lin ang="5400000" scaled="1"/>
+          <a:tileRect/>
+        </a:gradFill>
+        <a:effectLst/>
+      </p:bgPr>
+    </p:bg>
+    <p:spTree>
+      <p:nvGrpSpPr>
+        <p:cNvPr id="1" name=""/>
+        <p:cNvGrpSpPr/>
+        <p:nvPr/>
+      </p:nvGrpSpPr>
+      <p:grpSpPr>
+        <a:xfrm>
+          <a:off x="0" y="0"/>
+          <a:ext cx="0" cy="0"/>
+          <a:chOff x="0" y="0"/>
+          <a:chExt cx="0" cy="0"/>
+        </a:xfrm>
+      </p:grpSpPr>
+      <mc:AlternateContent xmlns:mc="http://schemas.openxmlformats.org/markup-compatibility/2006">
+        <mc:Choice xmlns:p14="http://schemas.microsoft.com/office/powerpoint/2010/main" Requires="p14">
+          <p:contentPart p14:bwMode="auto" r:id="rId2">
+            <p14:nvContentPartPr>
+              <p14:cNvPr id="10" name="Entrada de lápiz 9">
+                <a:extLst>
+                  <a:ext uri="{FF2B5EF4-FFF2-40B4-BE49-F238E27FC236}">
+                    <a16:creationId xmlns:a16="http://schemas.microsoft.com/office/drawing/2014/main" id="{54A55241-065D-1FE0-CC23-1BA2AC9C1F5A}"/>
+                  </a:ext>
+                </a:extLst>
+              </p14:cNvPr>
+              <p14:cNvContentPartPr/>
+              <p14:nvPr/>
+            </p14:nvContentPartPr>
+            <p14:xfrm>
+              <a:off x="1708613" y="5620928"/>
+              <a:ext cx="360" cy="360"/>
+            </p14:xfrm>
+          </p:contentPart>
+        </mc:Choice>
+        <mc:Fallback>
+          <p:pic>
+            <p:nvPicPr>
+              <p:cNvPr id="10" name="Entrada de lápiz 9">
+                <a:extLst>
+                  <a:ext uri="{FF2B5EF4-FFF2-40B4-BE49-F238E27FC236}">
+                    <a16:creationId xmlns:a16="http://schemas.microsoft.com/office/drawing/2014/main" id="{54A55241-065D-1FE0-CC23-1BA2AC9C1F5A}"/>
+                  </a:ext>
+                </a:extLst>
+              </p:cNvPr>
+              <p:cNvPicPr/>
+              <p:nvPr/>
+            </p:nvPicPr>
+            <p:blipFill>
+              <a:blip r:embed="rId3"/>
+              <a:stretch>
+                <a:fillRect/>
+              </a:stretch>
+            </p:blipFill>
+            <p:spPr>
+              <a:xfrm>
+                <a:off x="1702493" y="5614808"/>
+                <a:ext cx="12600" cy="12600"/>
+              </a:xfrm>
+              <a:prstGeom prst="rect">
+                <a:avLst/>
+              </a:prstGeom>
+            </p:spPr>
+          </p:pic>
+        </mc:Fallback>
+      </mc:AlternateContent>
+      <p:pic>
+        <p:nvPicPr>
+          <p:cNvPr id="9" name="Imagen 8">
+            <a:extLst>
+              <a:ext uri="{FF2B5EF4-FFF2-40B4-BE49-F238E27FC236}">
+                <a16:creationId xmlns:a16="http://schemas.microsoft.com/office/drawing/2014/main" id="{C0629D62-CDA9-C0D7-E69C-5D6906597A61}"/>
+              </a:ext>
+            </a:extLst>
+          </p:cNvPr>
+          <p:cNvPicPr>
+            <a:picLocks noChangeAspect="1"/>
+          </p:cNvPicPr>
+          <p:nvPr/>
+        </p:nvPicPr>
+        <p:blipFill>
+          <a:blip r:embed="rId4">
+            <a:extLst>
+              <a:ext uri="{28A0092B-C50C-407E-A947-70E740481C1C}">
+                <a14:useLocalDpi xmlns:a14="http://schemas.microsoft.com/office/drawing/2010/main" val="0"/>
+              </a:ext>
+            </a:extLst>
+          </a:blip>
+          <a:stretch>
+            <a:fillRect/>
+          </a:stretch>
+        </p:blipFill>
+        <p:spPr>
+          <a:xfrm>
+            <a:off x="0" y="5429250"/>
+            <a:ext cx="1428750" cy="1428750"/>
+          </a:xfrm>
+          <a:prstGeom prst="rect">
+            <a:avLst/>
+          </a:prstGeom>
+        </p:spPr>
+      </p:pic>
+      <p:pic>
+        <p:nvPicPr>
+          <p:cNvPr id="11" name="Marcador de contenido 10">
+            <a:extLst>
+              <a:ext uri="{FF2B5EF4-FFF2-40B4-BE49-F238E27FC236}">
+                <a16:creationId xmlns:a16="http://schemas.microsoft.com/office/drawing/2014/main" id="{B65F5A64-6B3B-9999-F8EB-29FF7556107A}"/>
+              </a:ext>
+            </a:extLst>
+          </p:cNvPr>
+          <p:cNvPicPr>
+            <a:picLocks noChangeAspect="1"/>
+          </p:cNvPicPr>
+          <p:nvPr/>
+        </p:nvPicPr>
+        <p:blipFill>
+          <a:blip r:embed="rId5">
+            <a:extLst>
+              <a:ext uri="{28A0092B-C50C-407E-A947-70E740481C1C}">
+                <a14:useLocalDpi xmlns:a14="http://schemas.microsoft.com/office/drawing/2010/main" val="0"/>
+              </a:ext>
+            </a:extLst>
+          </a:blip>
+          <a:srcRect t="21796" b="21796"/>
+          <a:stretch/>
+        </p:blipFill>
+        <p:spPr>
+          <a:xfrm>
+            <a:off x="10456906" y="5803328"/>
+            <a:ext cx="1793787" cy="1011836"/>
+          </a:xfrm>
+          <a:prstGeom prst="rect">
+            <a:avLst/>
+          </a:prstGeom>
+        </p:spPr>
+      </p:pic>
+      <p:sp>
+        <p:nvSpPr>
+          <p:cNvPr id="4" name="Título 3">
+            <a:extLst>
+              <a:ext uri="{FF2B5EF4-FFF2-40B4-BE49-F238E27FC236}">
+                <a16:creationId xmlns:a16="http://schemas.microsoft.com/office/drawing/2014/main" id="{AC02598F-8AB8-8281-4E4B-A243C9635DE1}"/>
+              </a:ext>
+            </a:extLst>
+          </p:cNvPr>
+          <p:cNvSpPr>
+            <a:spLocks noGrp="1"/>
+          </p:cNvSpPr>
+          <p:nvPr>
+            <p:ph type="title"/>
+          </p:nvPr>
+        </p:nvSpPr>
+        <p:spPr/>
+        <p:txBody>
+          <a:bodyPr/>
+          <a:lstStyle/>
+          <a:p>
+            <a:endParaRPr lang="es-SV"/>
+          </a:p>
+        </p:txBody>
+      </p:sp>
+    </p:spTree>
+    <p:extLst>
+      <p:ext uri="{BB962C8B-B14F-4D97-AF65-F5344CB8AC3E}">
+        <p14:creationId xmlns:p14="http://schemas.microsoft.com/office/powerpoint/2010/main" val="1233757500"/>
+      </p:ext>
+    </p:extLst>
+  </p:cSld>
+  <p:clrMapOvr>
+    <a:masterClrMapping/>
+  </p:clrMapOvr>
+</p:sld>
+</file>
+
+<file path=ppt/slides/slide6.xml><?xml version="1.0" encoding="utf-8"?>
+<p:sld xmlns:a="http://schemas.openxmlformats.org/drawingml/2006/main" xmlns:r="http://schemas.openxmlformats.org/officeDocument/2006/relationships" xmlns:p="http://schemas.openxmlformats.org/presentationml/2006/main">
+  <p:cSld>
+    <p:bg>
+      <p:bgPr>
+        <a:gradFill flip="none" rotWithShape="1">
+          <a:gsLst>
+            <a:gs pos="75000">
+              <a:srgbClr val="008060"/>
+            </a:gs>
+            <a:gs pos="95413">
+              <a:srgbClr val="004F2D"/>
+            </a:gs>
+            <a:gs pos="56868">
+              <a:srgbClr val="7EB9FF"/>
+            </a:gs>
+            <a:gs pos="38518">
+              <a:srgbClr val="01A3FB"/>
+            </a:gs>
+            <a:gs pos="17000">
+              <a:srgbClr val="002F6C"/>
+            </a:gs>
+          </a:gsLst>
+          <a:lin ang="5400000" scaled="1"/>
+          <a:tileRect/>
+        </a:gradFill>
+        <a:effectLst/>
+      </p:bgPr>
+    </p:bg>
+    <p:spTree>
+      <p:nvGrpSpPr>
+        <p:cNvPr id="1" name=""/>
+        <p:cNvGrpSpPr/>
+        <p:nvPr/>
+      </p:nvGrpSpPr>
+      <p:grpSpPr>
+        <a:xfrm>
+          <a:off x="0" y="0"/>
+          <a:ext cx="0" cy="0"/>
+          <a:chOff x="0" y="0"/>
+          <a:chExt cx="0" cy="0"/>
+        </a:xfrm>
+      </p:grpSpPr>
+      <mc:AlternateContent xmlns:mc="http://schemas.openxmlformats.org/markup-compatibility/2006">
+        <mc:Choice xmlns:p14="http://schemas.microsoft.com/office/powerpoint/2010/main" Requires="p14">
+          <p:contentPart p14:bwMode="auto" r:id="rId2">
+            <p14:nvContentPartPr>
+              <p14:cNvPr id="10" name="Entrada de lápiz 9">
+                <a:extLst>
+                  <a:ext uri="{FF2B5EF4-FFF2-40B4-BE49-F238E27FC236}">
+                    <a16:creationId xmlns:a16="http://schemas.microsoft.com/office/drawing/2014/main" id="{54A55241-065D-1FE0-CC23-1BA2AC9C1F5A}"/>
+                  </a:ext>
+                </a:extLst>
+              </p14:cNvPr>
+              <p14:cNvContentPartPr/>
+              <p14:nvPr/>
+            </p14:nvContentPartPr>
+            <p14:xfrm>
+              <a:off x="1708613" y="5620928"/>
+              <a:ext cx="360" cy="360"/>
+            </p14:xfrm>
+          </p:contentPart>
+        </mc:Choice>
+        <mc:Fallback>
+          <p:pic>
+            <p:nvPicPr>
+              <p:cNvPr id="10" name="Entrada de lápiz 9">
+                <a:extLst>
+                  <a:ext uri="{FF2B5EF4-FFF2-40B4-BE49-F238E27FC236}">
+                    <a16:creationId xmlns:a16="http://schemas.microsoft.com/office/drawing/2014/main" id="{54A55241-065D-1FE0-CC23-1BA2AC9C1F5A}"/>
+                  </a:ext>
+                </a:extLst>
+              </p:cNvPr>
+              <p:cNvPicPr/>
+              <p:nvPr/>
+            </p:nvPicPr>
+            <p:blipFill>
+              <a:blip r:embed="rId3"/>
+              <a:stretch>
+                <a:fillRect/>
+              </a:stretch>
+            </p:blipFill>
+            <p:spPr>
+              <a:xfrm>
+                <a:off x="1702493" y="5614808"/>
+                <a:ext cx="12600" cy="12600"/>
+              </a:xfrm>
+              <a:prstGeom prst="rect">
+                <a:avLst/>
+              </a:prstGeom>
+            </p:spPr>
+          </p:pic>
+        </mc:Fallback>
+      </mc:AlternateContent>
+      <p:pic>
+        <p:nvPicPr>
+          <p:cNvPr id="9" name="Imagen 8">
+            <a:extLst>
+              <a:ext uri="{FF2B5EF4-FFF2-40B4-BE49-F238E27FC236}">
+                <a16:creationId xmlns:a16="http://schemas.microsoft.com/office/drawing/2014/main" id="{C0629D62-CDA9-C0D7-E69C-5D6906597A61}"/>
+              </a:ext>
+            </a:extLst>
+          </p:cNvPr>
+          <p:cNvPicPr>
+            <a:picLocks noChangeAspect="1"/>
+          </p:cNvPicPr>
+          <p:nvPr/>
+        </p:nvPicPr>
+        <p:blipFill>
+          <a:blip r:embed="rId4">
+            <a:extLst>
+              <a:ext uri="{28A0092B-C50C-407E-A947-70E740481C1C}">
+                <a14:useLocalDpi xmlns:a14="http://schemas.microsoft.com/office/drawing/2010/main" val="0"/>
+              </a:ext>
+            </a:extLst>
+          </a:blip>
+          <a:stretch>
+            <a:fillRect/>
+          </a:stretch>
+        </p:blipFill>
+        <p:spPr>
+          <a:xfrm>
+            <a:off x="0" y="5429250"/>
+            <a:ext cx="1428750" cy="1428750"/>
+          </a:xfrm>
+          <a:prstGeom prst="rect">
+            <a:avLst/>
+          </a:prstGeom>
+        </p:spPr>
+      </p:pic>
+      <p:pic>
+        <p:nvPicPr>
+          <p:cNvPr id="11" name="Marcador de contenido 10">
+            <a:extLst>
+              <a:ext uri="{FF2B5EF4-FFF2-40B4-BE49-F238E27FC236}">
+                <a16:creationId xmlns:a16="http://schemas.microsoft.com/office/drawing/2014/main" id="{B65F5A64-6B3B-9999-F8EB-29FF7556107A}"/>
+              </a:ext>
+            </a:extLst>
+          </p:cNvPr>
+          <p:cNvPicPr>
+            <a:picLocks noChangeAspect="1"/>
+          </p:cNvPicPr>
+          <p:nvPr/>
+        </p:nvPicPr>
+        <p:blipFill>
+          <a:blip r:embed="rId5">
+            <a:extLst>
+              <a:ext uri="{28A0092B-C50C-407E-A947-70E740481C1C}">
+                <a14:useLocalDpi xmlns:a14="http://schemas.microsoft.com/office/drawing/2010/main" val="0"/>
+              </a:ext>
+            </a:extLst>
+          </a:blip>
+          <a:srcRect t="21796" b="21796"/>
+          <a:stretch/>
+        </p:blipFill>
+        <p:spPr>
+          <a:xfrm>
+            <a:off x="10456906" y="5803328"/>
+            <a:ext cx="1793787" cy="1011836"/>
+          </a:xfrm>
+          <a:prstGeom prst="rect">
+            <a:avLst/>
+          </a:prstGeom>
+        </p:spPr>
+      </p:pic>
+      <p:sp>
+        <p:nvSpPr>
+          <p:cNvPr id="4" name="Título 3">
+            <a:extLst>
+              <a:ext uri="{FF2B5EF4-FFF2-40B4-BE49-F238E27FC236}">
+                <a16:creationId xmlns:a16="http://schemas.microsoft.com/office/drawing/2014/main" id="{AC02598F-8AB8-8281-4E4B-A243C9635DE1}"/>
+              </a:ext>
+            </a:extLst>
+          </p:cNvPr>
+          <p:cNvSpPr>
+            <a:spLocks noGrp="1"/>
+          </p:cNvSpPr>
+          <p:nvPr>
+            <p:ph type="title"/>
+          </p:nvPr>
+        </p:nvSpPr>
+        <p:spPr/>
+        <p:txBody>
+          <a:bodyPr/>
+          <a:lstStyle/>
+          <a:p>
+            <a:endParaRPr lang="es-SV"/>
+          </a:p>
+        </p:txBody>
+      </p:sp>
+    </p:spTree>
+    <p:extLst>
+      <p:ext uri="{BB962C8B-B14F-4D97-AF65-F5344CB8AC3E}">
+        <p14:creationId xmlns:p14="http://schemas.microsoft.com/office/powerpoint/2010/main" val="2185984485"/>
+      </p:ext>
+    </p:extLst>
+  </p:cSld>
+  <p:clrMapOvr>
+    <a:masterClrMapping/>
+  </p:clrMapOvr>
+</p:sld>
+</file>
+
+<file path=ppt/slides/slide7.xml><?xml version="1.0" encoding="utf-8"?>
+<p:sld xmlns:a="http://schemas.openxmlformats.org/drawingml/2006/main" xmlns:r="http://schemas.openxmlformats.org/officeDocument/2006/relationships" xmlns:p="http://schemas.openxmlformats.org/presentationml/2006/main">
+  <p:cSld>
+    <p:bg>
+      <p:bgPr>
+        <a:gradFill flip="none" rotWithShape="1">
+          <a:gsLst>
+            <a:gs pos="75000">
+              <a:srgbClr val="008060"/>
+            </a:gs>
+            <a:gs pos="95413">
+              <a:srgbClr val="004F2D"/>
+            </a:gs>
+            <a:gs pos="56868">
+              <a:srgbClr val="7EB9FF"/>
+            </a:gs>
+            <a:gs pos="38518">
+              <a:srgbClr val="01A3FB"/>
+            </a:gs>
+            <a:gs pos="17000">
+              <a:srgbClr val="002F6C"/>
+            </a:gs>
+          </a:gsLst>
+          <a:lin ang="5400000" scaled="1"/>
+          <a:tileRect/>
+        </a:gradFill>
+        <a:effectLst/>
+      </p:bgPr>
+    </p:bg>
+    <p:spTree>
+      <p:nvGrpSpPr>
+        <p:cNvPr id="1" name=""/>
+        <p:cNvGrpSpPr/>
+        <p:nvPr/>
+      </p:nvGrpSpPr>
+      <p:grpSpPr>
+        <a:xfrm>
+          <a:off x="0" y="0"/>
+          <a:ext cx="0" cy="0"/>
+          <a:chOff x="0" y="0"/>
+          <a:chExt cx="0" cy="0"/>
+        </a:xfrm>
+      </p:grpSpPr>
+      <mc:AlternateContent xmlns:mc="http://schemas.openxmlformats.org/markup-compatibility/2006">
+        <mc:Choice xmlns:p14="http://schemas.microsoft.com/office/powerpoint/2010/main" Requires="p14">
+          <p:contentPart p14:bwMode="auto" r:id="rId2">
+            <p14:nvContentPartPr>
+              <p14:cNvPr id="10" name="Entrada de lápiz 9">
+                <a:extLst>
+                  <a:ext uri="{FF2B5EF4-FFF2-40B4-BE49-F238E27FC236}">
+                    <a16:creationId xmlns:a16="http://schemas.microsoft.com/office/drawing/2014/main" id="{54A55241-065D-1FE0-CC23-1BA2AC9C1F5A}"/>
+                  </a:ext>
+                </a:extLst>
+              </p14:cNvPr>
+              <p14:cNvContentPartPr/>
+              <p14:nvPr/>
+            </p14:nvContentPartPr>
+            <p14:xfrm>
+              <a:off x="1708613" y="5620928"/>
+              <a:ext cx="360" cy="360"/>
+            </p14:xfrm>
+          </p:contentPart>
+        </mc:Choice>
+        <mc:Fallback>
+          <p:pic>
+            <p:nvPicPr>
+              <p:cNvPr id="10" name="Entrada de lápiz 9">
+                <a:extLst>
+                  <a:ext uri="{FF2B5EF4-FFF2-40B4-BE49-F238E27FC236}">
+                    <a16:creationId xmlns:a16="http://schemas.microsoft.com/office/drawing/2014/main" id="{54A55241-065D-1FE0-CC23-1BA2AC9C1F5A}"/>
+                  </a:ext>
+                </a:extLst>
+              </p:cNvPr>
+              <p:cNvPicPr/>
+              <p:nvPr/>
+            </p:nvPicPr>
+            <p:blipFill>
+              <a:blip r:embed="rId3"/>
+              <a:stretch>
+                <a:fillRect/>
+              </a:stretch>
+            </p:blipFill>
+            <p:spPr>
+              <a:xfrm>
+                <a:off x="1702493" y="5614808"/>
+                <a:ext cx="12600" cy="12600"/>
+              </a:xfrm>
+              <a:prstGeom prst="rect">
+                <a:avLst/>
+              </a:prstGeom>
+            </p:spPr>
+          </p:pic>
+        </mc:Fallback>
+      </mc:AlternateContent>
+      <p:pic>
+        <p:nvPicPr>
+          <p:cNvPr id="9" name="Imagen 8">
+            <a:extLst>
+              <a:ext uri="{FF2B5EF4-FFF2-40B4-BE49-F238E27FC236}">
+                <a16:creationId xmlns:a16="http://schemas.microsoft.com/office/drawing/2014/main" id="{C0629D62-CDA9-C0D7-E69C-5D6906597A61}"/>
+              </a:ext>
+            </a:extLst>
+          </p:cNvPr>
+          <p:cNvPicPr>
+            <a:picLocks noChangeAspect="1"/>
+          </p:cNvPicPr>
+          <p:nvPr/>
+        </p:nvPicPr>
+        <p:blipFill>
+          <a:blip r:embed="rId4">
+            <a:extLst>
+              <a:ext uri="{28A0092B-C50C-407E-A947-70E740481C1C}">
+                <a14:useLocalDpi xmlns:a14="http://schemas.microsoft.com/office/drawing/2010/main" val="0"/>
+              </a:ext>
+            </a:extLst>
+          </a:blip>
+          <a:stretch>
+            <a:fillRect/>
+          </a:stretch>
+        </p:blipFill>
+        <p:spPr>
+          <a:xfrm>
+            <a:off x="0" y="5429250"/>
+            <a:ext cx="1428750" cy="1428750"/>
+          </a:xfrm>
+          <a:prstGeom prst="rect">
+            <a:avLst/>
+          </a:prstGeom>
+        </p:spPr>
+      </p:pic>
+      <p:pic>
+        <p:nvPicPr>
+          <p:cNvPr id="11" name="Marcador de contenido 10">
+            <a:extLst>
+              <a:ext uri="{FF2B5EF4-FFF2-40B4-BE49-F238E27FC236}">
+                <a16:creationId xmlns:a16="http://schemas.microsoft.com/office/drawing/2014/main" id="{B65F5A64-6B3B-9999-F8EB-29FF7556107A}"/>
+              </a:ext>
+            </a:extLst>
+          </p:cNvPr>
+          <p:cNvPicPr>
+            <a:picLocks noChangeAspect="1"/>
+          </p:cNvPicPr>
+          <p:nvPr/>
+        </p:nvPicPr>
+        <p:blipFill>
+          <a:blip r:embed="rId5">
+            <a:extLst>
+              <a:ext uri="{28A0092B-C50C-407E-A947-70E740481C1C}">
+                <a14:useLocalDpi xmlns:a14="http://schemas.microsoft.com/office/drawing/2010/main" val="0"/>
+              </a:ext>
+            </a:extLst>
+          </a:blip>
+          <a:srcRect t="21796" b="21796"/>
+          <a:stretch/>
+        </p:blipFill>
+        <p:spPr>
+          <a:xfrm>
+            <a:off x="10456906" y="5803328"/>
+            <a:ext cx="1793787" cy="1011836"/>
+          </a:xfrm>
+          <a:prstGeom prst="rect">
+            <a:avLst/>
+          </a:prstGeom>
+        </p:spPr>
+      </p:pic>
+      <p:sp>
+        <p:nvSpPr>
+          <p:cNvPr id="4" name="Título 3">
+            <a:extLst>
+              <a:ext uri="{FF2B5EF4-FFF2-40B4-BE49-F238E27FC236}">
+                <a16:creationId xmlns:a16="http://schemas.microsoft.com/office/drawing/2014/main" id="{AC02598F-8AB8-8281-4E4B-A243C9635DE1}"/>
+              </a:ext>
+            </a:extLst>
+          </p:cNvPr>
+          <p:cNvSpPr>
+            <a:spLocks noGrp="1"/>
+          </p:cNvSpPr>
+          <p:nvPr>
+            <p:ph type="title"/>
+          </p:nvPr>
+        </p:nvSpPr>
+        <p:spPr/>
+        <p:txBody>
+          <a:bodyPr/>
+          <a:lstStyle/>
+          <a:p>
+            <a:endParaRPr lang="es-SV"/>
+          </a:p>
+        </p:txBody>
+      </p:sp>
+    </p:spTree>
+    <p:extLst>
+      <p:ext uri="{BB962C8B-B14F-4D97-AF65-F5344CB8AC3E}">
+        <p14:creationId xmlns:p14="http://schemas.microsoft.com/office/powerpoint/2010/main" val="2066409400"/>
+      </p:ext>
+    </p:extLst>
+  </p:cSld>
+  <p:clrMapOvr>
+    <a:masterClrMapping/>
+  </p:clrMapOvr>
+</p:sld>
+</file>
+
+<file path=ppt/slides/slide8.xml><?xml version="1.0" encoding="utf-8"?>
+<p:sld xmlns:a="http://schemas.openxmlformats.org/drawingml/2006/main" xmlns:r="http://schemas.openxmlformats.org/officeDocument/2006/relationships" xmlns:p="http://schemas.openxmlformats.org/presentationml/2006/main">
+  <p:cSld>
+    <p:bg>
+      <p:bgPr>
+        <a:gradFill flip="none" rotWithShape="1">
+          <a:gsLst>
+            <a:gs pos="75000">
+              <a:srgbClr val="008060"/>
+            </a:gs>
+            <a:gs pos="95413">
+              <a:srgbClr val="004F2D"/>
+            </a:gs>
+            <a:gs pos="56868">
+              <a:srgbClr val="7EB9FF"/>
+            </a:gs>
+            <a:gs pos="38518">
+              <a:srgbClr val="01A3FB"/>
+            </a:gs>
+            <a:gs pos="17000">
+              <a:srgbClr val="002F6C"/>
+            </a:gs>
+          </a:gsLst>
+          <a:lin ang="5400000" scaled="1"/>
+          <a:tileRect/>
+        </a:gradFill>
+        <a:effectLst/>
+      </p:bgPr>
+    </p:bg>
+    <p:spTree>
+      <p:nvGrpSpPr>
+        <p:cNvPr id="1" name=""/>
+        <p:cNvGrpSpPr/>
+        <p:nvPr/>
+      </p:nvGrpSpPr>
+      <p:grpSpPr>
+        <a:xfrm>
+          <a:off x="0" y="0"/>
+          <a:ext cx="0" cy="0"/>
+          <a:chOff x="0" y="0"/>
+          <a:chExt cx="0" cy="0"/>
+        </a:xfrm>
+      </p:grpSpPr>
+      <mc:AlternateContent xmlns:mc="http://schemas.openxmlformats.org/markup-compatibility/2006">
+        <mc:Choice xmlns:p14="http://schemas.microsoft.com/office/powerpoint/2010/main" Requires="p14">
+          <p:contentPart p14:bwMode="auto" r:id="rId2">
+            <p14:nvContentPartPr>
+              <p14:cNvPr id="10" name="Entrada de lápiz 9">
+                <a:extLst>
+                  <a:ext uri="{FF2B5EF4-FFF2-40B4-BE49-F238E27FC236}">
+                    <a16:creationId xmlns:a16="http://schemas.microsoft.com/office/drawing/2014/main" id="{54A55241-065D-1FE0-CC23-1BA2AC9C1F5A}"/>
+                  </a:ext>
+                </a:extLst>
+              </p14:cNvPr>
+              <p14:cNvContentPartPr/>
+              <p14:nvPr/>
+            </p14:nvContentPartPr>
+            <p14:xfrm>
+              <a:off x="1708613" y="5620928"/>
+              <a:ext cx="360" cy="360"/>
+            </p14:xfrm>
+          </p:contentPart>
+        </mc:Choice>
+        <mc:Fallback>
+          <p:pic>
+            <p:nvPicPr>
+              <p:cNvPr id="10" name="Entrada de lápiz 9">
+                <a:extLst>
+                  <a:ext uri="{FF2B5EF4-FFF2-40B4-BE49-F238E27FC236}">
+                    <a16:creationId xmlns:a16="http://schemas.microsoft.com/office/drawing/2014/main" id="{54A55241-065D-1FE0-CC23-1BA2AC9C1F5A}"/>
+                  </a:ext>
+                </a:extLst>
+              </p:cNvPr>
+              <p:cNvPicPr/>
+              <p:nvPr/>
+            </p:nvPicPr>
+            <p:blipFill>
+              <a:blip r:embed="rId3"/>
+              <a:stretch>
+                <a:fillRect/>
+              </a:stretch>
+            </p:blipFill>
+            <p:spPr>
+              <a:xfrm>
+                <a:off x="1702493" y="5614808"/>
+                <a:ext cx="12600" cy="12600"/>
+              </a:xfrm>
+              <a:prstGeom prst="rect">
+                <a:avLst/>
+              </a:prstGeom>
+            </p:spPr>
+          </p:pic>
+        </mc:Fallback>
+      </mc:AlternateContent>
+      <p:pic>
+        <p:nvPicPr>
+          <p:cNvPr id="9" name="Imagen 8">
+            <a:extLst>
+              <a:ext uri="{FF2B5EF4-FFF2-40B4-BE49-F238E27FC236}">
+                <a16:creationId xmlns:a16="http://schemas.microsoft.com/office/drawing/2014/main" id="{C0629D62-CDA9-C0D7-E69C-5D6906597A61}"/>
+              </a:ext>
+            </a:extLst>
+          </p:cNvPr>
+          <p:cNvPicPr>
+            <a:picLocks noChangeAspect="1"/>
+          </p:cNvPicPr>
+          <p:nvPr/>
+        </p:nvPicPr>
+        <p:blipFill>
+          <a:blip r:embed="rId4">
+            <a:extLst>
+              <a:ext uri="{28A0092B-C50C-407E-A947-70E740481C1C}">
+                <a14:useLocalDpi xmlns:a14="http://schemas.microsoft.com/office/drawing/2010/main" val="0"/>
+              </a:ext>
+            </a:extLst>
+          </a:blip>
+          <a:stretch>
+            <a:fillRect/>
+          </a:stretch>
+        </p:blipFill>
+        <p:spPr>
+          <a:xfrm>
+            <a:off x="0" y="5429250"/>
+            <a:ext cx="1428750" cy="1428750"/>
+          </a:xfrm>
+          <a:prstGeom prst="rect">
+            <a:avLst/>
+          </a:prstGeom>
+        </p:spPr>
+      </p:pic>
+      <p:pic>
+        <p:nvPicPr>
+          <p:cNvPr id="11" name="Marcador de contenido 10">
+            <a:extLst>
+              <a:ext uri="{FF2B5EF4-FFF2-40B4-BE49-F238E27FC236}">
+                <a16:creationId xmlns:a16="http://schemas.microsoft.com/office/drawing/2014/main" id="{B65F5A64-6B3B-9999-F8EB-29FF7556107A}"/>
+              </a:ext>
+            </a:extLst>
+          </p:cNvPr>
+          <p:cNvPicPr>
+            <a:picLocks noChangeAspect="1"/>
+          </p:cNvPicPr>
+          <p:nvPr/>
+        </p:nvPicPr>
+        <p:blipFill>
+          <a:blip r:embed="rId5">
+            <a:extLst>
+              <a:ext uri="{28A0092B-C50C-407E-A947-70E740481C1C}">
+                <a14:useLocalDpi xmlns:a14="http://schemas.microsoft.com/office/drawing/2010/main" val="0"/>
+              </a:ext>
+            </a:extLst>
+          </a:blip>
+          <a:srcRect t="21796" b="21796"/>
+          <a:stretch/>
+        </p:blipFill>
+        <p:spPr>
+          <a:xfrm>
+            <a:off x="10456906" y="5803328"/>
+            <a:ext cx="1793787" cy="1011836"/>
+          </a:xfrm>
+          <a:prstGeom prst="rect">
+            <a:avLst/>
+          </a:prstGeom>
+        </p:spPr>
+      </p:pic>
+      <p:sp>
+        <p:nvSpPr>
+          <p:cNvPr id="4" name="Título 3">
+            <a:extLst>
+              <a:ext uri="{FF2B5EF4-FFF2-40B4-BE49-F238E27FC236}">
+                <a16:creationId xmlns:a16="http://schemas.microsoft.com/office/drawing/2014/main" id="{AC02598F-8AB8-8281-4E4B-A243C9635DE1}"/>
+              </a:ext>
+            </a:extLst>
+          </p:cNvPr>
+          <p:cNvSpPr>
+            <a:spLocks noGrp="1"/>
+          </p:cNvSpPr>
+          <p:nvPr>
+            <p:ph type="title"/>
+          </p:nvPr>
+        </p:nvSpPr>
+        <p:spPr/>
+        <p:txBody>
+          <a:bodyPr/>
+          <a:lstStyle/>
+          <a:p>
+            <a:endParaRPr lang="es-SV"/>
+          </a:p>
+        </p:txBody>
+      </p:sp>
+    </p:spTree>
+    <p:extLst>
+      <p:ext uri="{BB962C8B-B14F-4D97-AF65-F5344CB8AC3E}">
+        <p14:creationId xmlns:p14="http://schemas.microsoft.com/office/powerpoint/2010/main" val="1865749463"/>
+      </p:ext>
+    </p:extLst>
+  </p:cSld>
+  <p:clrMapOvr>
+    <a:masterClrMapping/>
+  </p:clrMapOvr>
+</p:sld>
+</file>
+
+<file path=ppt/slides/slide9.xml><?xml version="1.0" encoding="utf-8"?>
+<p:sld xmlns:a="http://schemas.openxmlformats.org/drawingml/2006/main" xmlns:r="http://schemas.openxmlformats.org/officeDocument/2006/relationships" xmlns:p="http://schemas.openxmlformats.org/presentationml/2006/main">
+  <p:cSld>
+    <p:bg>
+      <p:bgPr>
         <a:blipFill dpi="0" rotWithShape="1">
           <a:blip r:embed="rId2">
             <a:lum/>
@@ -6023,50 +6995,6 @@
       </p:par>
     </p:tnLst>
   </p:timing>
-</p:sld>
-</file>
-
-<file path=ppt/slides/slide6.xml><?xml version="1.0" encoding="utf-8"?>
-<p:sld xmlns:a="http://schemas.openxmlformats.org/drawingml/2006/main" xmlns:r="http://schemas.openxmlformats.org/officeDocument/2006/relationships" xmlns:p="http://schemas.openxmlformats.org/presentationml/2006/main">
-  <p:cSld>
-    <p:bg>
-      <p:bgPr>
-        <a:blipFill dpi="0" rotWithShape="1">
-          <a:blip r:embed="rId2">
-            <a:lum/>
-          </a:blip>
-          <a:srcRect/>
-          <a:stretch>
-            <a:fillRect/>
-          </a:stretch>
-        </a:blipFill>
-        <a:effectLst/>
-      </p:bgPr>
-    </p:bg>
-    <p:spTree>
-      <p:nvGrpSpPr>
-        <p:cNvPr id="1" name=""/>
-        <p:cNvGrpSpPr/>
-        <p:nvPr/>
-      </p:nvGrpSpPr>
-      <p:grpSpPr>
-        <a:xfrm>
-          <a:off x="0" y="0"/>
-          <a:ext cx="0" cy="0"/>
-          <a:chOff x="0" y="0"/>
-          <a:chExt cx="0" cy="0"/>
-        </a:xfrm>
-      </p:grpSpPr>
-    </p:spTree>
-    <p:extLst>
-      <p:ext uri="{BB962C8B-B14F-4D97-AF65-F5344CB8AC3E}">
-        <p14:creationId xmlns:p14="http://schemas.microsoft.com/office/powerpoint/2010/main" val="1074306514"/>
-      </p:ext>
-    </p:extLst>
-  </p:cSld>
-  <p:clrMapOvr>
-    <a:masterClrMapping/>
-  </p:clrMapOvr>
 </p:sld>
 </file>
 

--- a/Presentación1.pptx
+++ b/Presentación1.pptx
@@ -5363,10 +5363,10 @@
       </p:pic>
       <p:sp>
         <p:nvSpPr>
-          <p:cNvPr id="4" name="Título 3">
-            <a:extLst>
-              <a:ext uri="{FF2B5EF4-FFF2-40B4-BE49-F238E27FC236}">
-                <a16:creationId xmlns:a16="http://schemas.microsoft.com/office/drawing/2014/main" id="{AC02598F-8AB8-8281-4E4B-A243C9635DE1}"/>
+          <p:cNvPr id="2" name="Título 1">
+            <a:extLst>
+              <a:ext uri="{FF2B5EF4-FFF2-40B4-BE49-F238E27FC236}">
+                <a16:creationId xmlns:a16="http://schemas.microsoft.com/office/drawing/2014/main" id="{9EAB624F-A3C1-67A2-C136-7959C8CC3DB9}"/>
               </a:ext>
             </a:extLst>
           </p:cNvPr>
@@ -5377,15 +5377,270 @@
             <p:ph type="title"/>
           </p:nvPr>
         </p:nvSpPr>
-        <p:spPr/>
+        <p:spPr>
+          <a:xfrm>
+            <a:off x="838200" y="247139"/>
+            <a:ext cx="6049297" cy="799998"/>
+          </a:xfrm>
+        </p:spPr>
         <p:txBody>
           <a:bodyPr/>
           <a:lstStyle/>
           <a:p>
-            <a:endParaRPr lang="es-SV"/>
+            <a:r>
+              <a:rPr lang="es-MX" dirty="0">
+                <a:solidFill>
+                  <a:schemeClr val="bg1"/>
+                </a:solidFill>
+              </a:rPr>
+              <a:t>¿Qué es un contenedor?</a:t>
+            </a:r>
+            <a:endParaRPr lang="es-SV" dirty="0">
+              <a:solidFill>
+                <a:schemeClr val="bg1"/>
+              </a:solidFill>
+            </a:endParaRPr>
           </a:p>
         </p:txBody>
       </p:sp>
+      <p:sp>
+        <p:nvSpPr>
+          <p:cNvPr id="3" name="Marcador de contenido 2">
+            <a:extLst>
+              <a:ext uri="{FF2B5EF4-FFF2-40B4-BE49-F238E27FC236}">
+                <a16:creationId xmlns:a16="http://schemas.microsoft.com/office/drawing/2014/main" id="{DAFC3CAA-5042-31F1-FA2A-10D12C5D795D}"/>
+              </a:ext>
+            </a:extLst>
+          </p:cNvPr>
+          <p:cNvSpPr txBox="1">
+            <a:spLocks/>
+          </p:cNvSpPr>
+          <p:nvPr/>
+        </p:nvSpPr>
+        <p:spPr>
+          <a:xfrm>
+            <a:off x="838200" y="1253331"/>
+            <a:ext cx="10515600" cy="4351338"/>
+          </a:xfrm>
+          <a:prstGeom prst="rect">
+            <a:avLst/>
+          </a:prstGeom>
+        </p:spPr>
+        <p:txBody>
+          <a:bodyPr/>
+          <a:lstStyle>
+            <a:lvl1pPr marL="228600" indent="-228600" algn="l" defTabSz="914400" rtl="0" eaLnBrk="1" latinLnBrk="0" hangingPunct="1">
+              <a:lnSpc>
+                <a:spcPct val="90000"/>
+              </a:lnSpc>
+              <a:spcBef>
+                <a:spcPts val="1000"/>
+              </a:spcBef>
+              <a:buFont typeface="Arial" panose="020B0604020202020204" pitchFamily="34" charset="0"/>
+              <a:buChar char="•"/>
+              <a:defRPr sz="2800" kern="1200">
+                <a:solidFill>
+                  <a:schemeClr val="tx1"/>
+                </a:solidFill>
+                <a:latin typeface="+mn-lt"/>
+                <a:ea typeface="+mn-ea"/>
+                <a:cs typeface="+mn-cs"/>
+              </a:defRPr>
+            </a:lvl1pPr>
+            <a:lvl2pPr marL="685800" indent="-228600" algn="l" defTabSz="914400" rtl="0" eaLnBrk="1" latinLnBrk="0" hangingPunct="1">
+              <a:lnSpc>
+                <a:spcPct val="90000"/>
+              </a:lnSpc>
+              <a:spcBef>
+                <a:spcPts val="500"/>
+              </a:spcBef>
+              <a:buFont typeface="Arial" panose="020B0604020202020204" pitchFamily="34" charset="0"/>
+              <a:buChar char="•"/>
+              <a:defRPr sz="2400" kern="1200">
+                <a:solidFill>
+                  <a:schemeClr val="tx1"/>
+                </a:solidFill>
+                <a:latin typeface="+mn-lt"/>
+                <a:ea typeface="+mn-ea"/>
+                <a:cs typeface="+mn-cs"/>
+              </a:defRPr>
+            </a:lvl2pPr>
+            <a:lvl3pPr marL="1143000" indent="-228600" algn="l" defTabSz="914400" rtl="0" eaLnBrk="1" latinLnBrk="0" hangingPunct="1">
+              <a:lnSpc>
+                <a:spcPct val="90000"/>
+              </a:lnSpc>
+              <a:spcBef>
+                <a:spcPts val="500"/>
+              </a:spcBef>
+              <a:buFont typeface="Arial" panose="020B0604020202020204" pitchFamily="34" charset="0"/>
+              <a:buChar char="•"/>
+              <a:defRPr sz="2000" kern="1200">
+                <a:solidFill>
+                  <a:schemeClr val="tx1"/>
+                </a:solidFill>
+                <a:latin typeface="+mn-lt"/>
+                <a:ea typeface="+mn-ea"/>
+                <a:cs typeface="+mn-cs"/>
+              </a:defRPr>
+            </a:lvl3pPr>
+            <a:lvl4pPr marL="1600200" indent="-228600" algn="l" defTabSz="914400" rtl="0" eaLnBrk="1" latinLnBrk="0" hangingPunct="1">
+              <a:lnSpc>
+                <a:spcPct val="90000"/>
+              </a:lnSpc>
+              <a:spcBef>
+                <a:spcPts val="500"/>
+              </a:spcBef>
+              <a:buFont typeface="Arial" panose="020B0604020202020204" pitchFamily="34" charset="0"/>
+              <a:buChar char="•"/>
+              <a:defRPr sz="1800" kern="1200">
+                <a:solidFill>
+                  <a:schemeClr val="tx1"/>
+                </a:solidFill>
+                <a:latin typeface="+mn-lt"/>
+                <a:ea typeface="+mn-ea"/>
+                <a:cs typeface="+mn-cs"/>
+              </a:defRPr>
+            </a:lvl4pPr>
+            <a:lvl5pPr marL="2057400" indent="-228600" algn="l" defTabSz="914400" rtl="0" eaLnBrk="1" latinLnBrk="0" hangingPunct="1">
+              <a:lnSpc>
+                <a:spcPct val="90000"/>
+              </a:lnSpc>
+              <a:spcBef>
+                <a:spcPts val="500"/>
+              </a:spcBef>
+              <a:buFont typeface="Arial" panose="020B0604020202020204" pitchFamily="34" charset="0"/>
+              <a:buChar char="•"/>
+              <a:defRPr sz="1800" kern="1200">
+                <a:solidFill>
+                  <a:schemeClr val="tx1"/>
+                </a:solidFill>
+                <a:latin typeface="+mn-lt"/>
+                <a:ea typeface="+mn-ea"/>
+                <a:cs typeface="+mn-cs"/>
+              </a:defRPr>
+            </a:lvl5pPr>
+            <a:lvl6pPr marL="2514600" indent="-228600" algn="l" defTabSz="914400" rtl="0" eaLnBrk="1" latinLnBrk="0" hangingPunct="1">
+              <a:lnSpc>
+                <a:spcPct val="90000"/>
+              </a:lnSpc>
+              <a:spcBef>
+                <a:spcPts val="500"/>
+              </a:spcBef>
+              <a:buFont typeface="Arial" panose="020B0604020202020204" pitchFamily="34" charset="0"/>
+              <a:buChar char="•"/>
+              <a:defRPr sz="1800" kern="1200">
+                <a:solidFill>
+                  <a:schemeClr val="tx1"/>
+                </a:solidFill>
+                <a:latin typeface="+mn-lt"/>
+                <a:ea typeface="+mn-ea"/>
+                <a:cs typeface="+mn-cs"/>
+              </a:defRPr>
+            </a:lvl6pPr>
+            <a:lvl7pPr marL="2971800" indent="-228600" algn="l" defTabSz="914400" rtl="0" eaLnBrk="1" latinLnBrk="0" hangingPunct="1">
+              <a:lnSpc>
+                <a:spcPct val="90000"/>
+              </a:lnSpc>
+              <a:spcBef>
+                <a:spcPts val="500"/>
+              </a:spcBef>
+              <a:buFont typeface="Arial" panose="020B0604020202020204" pitchFamily="34" charset="0"/>
+              <a:buChar char="•"/>
+              <a:defRPr sz="1800" kern="1200">
+                <a:solidFill>
+                  <a:schemeClr val="tx1"/>
+                </a:solidFill>
+                <a:latin typeface="+mn-lt"/>
+                <a:ea typeface="+mn-ea"/>
+                <a:cs typeface="+mn-cs"/>
+              </a:defRPr>
+            </a:lvl7pPr>
+            <a:lvl8pPr marL="3429000" indent="-228600" algn="l" defTabSz="914400" rtl="0" eaLnBrk="1" latinLnBrk="0" hangingPunct="1">
+              <a:lnSpc>
+                <a:spcPct val="90000"/>
+              </a:lnSpc>
+              <a:spcBef>
+                <a:spcPts val="500"/>
+              </a:spcBef>
+              <a:buFont typeface="Arial" panose="020B0604020202020204" pitchFamily="34" charset="0"/>
+              <a:buChar char="•"/>
+              <a:defRPr sz="1800" kern="1200">
+                <a:solidFill>
+                  <a:schemeClr val="tx1"/>
+                </a:solidFill>
+                <a:latin typeface="+mn-lt"/>
+                <a:ea typeface="+mn-ea"/>
+                <a:cs typeface="+mn-cs"/>
+              </a:defRPr>
+            </a:lvl8pPr>
+            <a:lvl9pPr marL="3886200" indent="-228600" algn="l" defTabSz="914400" rtl="0" eaLnBrk="1" latinLnBrk="0" hangingPunct="1">
+              <a:lnSpc>
+                <a:spcPct val="90000"/>
+              </a:lnSpc>
+              <a:spcBef>
+                <a:spcPts val="500"/>
+              </a:spcBef>
+              <a:buFont typeface="Arial" panose="020B0604020202020204" pitchFamily="34" charset="0"/>
+              <a:buChar char="•"/>
+              <a:defRPr sz="1800" kern="1200">
+                <a:solidFill>
+                  <a:schemeClr val="tx1"/>
+                </a:solidFill>
+                <a:latin typeface="+mn-lt"/>
+                <a:ea typeface="+mn-ea"/>
+                <a:cs typeface="+mn-cs"/>
+              </a:defRPr>
+            </a:lvl9pPr>
+          </a:lstStyle>
+          <a:p>
+            <a:pPr marL="0" indent="0">
+              <a:buFont typeface="Arial" panose="020B0604020202020204" pitchFamily="34" charset="0"/>
+              <a:buNone/>
+            </a:pPr>
+            <a:r>
+              <a:rPr lang="es-MX" dirty="0"/>
+              <a:t>Son un software, con funcionamiento parecido a la virtualización, que permiten la creación de aplicaciones o servicios, en un entorno controlado que les proporción lo necesario para su programación y ejecución.</a:t>
+            </a:r>
+            <a:endParaRPr lang="es-SV" dirty="0"/>
+          </a:p>
+        </p:txBody>
+      </p:sp>
+      <p:pic>
+        <p:nvPicPr>
+          <p:cNvPr id="5" name="Imagen 4">
+            <a:extLst>
+              <a:ext uri="{FF2B5EF4-FFF2-40B4-BE49-F238E27FC236}">
+                <a16:creationId xmlns:a16="http://schemas.microsoft.com/office/drawing/2014/main" id="{A9E9DCAC-05AB-5081-85D0-E4C4F69CBACC}"/>
+              </a:ext>
+            </a:extLst>
+          </p:cNvPr>
+          <p:cNvPicPr>
+            <a:picLocks noChangeAspect="1"/>
+          </p:cNvPicPr>
+          <p:nvPr/>
+        </p:nvPicPr>
+        <p:blipFill>
+          <a:blip r:embed="rId6">
+            <a:extLst>
+              <a:ext uri="{28A0092B-C50C-407E-A947-70E740481C1C}">
+                <a14:useLocalDpi xmlns:a14="http://schemas.microsoft.com/office/drawing/2010/main" val="0"/>
+              </a:ext>
+            </a:extLst>
+          </a:blip>
+          <a:stretch>
+            <a:fillRect/>
+          </a:stretch>
+        </p:blipFill>
+        <p:spPr>
+          <a:xfrm>
+            <a:off x="2330860" y="3057227"/>
+            <a:ext cx="7285704" cy="3252019"/>
+          </a:xfrm>
+          <a:prstGeom prst="rect">
+            <a:avLst/>
+          </a:prstGeom>
+        </p:spPr>
+      </p:pic>
     </p:spTree>
     <p:extLst>
       <p:ext uri="{BB962C8B-B14F-4D97-AF65-F5344CB8AC3E}">
@@ -5566,10 +5821,10 @@
       </p:pic>
       <p:sp>
         <p:nvSpPr>
-          <p:cNvPr id="4" name="Título 3">
-            <a:extLst>
-              <a:ext uri="{FF2B5EF4-FFF2-40B4-BE49-F238E27FC236}">
-                <a16:creationId xmlns:a16="http://schemas.microsoft.com/office/drawing/2014/main" id="{AC02598F-8AB8-8281-4E4B-A243C9635DE1}"/>
+          <p:cNvPr id="12" name="Título 1">
+            <a:extLst>
+              <a:ext uri="{FF2B5EF4-FFF2-40B4-BE49-F238E27FC236}">
+                <a16:creationId xmlns:a16="http://schemas.microsoft.com/office/drawing/2014/main" id="{ED001745-08D9-BCF2-02E1-6C0665AB693A}"/>
               </a:ext>
             </a:extLst>
           </p:cNvPr>
@@ -5582,41 +5837,285 @@
         </p:nvSpPr>
         <p:spPr>
           <a:xfrm>
-            <a:off x="255976" y="394392"/>
-            <a:ext cx="11680047" cy="2182843"/>
+            <a:off x="838200" y="232391"/>
+            <a:ext cx="10515600" cy="903236"/>
           </a:xfrm>
         </p:spPr>
         <p:txBody>
-          <a:bodyPr>
-            <a:noAutofit/>
-          </a:bodyPr>
+          <a:bodyPr/>
           <a:lstStyle/>
           <a:p>
-            <a:pPr algn="ctr"/>
-            <a:r>
-              <a:rPr lang="es-ES" sz="6000" dirty="0">
+            <a:r>
+              <a:rPr lang="es-MX" dirty="0">
                 <a:solidFill>
                   <a:schemeClr val="bg1"/>
                 </a:solidFill>
-                <a:latin typeface="Avengeance Heroic Avenger"/>
               </a:rPr>
-              <a:t>Desafíos y Consideraciones al usar Contenedores.</a:t>
-            </a:r>
-            <a:endParaRPr lang="es-SV" sz="6000" dirty="0">
+              <a:t>Empaquetado y dependencias</a:t>
+            </a:r>
+            <a:endParaRPr lang="es-SV" dirty="0">
               <a:solidFill>
                 <a:schemeClr val="bg1"/>
               </a:solidFill>
-              <a:latin typeface="Avengeance Heroic Avenger"/>
             </a:endParaRPr>
           </a:p>
         </p:txBody>
       </p:sp>
       <p:sp>
         <p:nvSpPr>
-          <p:cNvPr id="3" name="CuadroTexto 2">
-            <a:extLst>
-              <a:ext uri="{FF2B5EF4-FFF2-40B4-BE49-F238E27FC236}">
-                <a16:creationId xmlns:a16="http://schemas.microsoft.com/office/drawing/2014/main" id="{9873CC30-BA9C-06D2-9F80-8CAADC3F588E}"/>
+          <p:cNvPr id="13" name="Marcador de contenido 2">
+            <a:extLst>
+              <a:ext uri="{FF2B5EF4-FFF2-40B4-BE49-F238E27FC236}">
+                <a16:creationId xmlns:a16="http://schemas.microsoft.com/office/drawing/2014/main" id="{3CD50E76-B5A6-10FD-37E5-CA25B224E616}"/>
+              </a:ext>
+            </a:extLst>
+          </p:cNvPr>
+          <p:cNvSpPr txBox="1">
+            <a:spLocks/>
+          </p:cNvSpPr>
+          <p:nvPr/>
+        </p:nvSpPr>
+        <p:spPr>
+          <a:xfrm>
+            <a:off x="838200" y="1253331"/>
+            <a:ext cx="5016910" cy="4351338"/>
+          </a:xfrm>
+          <a:prstGeom prst="rect">
+            <a:avLst/>
+          </a:prstGeom>
+        </p:spPr>
+        <p:txBody>
+          <a:bodyPr/>
+          <a:lstStyle>
+            <a:lvl1pPr marL="228600" indent="-228600" algn="l" defTabSz="914400" rtl="0" eaLnBrk="1" latinLnBrk="0" hangingPunct="1">
+              <a:lnSpc>
+                <a:spcPct val="90000"/>
+              </a:lnSpc>
+              <a:spcBef>
+                <a:spcPts val="1000"/>
+              </a:spcBef>
+              <a:buFont typeface="Arial" panose="020B0604020202020204" pitchFamily="34" charset="0"/>
+              <a:buChar char="•"/>
+              <a:defRPr sz="2800" kern="1200">
+                <a:solidFill>
+                  <a:schemeClr val="tx1"/>
+                </a:solidFill>
+                <a:latin typeface="+mn-lt"/>
+                <a:ea typeface="+mn-ea"/>
+                <a:cs typeface="+mn-cs"/>
+              </a:defRPr>
+            </a:lvl1pPr>
+            <a:lvl2pPr marL="685800" indent="-228600" algn="l" defTabSz="914400" rtl="0" eaLnBrk="1" latinLnBrk="0" hangingPunct="1">
+              <a:lnSpc>
+                <a:spcPct val="90000"/>
+              </a:lnSpc>
+              <a:spcBef>
+                <a:spcPts val="500"/>
+              </a:spcBef>
+              <a:buFont typeface="Arial" panose="020B0604020202020204" pitchFamily="34" charset="0"/>
+              <a:buChar char="•"/>
+              <a:defRPr sz="2400" kern="1200">
+                <a:solidFill>
+                  <a:schemeClr val="tx1"/>
+                </a:solidFill>
+                <a:latin typeface="+mn-lt"/>
+                <a:ea typeface="+mn-ea"/>
+                <a:cs typeface="+mn-cs"/>
+              </a:defRPr>
+            </a:lvl2pPr>
+            <a:lvl3pPr marL="1143000" indent="-228600" algn="l" defTabSz="914400" rtl="0" eaLnBrk="1" latinLnBrk="0" hangingPunct="1">
+              <a:lnSpc>
+                <a:spcPct val="90000"/>
+              </a:lnSpc>
+              <a:spcBef>
+                <a:spcPts val="500"/>
+              </a:spcBef>
+              <a:buFont typeface="Arial" panose="020B0604020202020204" pitchFamily="34" charset="0"/>
+              <a:buChar char="•"/>
+              <a:defRPr sz="2000" kern="1200">
+                <a:solidFill>
+                  <a:schemeClr val="tx1"/>
+                </a:solidFill>
+                <a:latin typeface="+mn-lt"/>
+                <a:ea typeface="+mn-ea"/>
+                <a:cs typeface="+mn-cs"/>
+              </a:defRPr>
+            </a:lvl3pPr>
+            <a:lvl4pPr marL="1600200" indent="-228600" algn="l" defTabSz="914400" rtl="0" eaLnBrk="1" latinLnBrk="0" hangingPunct="1">
+              <a:lnSpc>
+                <a:spcPct val="90000"/>
+              </a:lnSpc>
+              <a:spcBef>
+                <a:spcPts val="500"/>
+              </a:spcBef>
+              <a:buFont typeface="Arial" panose="020B0604020202020204" pitchFamily="34" charset="0"/>
+              <a:buChar char="•"/>
+              <a:defRPr sz="1800" kern="1200">
+                <a:solidFill>
+                  <a:schemeClr val="tx1"/>
+                </a:solidFill>
+                <a:latin typeface="+mn-lt"/>
+                <a:ea typeface="+mn-ea"/>
+                <a:cs typeface="+mn-cs"/>
+              </a:defRPr>
+            </a:lvl4pPr>
+            <a:lvl5pPr marL="2057400" indent="-228600" algn="l" defTabSz="914400" rtl="0" eaLnBrk="1" latinLnBrk="0" hangingPunct="1">
+              <a:lnSpc>
+                <a:spcPct val="90000"/>
+              </a:lnSpc>
+              <a:spcBef>
+                <a:spcPts val="500"/>
+              </a:spcBef>
+              <a:buFont typeface="Arial" panose="020B0604020202020204" pitchFamily="34" charset="0"/>
+              <a:buChar char="•"/>
+              <a:defRPr sz="1800" kern="1200">
+                <a:solidFill>
+                  <a:schemeClr val="tx1"/>
+                </a:solidFill>
+                <a:latin typeface="+mn-lt"/>
+                <a:ea typeface="+mn-ea"/>
+                <a:cs typeface="+mn-cs"/>
+              </a:defRPr>
+            </a:lvl5pPr>
+            <a:lvl6pPr marL="2514600" indent="-228600" algn="l" defTabSz="914400" rtl="0" eaLnBrk="1" latinLnBrk="0" hangingPunct="1">
+              <a:lnSpc>
+                <a:spcPct val="90000"/>
+              </a:lnSpc>
+              <a:spcBef>
+                <a:spcPts val="500"/>
+              </a:spcBef>
+              <a:buFont typeface="Arial" panose="020B0604020202020204" pitchFamily="34" charset="0"/>
+              <a:buChar char="•"/>
+              <a:defRPr sz="1800" kern="1200">
+                <a:solidFill>
+                  <a:schemeClr val="tx1"/>
+                </a:solidFill>
+                <a:latin typeface="+mn-lt"/>
+                <a:ea typeface="+mn-ea"/>
+                <a:cs typeface="+mn-cs"/>
+              </a:defRPr>
+            </a:lvl6pPr>
+            <a:lvl7pPr marL="2971800" indent="-228600" algn="l" defTabSz="914400" rtl="0" eaLnBrk="1" latinLnBrk="0" hangingPunct="1">
+              <a:lnSpc>
+                <a:spcPct val="90000"/>
+              </a:lnSpc>
+              <a:spcBef>
+                <a:spcPts val="500"/>
+              </a:spcBef>
+              <a:buFont typeface="Arial" panose="020B0604020202020204" pitchFamily="34" charset="0"/>
+              <a:buChar char="•"/>
+              <a:defRPr sz="1800" kern="1200">
+                <a:solidFill>
+                  <a:schemeClr val="tx1"/>
+                </a:solidFill>
+                <a:latin typeface="+mn-lt"/>
+                <a:ea typeface="+mn-ea"/>
+                <a:cs typeface="+mn-cs"/>
+              </a:defRPr>
+            </a:lvl7pPr>
+            <a:lvl8pPr marL="3429000" indent="-228600" algn="l" defTabSz="914400" rtl="0" eaLnBrk="1" latinLnBrk="0" hangingPunct="1">
+              <a:lnSpc>
+                <a:spcPct val="90000"/>
+              </a:lnSpc>
+              <a:spcBef>
+                <a:spcPts val="500"/>
+              </a:spcBef>
+              <a:buFont typeface="Arial" panose="020B0604020202020204" pitchFamily="34" charset="0"/>
+              <a:buChar char="•"/>
+              <a:defRPr sz="1800" kern="1200">
+                <a:solidFill>
+                  <a:schemeClr val="tx1"/>
+                </a:solidFill>
+                <a:latin typeface="+mn-lt"/>
+                <a:ea typeface="+mn-ea"/>
+                <a:cs typeface="+mn-cs"/>
+              </a:defRPr>
+            </a:lvl8pPr>
+            <a:lvl9pPr marL="3886200" indent="-228600" algn="l" defTabSz="914400" rtl="0" eaLnBrk="1" latinLnBrk="0" hangingPunct="1">
+              <a:lnSpc>
+                <a:spcPct val="90000"/>
+              </a:lnSpc>
+              <a:spcBef>
+                <a:spcPts val="500"/>
+              </a:spcBef>
+              <a:buFont typeface="Arial" panose="020B0604020202020204" pitchFamily="34" charset="0"/>
+              <a:buChar char="•"/>
+              <a:defRPr sz="1800" kern="1200">
+                <a:solidFill>
+                  <a:schemeClr val="tx1"/>
+                </a:solidFill>
+                <a:latin typeface="+mn-lt"/>
+                <a:ea typeface="+mn-ea"/>
+                <a:cs typeface="+mn-cs"/>
+              </a:defRPr>
+            </a:lvl9pPr>
+          </a:lstStyle>
+          <a:p>
+            <a:pPr marL="0" indent="0" algn="ctr">
+              <a:buFont typeface="Arial" panose="020B0604020202020204" pitchFamily="34" charset="0"/>
+              <a:buNone/>
+            </a:pPr>
+            <a:r>
+              <a:rPr lang="es-MX" dirty="0" err="1"/>
+              <a:t>Depedencias</a:t>
+            </a:r>
+            <a:endParaRPr lang="es-MX" dirty="0"/>
+          </a:p>
+          <a:p>
+            <a:pPr marL="0" indent="0">
+              <a:buFont typeface="Arial" panose="020B0604020202020204" pitchFamily="34" charset="0"/>
+              <a:buNone/>
+            </a:pPr>
+            <a:r>
+              <a:rPr lang="es-MX" dirty="0"/>
+              <a:t>Son los recursos necesarios para el funcionamiento del contenedor y la aplicación.</a:t>
+            </a:r>
+            <a:endParaRPr lang="es-SV" dirty="0"/>
+          </a:p>
+        </p:txBody>
+      </p:sp>
+      <p:pic>
+        <p:nvPicPr>
+          <p:cNvPr id="14" name="Imagen 13">
+            <a:extLst>
+              <a:ext uri="{FF2B5EF4-FFF2-40B4-BE49-F238E27FC236}">
+                <a16:creationId xmlns:a16="http://schemas.microsoft.com/office/drawing/2014/main" id="{B8348D72-ED48-5F1B-BA8E-56B6DCD0DAC8}"/>
+              </a:ext>
+            </a:extLst>
+          </p:cNvPr>
+          <p:cNvPicPr>
+            <a:picLocks noChangeAspect="1"/>
+          </p:cNvPicPr>
+          <p:nvPr/>
+        </p:nvPicPr>
+        <p:blipFill>
+          <a:blip r:embed="rId6">
+            <a:extLst>
+              <a:ext uri="{28A0092B-C50C-407E-A947-70E740481C1C}">
+                <a14:useLocalDpi xmlns:a14="http://schemas.microsoft.com/office/drawing/2010/main" val="0"/>
+              </a:ext>
+            </a:extLst>
+          </a:blip>
+          <a:stretch>
+            <a:fillRect/>
+          </a:stretch>
+        </p:blipFill>
+        <p:spPr>
+          <a:xfrm>
+            <a:off x="1559137" y="2967885"/>
+            <a:ext cx="3575035" cy="3497564"/>
+          </a:xfrm>
+          <a:prstGeom prst="rect">
+            <a:avLst/>
+          </a:prstGeom>
+        </p:spPr>
+      </p:pic>
+      <p:sp>
+        <p:nvSpPr>
+          <p:cNvPr id="15" name="CuadroTexto 14">
+            <a:extLst>
+              <a:ext uri="{FF2B5EF4-FFF2-40B4-BE49-F238E27FC236}">
+                <a16:creationId xmlns:a16="http://schemas.microsoft.com/office/drawing/2014/main" id="{FF4E9027-8E58-913A-7103-83EECFB4E6B8}"/>
               </a:ext>
             </a:extLst>
           </p:cNvPr>
@@ -5625,8 +6124,8 @@
         </p:nvSpPr>
         <p:spPr>
           <a:xfrm>
-            <a:off x="255976" y="2855349"/>
-            <a:ext cx="3382401" cy="477054"/>
+            <a:off x="6336892" y="1179590"/>
+            <a:ext cx="5196347" cy="2677656"/>
           </a:xfrm>
           <a:prstGeom prst="rect">
             <a:avLst/>
@@ -5634,155 +6133,62 @@
           <a:noFill/>
         </p:spPr>
         <p:txBody>
-          <a:bodyPr wrap="none" rtlCol="0">
+          <a:bodyPr wrap="square" rtlCol="0">
             <a:spAutoFit/>
           </a:bodyPr>
           <a:lstStyle/>
           <a:p>
-            <a:pPr marL="285750" indent="-285750">
-              <a:buFont typeface="Wingdings" panose="05000000000000000000" pitchFamily="2" charset="2"/>
-              <a:buChar char="§"/>
-            </a:pPr>
-            <a:r>
-              <a:rPr lang="es-ES" sz="2500" b="1" dirty="0">
-                <a:latin typeface="Avengeance Heroic Avenger"/>
-              </a:rPr>
-              <a:t>Persistencia de Datos.</a:t>
-            </a:r>
-            <a:endParaRPr lang="es-SV" sz="2500" b="1" dirty="0">
-              <a:latin typeface="Avengeance Heroic Avenger"/>
-            </a:endParaRPr>
+            <a:pPr algn="ctr"/>
+            <a:r>
+              <a:rPr lang="es-MX" sz="2800" dirty="0"/>
+              <a:t>Empaquetado</a:t>
+            </a:r>
+          </a:p>
+          <a:p>
+            <a:r>
+              <a:rPr lang="es-MX" sz="2800" dirty="0"/>
+              <a:t>Es el proceso de incluir toda dependencia y configuración en un contenedor para que funcione donde sea la aplicación.</a:t>
+            </a:r>
+            <a:endParaRPr lang="es-SV" sz="2800" dirty="0"/>
           </a:p>
         </p:txBody>
       </p:sp>
-      <p:sp>
-        <p:nvSpPr>
-          <p:cNvPr id="5" name="CuadroTexto 4">
-            <a:extLst>
-              <a:ext uri="{FF2B5EF4-FFF2-40B4-BE49-F238E27FC236}">
-                <a16:creationId xmlns:a16="http://schemas.microsoft.com/office/drawing/2014/main" id="{0D56AFD9-9B6F-1419-C959-0F13136C6DB8}"/>
-              </a:ext>
-            </a:extLst>
-          </p:cNvPr>
-          <p:cNvSpPr txBox="1"/>
+      <p:pic>
+        <p:nvPicPr>
+          <p:cNvPr id="16" name="Imagen 15">
+            <a:extLst>
+              <a:ext uri="{FF2B5EF4-FFF2-40B4-BE49-F238E27FC236}">
+                <a16:creationId xmlns:a16="http://schemas.microsoft.com/office/drawing/2014/main" id="{C73CB086-3EE5-A535-5D38-4480639F7914}"/>
+              </a:ext>
+            </a:extLst>
+          </p:cNvPr>
+          <p:cNvPicPr>
+            <a:picLocks noChangeAspect="1"/>
+          </p:cNvPicPr>
           <p:nvPr/>
-        </p:nvSpPr>
+        </p:nvPicPr>
+        <p:blipFill>
+          <a:blip r:embed="rId7">
+            <a:extLst>
+              <a:ext uri="{28A0092B-C50C-407E-A947-70E740481C1C}">
+                <a14:useLocalDpi xmlns:a14="http://schemas.microsoft.com/office/drawing/2010/main" val="0"/>
+              </a:ext>
+            </a:extLst>
+          </a:blip>
+          <a:stretch>
+            <a:fillRect/>
+          </a:stretch>
+        </p:blipFill>
         <p:spPr>
           <a:xfrm>
-            <a:off x="255976" y="3333918"/>
-            <a:ext cx="2762295" cy="477054"/>
+            <a:off x="7283229" y="3857246"/>
+            <a:ext cx="3126658" cy="2799703"/>
           </a:xfrm>
           <a:prstGeom prst="rect">
             <a:avLst/>
           </a:prstGeom>
-          <a:noFill/>
         </p:spPr>
-        <p:txBody>
-          <a:bodyPr wrap="none" rtlCol="0">
-            <a:spAutoFit/>
-          </a:bodyPr>
-          <a:lstStyle/>
-          <a:p>
-            <a:pPr marL="285750" indent="-285750">
-              <a:buFont typeface="Wingdings" panose="05000000000000000000" pitchFamily="2" charset="2"/>
-              <a:buChar char="§"/>
-            </a:pPr>
-            <a:r>
-              <a:rPr lang="es-ES" sz="2500" b="1" dirty="0">
-                <a:latin typeface="Avengeance Heroic Avenger"/>
-              </a:rPr>
-              <a:t>Tiempo de Inicio.</a:t>
-            </a:r>
-            <a:endParaRPr lang="es-SV" sz="2500" b="1" dirty="0">
-              <a:latin typeface="Avengeance Heroic Avenger"/>
-            </a:endParaRPr>
-          </a:p>
-        </p:txBody>
-      </p:sp>
-      <p:sp>
-        <p:nvSpPr>
-          <p:cNvPr id="7" name="CuadroTexto 6">
-            <a:extLst>
-              <a:ext uri="{FF2B5EF4-FFF2-40B4-BE49-F238E27FC236}">
-                <a16:creationId xmlns:a16="http://schemas.microsoft.com/office/drawing/2014/main" id="{FE43878F-E037-2718-46E4-995ED665B45B}"/>
-              </a:ext>
-            </a:extLst>
-          </p:cNvPr>
-          <p:cNvSpPr txBox="1"/>
-          <p:nvPr/>
-        </p:nvSpPr>
-        <p:spPr>
-          <a:xfrm>
-            <a:off x="255976" y="3810972"/>
-            <a:ext cx="2815322" cy="477054"/>
-          </a:xfrm>
-          <a:prstGeom prst="rect">
-            <a:avLst/>
-          </a:prstGeom>
-          <a:noFill/>
-        </p:spPr>
-        <p:txBody>
-          <a:bodyPr wrap="none" rtlCol="0">
-            <a:spAutoFit/>
-          </a:bodyPr>
-          <a:lstStyle/>
-          <a:p>
-            <a:pPr marL="285750" indent="-285750">
-              <a:buFont typeface="Wingdings" panose="05000000000000000000" pitchFamily="2" charset="2"/>
-              <a:buChar char="§"/>
-            </a:pPr>
-            <a:r>
-              <a:rPr lang="es-ES" sz="2500" b="1" dirty="0">
-                <a:latin typeface="Avengeance Heroic Avenger"/>
-              </a:rPr>
-              <a:t>Redes Complejas.</a:t>
-            </a:r>
-            <a:endParaRPr lang="es-SV" sz="2500" b="1" dirty="0">
-              <a:latin typeface="Avengeance Heroic Avenger"/>
-            </a:endParaRPr>
-          </a:p>
-        </p:txBody>
-      </p:sp>
-      <p:sp>
-        <p:nvSpPr>
-          <p:cNvPr id="8" name="CuadroTexto 7">
-            <a:extLst>
-              <a:ext uri="{FF2B5EF4-FFF2-40B4-BE49-F238E27FC236}">
-                <a16:creationId xmlns:a16="http://schemas.microsoft.com/office/drawing/2014/main" id="{BD933B0F-6989-BDE3-FAED-87D025E56C1F}"/>
-              </a:ext>
-            </a:extLst>
-          </p:cNvPr>
-          <p:cNvSpPr txBox="1"/>
-          <p:nvPr/>
-        </p:nvSpPr>
-        <p:spPr>
-          <a:xfrm>
-            <a:off x="255976" y="4279689"/>
-            <a:ext cx="4823949" cy="477054"/>
-          </a:xfrm>
-          <a:prstGeom prst="rect">
-            <a:avLst/>
-          </a:prstGeom>
-          <a:noFill/>
-        </p:spPr>
-        <p:txBody>
-          <a:bodyPr wrap="none" rtlCol="0">
-            <a:spAutoFit/>
-          </a:bodyPr>
-          <a:lstStyle/>
-          <a:p>
-            <a:pPr marL="285750" indent="-285750">
-              <a:buFont typeface="Wingdings" panose="05000000000000000000" pitchFamily="2" charset="2"/>
-              <a:buChar char="§"/>
-            </a:pPr>
-            <a:r>
-              <a:rPr lang="es-ES" sz="2500" b="1" dirty="0"/>
-              <a:t>Orquestación y Escalabilidad.</a:t>
-            </a:r>
-            <a:endParaRPr lang="es-SV" sz="2500" b="1" dirty="0"/>
-          </a:p>
-        </p:txBody>
-      </p:sp>
+      </p:pic>
     </p:spTree>
     <p:extLst>
       <p:ext uri="{BB962C8B-B14F-4D97-AF65-F5344CB8AC3E}">
@@ -5839,8 +6245,8 @@
           <a:chExt cx="0" cy="0"/>
         </a:xfrm>
       </p:grpSpPr>
-      <mc:AlternateContent xmlns:mc="http://schemas.openxmlformats.org/markup-compatibility/2006">
-        <mc:Choice xmlns:p14="http://schemas.microsoft.com/office/powerpoint/2010/main" Requires="p14">
+      <mc:AlternateContent xmlns:mc="http://schemas.openxmlformats.org/markup-compatibility/2006" xmlns:p14="http://schemas.microsoft.com/office/powerpoint/2010/main">
+        <mc:Choice Requires="p14">
           <p:contentPart p14:bwMode="auto" r:id="rId2">
             <p14:nvContentPartPr>
               <p14:cNvPr id="10" name="Entrada de lápiz 9">
@@ -5859,7 +6265,7 @@
             </p14:xfrm>
           </p:contentPart>
         </mc:Choice>
-        <mc:Fallback>
+        <mc:Fallback xmlns="">
           <p:pic>
             <p:nvPicPr>
               <p:cNvPr id="10" name="Entrada de lápiz 9">
@@ -5963,10 +6369,10 @@
       </p:pic>
       <p:sp>
         <p:nvSpPr>
-          <p:cNvPr id="4" name="Título 3">
-            <a:extLst>
-              <a:ext uri="{FF2B5EF4-FFF2-40B4-BE49-F238E27FC236}">
-                <a16:creationId xmlns:a16="http://schemas.microsoft.com/office/drawing/2014/main" id="{AC02598F-8AB8-8281-4E4B-A243C9635DE1}"/>
+          <p:cNvPr id="2" name="Título 1">
+            <a:extLst>
+              <a:ext uri="{FF2B5EF4-FFF2-40B4-BE49-F238E27FC236}">
+                <a16:creationId xmlns:a16="http://schemas.microsoft.com/office/drawing/2014/main" id="{53DCCBE3-C577-5D98-CE92-7C262A7B2A65}"/>
               </a:ext>
             </a:extLst>
           </p:cNvPr>
@@ -5977,15 +6383,68 @@
             <p:ph type="title"/>
           </p:nvPr>
         </p:nvSpPr>
-        <p:spPr/>
+        <p:spPr>
+          <a:xfrm>
+            <a:off x="838200" y="365126"/>
+            <a:ext cx="10515600" cy="741004"/>
+          </a:xfrm>
+        </p:spPr>
         <p:txBody>
           <a:bodyPr/>
           <a:lstStyle/>
           <a:p>
-            <a:endParaRPr lang="es-SV"/>
+            <a:r>
+              <a:rPr lang="es-MX" dirty="0">
+                <a:solidFill>
+                  <a:schemeClr val="bg1"/>
+                </a:solidFill>
+              </a:rPr>
+              <a:t>Beneficios de los contenedores</a:t>
+            </a:r>
+            <a:endParaRPr lang="es-SV" dirty="0">
+              <a:solidFill>
+                <a:schemeClr val="bg1"/>
+              </a:solidFill>
+            </a:endParaRPr>
           </a:p>
         </p:txBody>
       </p:sp>
+      <p:pic>
+        <p:nvPicPr>
+          <p:cNvPr id="3" name="Marcador de contenido 4">
+            <a:extLst>
+              <a:ext uri="{FF2B5EF4-FFF2-40B4-BE49-F238E27FC236}">
+                <a16:creationId xmlns:a16="http://schemas.microsoft.com/office/drawing/2014/main" id="{FF665A9B-9ED9-E896-BC16-240CDACB2033}"/>
+              </a:ext>
+            </a:extLst>
+          </p:cNvPr>
+          <p:cNvPicPr>
+            <a:picLocks noChangeAspect="1"/>
+          </p:cNvPicPr>
+          <p:nvPr/>
+        </p:nvPicPr>
+        <p:blipFill>
+          <a:blip r:embed="rId6">
+            <a:extLst>
+              <a:ext uri="{28A0092B-C50C-407E-A947-70E740481C1C}">
+                <a14:useLocalDpi xmlns:a14="http://schemas.microsoft.com/office/drawing/2010/main" val="0"/>
+              </a:ext>
+            </a:extLst>
+          </a:blip>
+          <a:stretch>
+            <a:fillRect/>
+          </a:stretch>
+        </p:blipFill>
+        <p:spPr>
+          <a:xfrm>
+            <a:off x="2413060" y="1524193"/>
+            <a:ext cx="7365879" cy="4463834"/>
+          </a:xfrm>
+          <a:prstGeom prst="rect">
+            <a:avLst/>
+          </a:prstGeom>
+        </p:spPr>
+      </p:pic>
     </p:spTree>
     <p:extLst>
       <p:ext uri="{BB962C8B-B14F-4D97-AF65-F5344CB8AC3E}">
@@ -6042,8 +6501,8 @@
           <a:chExt cx="0" cy="0"/>
         </a:xfrm>
       </p:grpSpPr>
-      <mc:AlternateContent xmlns:mc="http://schemas.openxmlformats.org/markup-compatibility/2006">
-        <mc:Choice xmlns:p14="http://schemas.microsoft.com/office/powerpoint/2010/main" Requires="p14">
+      <mc:AlternateContent xmlns:mc="http://schemas.openxmlformats.org/markup-compatibility/2006" xmlns:p14="http://schemas.microsoft.com/office/powerpoint/2010/main">
+        <mc:Choice Requires="p14">
           <p:contentPart p14:bwMode="auto" r:id="rId2">
             <p14:nvContentPartPr>
               <p14:cNvPr id="10" name="Entrada de lápiz 9">
@@ -6062,7 +6521,7 @@
             </p14:xfrm>
           </p:contentPart>
         </mc:Choice>
-        <mc:Fallback>
+        <mc:Fallback xmlns="">
           <p:pic>
             <p:nvPicPr>
               <p:cNvPr id="10" name="Entrada de lápiz 9">
@@ -6166,10 +6625,10 @@
       </p:pic>
       <p:sp>
         <p:nvSpPr>
-          <p:cNvPr id="4" name="Título 3">
-            <a:extLst>
-              <a:ext uri="{FF2B5EF4-FFF2-40B4-BE49-F238E27FC236}">
-                <a16:creationId xmlns:a16="http://schemas.microsoft.com/office/drawing/2014/main" id="{AC02598F-8AB8-8281-4E4B-A243C9635DE1}"/>
+          <p:cNvPr id="2" name="Título 1">
+            <a:extLst>
+              <a:ext uri="{FF2B5EF4-FFF2-40B4-BE49-F238E27FC236}">
+                <a16:creationId xmlns:a16="http://schemas.microsoft.com/office/drawing/2014/main" id="{B9AA0002-8C80-F609-4BC6-BB6D1F617B27}"/>
               </a:ext>
             </a:extLst>
           </p:cNvPr>
@@ -6180,12 +6639,337 @@
             <p:ph type="title"/>
           </p:nvPr>
         </p:nvSpPr>
-        <p:spPr/>
+        <p:spPr>
+          <a:xfrm>
+            <a:off x="838200" y="365125"/>
+            <a:ext cx="10515600" cy="991727"/>
+          </a:xfrm>
+        </p:spPr>
         <p:txBody>
           <a:bodyPr/>
           <a:lstStyle/>
           <a:p>
-            <a:endParaRPr lang="es-SV"/>
+            <a:pPr algn="ctr"/>
+            <a:r>
+              <a:rPr lang="es-MX" dirty="0">
+                <a:solidFill>
+                  <a:schemeClr val="bg1"/>
+                </a:solidFill>
+              </a:rPr>
+              <a:t>Dockers vs </a:t>
+            </a:r>
+            <a:r>
+              <a:rPr lang="es-MX" dirty="0" err="1">
+                <a:solidFill>
+                  <a:schemeClr val="bg1"/>
+                </a:solidFill>
+              </a:rPr>
+              <a:t>Podman</a:t>
+            </a:r>
+            <a:r>
+              <a:rPr lang="es-MX" dirty="0">
+                <a:solidFill>
+                  <a:schemeClr val="bg1"/>
+                </a:solidFill>
+              </a:rPr>
+              <a:t> vs </a:t>
+            </a:r>
+            <a:r>
+              <a:rPr lang="es-MX" dirty="0" err="1">
+                <a:solidFill>
+                  <a:schemeClr val="bg1"/>
+                </a:solidFill>
+              </a:rPr>
+              <a:t>Kubernetes</a:t>
+            </a:r>
+            <a:r>
+              <a:rPr lang="es-MX" dirty="0">
+                <a:solidFill>
+                  <a:schemeClr val="bg1"/>
+                </a:solidFill>
+              </a:rPr>
+              <a:t> </a:t>
+            </a:r>
+            <a:endParaRPr lang="es-SV" dirty="0">
+              <a:solidFill>
+                <a:schemeClr val="bg1"/>
+              </a:solidFill>
+            </a:endParaRPr>
+          </a:p>
+        </p:txBody>
+      </p:sp>
+      <p:pic>
+        <p:nvPicPr>
+          <p:cNvPr id="3" name="Imagen 2">
+            <a:extLst>
+              <a:ext uri="{FF2B5EF4-FFF2-40B4-BE49-F238E27FC236}">
+                <a16:creationId xmlns:a16="http://schemas.microsoft.com/office/drawing/2014/main" id="{86B23537-590D-9979-5333-42A8391DF587}"/>
+              </a:ext>
+            </a:extLst>
+          </p:cNvPr>
+          <p:cNvPicPr>
+            <a:picLocks noChangeAspect="1"/>
+          </p:cNvPicPr>
+          <p:nvPr/>
+        </p:nvPicPr>
+        <p:blipFill>
+          <a:blip r:embed="rId6">
+            <a:extLst>
+              <a:ext uri="{28A0092B-C50C-407E-A947-70E740481C1C}">
+                <a14:useLocalDpi xmlns:a14="http://schemas.microsoft.com/office/drawing/2010/main" val="0"/>
+              </a:ext>
+            </a:extLst>
+          </a:blip>
+          <a:stretch>
+            <a:fillRect/>
+          </a:stretch>
+        </p:blipFill>
+        <p:spPr>
+          <a:xfrm>
+            <a:off x="690717" y="1705400"/>
+            <a:ext cx="2851074" cy="2851074"/>
+          </a:xfrm>
+          <a:prstGeom prst="rect">
+            <a:avLst/>
+          </a:prstGeom>
+        </p:spPr>
+      </p:pic>
+      <p:pic>
+        <p:nvPicPr>
+          <p:cNvPr id="5" name="Imagen 4">
+            <a:extLst>
+              <a:ext uri="{FF2B5EF4-FFF2-40B4-BE49-F238E27FC236}">
+                <a16:creationId xmlns:a16="http://schemas.microsoft.com/office/drawing/2014/main" id="{5BE230CA-0EAD-6EA8-150D-AEAD70E156FA}"/>
+              </a:ext>
+            </a:extLst>
+          </p:cNvPr>
+          <p:cNvPicPr>
+            <a:picLocks noChangeAspect="1"/>
+          </p:cNvPicPr>
+          <p:nvPr/>
+        </p:nvPicPr>
+        <p:blipFill>
+          <a:blip r:embed="rId7">
+            <a:extLst>
+              <a:ext uri="{28A0092B-C50C-407E-A947-70E740481C1C}">
+                <a14:useLocalDpi xmlns:a14="http://schemas.microsoft.com/office/drawing/2010/main" val="0"/>
+              </a:ext>
+            </a:extLst>
+          </a:blip>
+          <a:stretch>
+            <a:fillRect/>
+          </a:stretch>
+        </p:blipFill>
+        <p:spPr>
+          <a:xfrm>
+            <a:off x="7809213" y="939543"/>
+            <a:ext cx="4382787" cy="4382787"/>
+          </a:xfrm>
+          <a:prstGeom prst="rect">
+            <a:avLst/>
+          </a:prstGeom>
+        </p:spPr>
+      </p:pic>
+      <p:pic>
+        <p:nvPicPr>
+          <p:cNvPr id="6" name="Imagen 5">
+            <a:extLst>
+              <a:ext uri="{FF2B5EF4-FFF2-40B4-BE49-F238E27FC236}">
+                <a16:creationId xmlns:a16="http://schemas.microsoft.com/office/drawing/2014/main" id="{2083A3B7-B410-84FE-4FBE-42A372BD5A47}"/>
+              </a:ext>
+            </a:extLst>
+          </p:cNvPr>
+          <p:cNvPicPr>
+            <a:picLocks noChangeAspect="1"/>
+          </p:cNvPicPr>
+          <p:nvPr/>
+        </p:nvPicPr>
+        <p:blipFill>
+          <a:blip r:embed="rId8">
+            <a:extLst>
+              <a:ext uri="{28A0092B-C50C-407E-A947-70E740481C1C}">
+                <a14:useLocalDpi xmlns:a14="http://schemas.microsoft.com/office/drawing/2010/main" val="0"/>
+              </a:ext>
+            </a:extLst>
+          </a:blip>
+          <a:stretch>
+            <a:fillRect/>
+          </a:stretch>
+        </p:blipFill>
+        <p:spPr>
+          <a:xfrm>
+            <a:off x="4513340" y="2370036"/>
+            <a:ext cx="2851074" cy="2186438"/>
+          </a:xfrm>
+          <a:prstGeom prst="rect">
+            <a:avLst/>
+          </a:prstGeom>
+        </p:spPr>
+      </p:pic>
+      <p:sp>
+        <p:nvSpPr>
+          <p:cNvPr id="7" name="CuadroTexto 6">
+            <a:extLst>
+              <a:ext uri="{FF2B5EF4-FFF2-40B4-BE49-F238E27FC236}">
+                <a16:creationId xmlns:a16="http://schemas.microsoft.com/office/drawing/2014/main" id="{F2FBC498-5915-73CC-FE13-03095CBF8FFD}"/>
+              </a:ext>
+            </a:extLst>
+          </p:cNvPr>
+          <p:cNvSpPr txBox="1"/>
+          <p:nvPr/>
+        </p:nvSpPr>
+        <p:spPr>
+          <a:xfrm>
+            <a:off x="838200" y="4881716"/>
+            <a:ext cx="3406958" cy="923330"/>
+          </a:xfrm>
+          <a:prstGeom prst="rect">
+            <a:avLst/>
+          </a:prstGeom>
+          <a:noFill/>
+        </p:spPr>
+        <p:txBody>
+          <a:bodyPr wrap="none" rtlCol="0">
+            <a:spAutoFit/>
+          </a:bodyPr>
+          <a:lstStyle/>
+          <a:p>
+            <a:r>
+              <a:rPr lang="es-MX" dirty="0"/>
+              <a:t>Plataforma para crear, fácilmente, </a:t>
+            </a:r>
+          </a:p>
+          <a:p>
+            <a:r>
+              <a:rPr lang="es-MX" dirty="0"/>
+              <a:t>aplicaciones en contenedores</a:t>
+            </a:r>
+          </a:p>
+          <a:p>
+            <a:r>
+              <a:rPr lang="es-SV" dirty="0"/>
+              <a:t>ejecutables en cualquier entorno</a:t>
+            </a:r>
+          </a:p>
+        </p:txBody>
+      </p:sp>
+      <p:sp>
+        <p:nvSpPr>
+          <p:cNvPr id="8" name="CuadroTexto 7">
+            <a:extLst>
+              <a:ext uri="{FF2B5EF4-FFF2-40B4-BE49-F238E27FC236}">
+                <a16:creationId xmlns:a16="http://schemas.microsoft.com/office/drawing/2014/main" id="{058F5E01-691C-C9BF-BD19-C5FE517664E0}"/>
+              </a:ext>
+            </a:extLst>
+          </p:cNvPr>
+          <p:cNvSpPr txBox="1"/>
+          <p:nvPr/>
+        </p:nvSpPr>
+        <p:spPr>
+          <a:xfrm>
+            <a:off x="4382788" y="4893830"/>
+            <a:ext cx="3499804" cy="646331"/>
+          </a:xfrm>
+          <a:prstGeom prst="rect">
+            <a:avLst/>
+          </a:prstGeom>
+          <a:noFill/>
+        </p:spPr>
+        <p:txBody>
+          <a:bodyPr wrap="none" rtlCol="0">
+            <a:spAutoFit/>
+          </a:bodyPr>
+          <a:lstStyle/>
+          <a:p>
+            <a:r>
+              <a:rPr lang="es-MX" dirty="0"/>
+              <a:t>Plataforma de contenedores donde</a:t>
+            </a:r>
+          </a:p>
+          <a:p>
+            <a:r>
+              <a:rPr lang="es-MX" dirty="0"/>
+              <a:t>la seguridad es lo más crítico</a:t>
+            </a:r>
+            <a:endParaRPr lang="es-SV" dirty="0"/>
+          </a:p>
+        </p:txBody>
+      </p:sp>
+      <p:sp>
+        <p:nvSpPr>
+          <p:cNvPr id="12" name="CuadroTexto 11">
+            <a:extLst>
+              <a:ext uri="{FF2B5EF4-FFF2-40B4-BE49-F238E27FC236}">
+                <a16:creationId xmlns:a16="http://schemas.microsoft.com/office/drawing/2014/main" id="{A6FAB0F7-0C2D-FBD4-A2F5-71F7A5AE75B3}"/>
+              </a:ext>
+            </a:extLst>
+          </p:cNvPr>
+          <p:cNvSpPr txBox="1"/>
+          <p:nvPr/>
+        </p:nvSpPr>
+        <p:spPr>
+          <a:xfrm>
+            <a:off x="8167514" y="4999164"/>
+            <a:ext cx="3982500" cy="646331"/>
+          </a:xfrm>
+          <a:prstGeom prst="rect">
+            <a:avLst/>
+          </a:prstGeom>
+          <a:noFill/>
+        </p:spPr>
+        <p:txBody>
+          <a:bodyPr wrap="none" rtlCol="0">
+            <a:spAutoFit/>
+          </a:bodyPr>
+          <a:lstStyle/>
+          <a:p>
+            <a:r>
+              <a:rPr lang="es-MX" dirty="0"/>
+              <a:t>Plataforma de creación de contenedores</a:t>
+            </a:r>
+          </a:p>
+          <a:p>
+            <a:r>
+              <a:rPr lang="es-MX" dirty="0"/>
+              <a:t>que tiene una mayor escalabilidad</a:t>
+            </a:r>
+            <a:endParaRPr lang="es-SV" dirty="0"/>
+          </a:p>
+        </p:txBody>
+      </p:sp>
+      <p:sp>
+        <p:nvSpPr>
+          <p:cNvPr id="13" name="CuadroTexto 12">
+            <a:extLst>
+              <a:ext uri="{FF2B5EF4-FFF2-40B4-BE49-F238E27FC236}">
+                <a16:creationId xmlns:a16="http://schemas.microsoft.com/office/drawing/2014/main" id="{1CAB41AC-102A-72E3-30D7-6B1D81A9B981}"/>
+              </a:ext>
+            </a:extLst>
+          </p:cNvPr>
+          <p:cNvSpPr txBox="1"/>
+          <p:nvPr/>
+        </p:nvSpPr>
+        <p:spPr>
+          <a:xfrm>
+            <a:off x="4117816" y="6335514"/>
+            <a:ext cx="4049698" cy="369332"/>
+          </a:xfrm>
+          <a:prstGeom prst="rect">
+            <a:avLst/>
+          </a:prstGeom>
+          <a:noFill/>
+        </p:spPr>
+        <p:txBody>
+          <a:bodyPr wrap="none" rtlCol="0">
+            <a:spAutoFit/>
+          </a:bodyPr>
+          <a:lstStyle/>
+          <a:p>
+            <a:r>
+              <a:rPr lang="es-MX" dirty="0"/>
+              <a:t>Se encuentran basados en código abierto</a:t>
+            </a:r>
+            <a:endParaRPr lang="es-SV" dirty="0"/>
           </a:p>
         </p:txBody>
       </p:sp>
@@ -6245,8 +7029,8 @@
           <a:chExt cx="0" cy="0"/>
         </a:xfrm>
       </p:grpSpPr>
-      <mc:AlternateContent xmlns:mc="http://schemas.openxmlformats.org/markup-compatibility/2006">
-        <mc:Choice xmlns:p14="http://schemas.microsoft.com/office/powerpoint/2010/main" Requires="p14">
+      <mc:AlternateContent xmlns:mc="http://schemas.openxmlformats.org/markup-compatibility/2006" xmlns:p14="http://schemas.microsoft.com/office/powerpoint/2010/main">
+        <mc:Choice Requires="p14">
           <p:contentPart p14:bwMode="auto" r:id="rId2">
             <p14:nvContentPartPr>
               <p14:cNvPr id="10" name="Entrada de lápiz 9">
@@ -6265,7 +7049,7 @@
             </p14:xfrm>
           </p:contentPart>
         </mc:Choice>
-        <mc:Fallback>
+        <mc:Fallback xmlns="">
           <p:pic>
             <p:nvPicPr>
               <p:cNvPr id="10" name="Entrada de lápiz 9">
@@ -6448,8 +7232,8 @@
           <a:chExt cx="0" cy="0"/>
         </a:xfrm>
       </p:grpSpPr>
-      <mc:AlternateContent xmlns:mc="http://schemas.openxmlformats.org/markup-compatibility/2006">
-        <mc:Choice xmlns:p14="http://schemas.microsoft.com/office/powerpoint/2010/main" Requires="p14">
+      <mc:AlternateContent xmlns:mc="http://schemas.openxmlformats.org/markup-compatibility/2006" xmlns:p14="http://schemas.microsoft.com/office/powerpoint/2010/main">
+        <mc:Choice Requires="p14">
           <p:contentPart p14:bwMode="auto" r:id="rId2">
             <p14:nvContentPartPr>
               <p14:cNvPr id="10" name="Entrada de lápiz 9">
@@ -6468,7 +7252,7 @@
             </p14:xfrm>
           </p:contentPart>
         </mc:Choice>
-        <mc:Fallback>
+        <mc:Fallback xmlns="">
           <p:pic>
             <p:nvPicPr>
               <p:cNvPr id="10" name="Entrada de lápiz 9">
@@ -6572,7 +7356,7 @@
       </p:pic>
       <p:sp>
         <p:nvSpPr>
-          <p:cNvPr id="4" name="Título 3">
+          <p:cNvPr id="2" name="Título 3">
             <a:extLst>
               <a:ext uri="{FF2B5EF4-FFF2-40B4-BE49-F238E27FC236}">
                 <a16:creationId xmlns:a16="http://schemas.microsoft.com/office/drawing/2014/main" id="{AC02598F-8AB8-8281-4E4B-A243C9635DE1}"/>
@@ -6586,12 +7370,206 @@
             <p:ph type="title"/>
           </p:nvPr>
         </p:nvSpPr>
-        <p:spPr/>
+        <p:spPr>
+          <a:xfrm>
+            <a:off x="255976" y="394392"/>
+            <a:ext cx="11680047" cy="2182843"/>
+          </a:xfrm>
+        </p:spPr>
         <p:txBody>
-          <a:bodyPr/>
+          <a:bodyPr>
+            <a:noAutofit/>
+          </a:bodyPr>
           <a:lstStyle/>
           <a:p>
-            <a:endParaRPr lang="es-SV"/>
+            <a:pPr algn="ctr"/>
+            <a:r>
+              <a:rPr lang="es-ES" sz="6000" dirty="0">
+                <a:solidFill>
+                  <a:schemeClr val="bg1"/>
+                </a:solidFill>
+                <a:latin typeface="Avengeance Heroic Avenger"/>
+              </a:rPr>
+              <a:t>Desafíos y Consideraciones al usar Contenedores.</a:t>
+            </a:r>
+            <a:endParaRPr lang="es-SV" sz="6000" dirty="0">
+              <a:solidFill>
+                <a:schemeClr val="bg1"/>
+              </a:solidFill>
+              <a:latin typeface="Avengeance Heroic Avenger"/>
+            </a:endParaRPr>
+          </a:p>
+        </p:txBody>
+      </p:sp>
+      <p:sp>
+        <p:nvSpPr>
+          <p:cNvPr id="3" name="CuadroTexto 2">
+            <a:extLst>
+              <a:ext uri="{FF2B5EF4-FFF2-40B4-BE49-F238E27FC236}">
+                <a16:creationId xmlns:a16="http://schemas.microsoft.com/office/drawing/2014/main" id="{9873CC30-BA9C-06D2-9F80-8CAADC3F588E}"/>
+              </a:ext>
+            </a:extLst>
+          </p:cNvPr>
+          <p:cNvSpPr txBox="1"/>
+          <p:nvPr/>
+        </p:nvSpPr>
+        <p:spPr>
+          <a:xfrm>
+            <a:off x="255976" y="2855349"/>
+            <a:ext cx="3382401" cy="477054"/>
+          </a:xfrm>
+          <a:prstGeom prst="rect">
+            <a:avLst/>
+          </a:prstGeom>
+          <a:noFill/>
+        </p:spPr>
+        <p:txBody>
+          <a:bodyPr wrap="none" rtlCol="0">
+            <a:spAutoFit/>
+          </a:bodyPr>
+          <a:lstStyle/>
+          <a:p>
+            <a:pPr marL="285750" indent="-285750">
+              <a:buFont typeface="Wingdings" panose="05000000000000000000" pitchFamily="2" charset="2"/>
+              <a:buChar char="§"/>
+            </a:pPr>
+            <a:r>
+              <a:rPr lang="es-ES" sz="2500" b="1" dirty="0">
+                <a:latin typeface="Avengeance Heroic Avenger"/>
+              </a:rPr>
+              <a:t>Persistencia de Datos.</a:t>
+            </a:r>
+            <a:endParaRPr lang="es-SV" sz="2500" b="1" dirty="0">
+              <a:latin typeface="Avengeance Heroic Avenger"/>
+            </a:endParaRPr>
+          </a:p>
+        </p:txBody>
+      </p:sp>
+      <p:sp>
+        <p:nvSpPr>
+          <p:cNvPr id="5" name="CuadroTexto 4">
+            <a:extLst>
+              <a:ext uri="{FF2B5EF4-FFF2-40B4-BE49-F238E27FC236}">
+                <a16:creationId xmlns:a16="http://schemas.microsoft.com/office/drawing/2014/main" id="{0D56AFD9-9B6F-1419-C959-0F13136C6DB8}"/>
+              </a:ext>
+            </a:extLst>
+          </p:cNvPr>
+          <p:cNvSpPr txBox="1"/>
+          <p:nvPr/>
+        </p:nvSpPr>
+        <p:spPr>
+          <a:xfrm>
+            <a:off x="255976" y="3333918"/>
+            <a:ext cx="2762295" cy="477054"/>
+          </a:xfrm>
+          <a:prstGeom prst="rect">
+            <a:avLst/>
+          </a:prstGeom>
+          <a:noFill/>
+        </p:spPr>
+        <p:txBody>
+          <a:bodyPr wrap="none" rtlCol="0">
+            <a:spAutoFit/>
+          </a:bodyPr>
+          <a:lstStyle/>
+          <a:p>
+            <a:pPr marL="285750" indent="-285750">
+              <a:buFont typeface="Wingdings" panose="05000000000000000000" pitchFamily="2" charset="2"/>
+              <a:buChar char="§"/>
+            </a:pPr>
+            <a:r>
+              <a:rPr lang="es-ES" sz="2500" b="1" dirty="0">
+                <a:latin typeface="Avengeance Heroic Avenger"/>
+              </a:rPr>
+              <a:t>Tiempo de Inicio.</a:t>
+            </a:r>
+            <a:endParaRPr lang="es-SV" sz="2500" b="1" dirty="0">
+              <a:latin typeface="Avengeance Heroic Avenger"/>
+            </a:endParaRPr>
+          </a:p>
+        </p:txBody>
+      </p:sp>
+      <p:sp>
+        <p:nvSpPr>
+          <p:cNvPr id="7" name="CuadroTexto 6">
+            <a:extLst>
+              <a:ext uri="{FF2B5EF4-FFF2-40B4-BE49-F238E27FC236}">
+                <a16:creationId xmlns:a16="http://schemas.microsoft.com/office/drawing/2014/main" id="{FE43878F-E037-2718-46E4-995ED665B45B}"/>
+              </a:ext>
+            </a:extLst>
+          </p:cNvPr>
+          <p:cNvSpPr txBox="1"/>
+          <p:nvPr/>
+        </p:nvSpPr>
+        <p:spPr>
+          <a:xfrm>
+            <a:off x="255976" y="3810972"/>
+            <a:ext cx="2815322" cy="477054"/>
+          </a:xfrm>
+          <a:prstGeom prst="rect">
+            <a:avLst/>
+          </a:prstGeom>
+          <a:noFill/>
+        </p:spPr>
+        <p:txBody>
+          <a:bodyPr wrap="none" rtlCol="0">
+            <a:spAutoFit/>
+          </a:bodyPr>
+          <a:lstStyle/>
+          <a:p>
+            <a:pPr marL="285750" indent="-285750">
+              <a:buFont typeface="Wingdings" panose="05000000000000000000" pitchFamily="2" charset="2"/>
+              <a:buChar char="§"/>
+            </a:pPr>
+            <a:r>
+              <a:rPr lang="es-ES" sz="2500" b="1" dirty="0">
+                <a:latin typeface="Avengeance Heroic Avenger"/>
+              </a:rPr>
+              <a:t>Redes Complejas.</a:t>
+            </a:r>
+            <a:endParaRPr lang="es-SV" sz="2500" b="1" dirty="0">
+              <a:latin typeface="Avengeance Heroic Avenger"/>
+            </a:endParaRPr>
+          </a:p>
+        </p:txBody>
+      </p:sp>
+      <p:sp>
+        <p:nvSpPr>
+          <p:cNvPr id="8" name="CuadroTexto 7">
+            <a:extLst>
+              <a:ext uri="{FF2B5EF4-FFF2-40B4-BE49-F238E27FC236}">
+                <a16:creationId xmlns:a16="http://schemas.microsoft.com/office/drawing/2014/main" id="{BD933B0F-6989-BDE3-FAED-87D025E56C1F}"/>
+              </a:ext>
+            </a:extLst>
+          </p:cNvPr>
+          <p:cNvSpPr txBox="1"/>
+          <p:nvPr/>
+        </p:nvSpPr>
+        <p:spPr>
+          <a:xfrm>
+            <a:off x="255976" y="4279689"/>
+            <a:ext cx="4823949" cy="477054"/>
+          </a:xfrm>
+          <a:prstGeom prst="rect">
+            <a:avLst/>
+          </a:prstGeom>
+          <a:noFill/>
+        </p:spPr>
+        <p:txBody>
+          <a:bodyPr wrap="none" rtlCol="0">
+            <a:spAutoFit/>
+          </a:bodyPr>
+          <a:lstStyle/>
+          <a:p>
+            <a:pPr marL="285750" indent="-285750">
+              <a:buFont typeface="Wingdings" panose="05000000000000000000" pitchFamily="2" charset="2"/>
+              <a:buChar char="§"/>
+            </a:pPr>
+            <a:r>
+              <a:rPr lang="es-ES" sz="2500" b="1" dirty="0"/>
+              <a:t>Orquestación y Escalabilidad.</a:t>
+            </a:r>
+            <a:endParaRPr lang="es-SV" sz="2500" b="1" dirty="0"/>
           </a:p>
         </p:txBody>
       </p:sp>

--- a/Presentación1.pptx
+++ b/Presentación1.pptx
@@ -10,11 +10,14 @@
     <p:sldId id="284" r:id="rId4"/>
     <p:sldId id="285" r:id="rId5"/>
     <p:sldId id="286" r:id="rId6"/>
-    <p:sldId id="287" r:id="rId7"/>
-    <p:sldId id="288" r:id="rId8"/>
-    <p:sldId id="289" r:id="rId9"/>
-    <p:sldId id="281" r:id="rId10"/>
-    <p:sldId id="280" r:id="rId11"/>
+    <p:sldId id="290" r:id="rId7"/>
+    <p:sldId id="291" r:id="rId8"/>
+    <p:sldId id="287" r:id="rId9"/>
+    <p:sldId id="288" r:id="rId10"/>
+    <p:sldId id="292" r:id="rId11"/>
+    <p:sldId id="289" r:id="rId12"/>
+    <p:sldId id="281" r:id="rId13"/>
+    <p:sldId id="280" r:id="rId14"/>
   </p:sldIdLst>
   <p:sldSz cx="12192000" cy="6858000"/>
   <p:notesSz cx="6858000" cy="9144000"/>
@@ -122,6 +125,34 @@
 </file>
 
 <file path=ppt/ink/ink1.xml><?xml version="1.0" encoding="utf-8"?>
+<inkml:ink xmlns:inkml="http://www.w3.org/2003/InkML">
+  <inkml:definitions>
+    <inkml:context xml:id="ctx0">
+      <inkml:inkSource xml:id="inkSrc0">
+        <inkml:traceFormat>
+          <inkml:channel name="X" type="integer" min="-2.14748E9" max="2.14748E9" units="cm"/>
+          <inkml:channel name="Y" type="integer" min="-2.14748E9" max="2.14748E9" units="cm"/>
+          <inkml:channel name="F" type="integer" max="32767" units="dev"/>
+        </inkml:traceFormat>
+        <inkml:channelProperties>
+          <inkml:channelProperty channel="X" name="resolution" value="1000" units="1/cm"/>
+          <inkml:channelProperty channel="Y" name="resolution" value="1000" units="1/cm"/>
+          <inkml:channelProperty channel="F" name="resolution" value="0" units="1/dev"/>
+        </inkml:channelProperties>
+      </inkml:inkSource>
+      <inkml:timestamp xml:id="ts0" timeString="2024-08-23T22:37:17.929"/>
+    </inkml:context>
+    <inkml:brush xml:id="br0">
+      <inkml:brushProperty name="width" value="0.035" units="cm"/>
+      <inkml:brushProperty name="height" value="0.035" units="cm"/>
+      <inkml:brushProperty name="color" value="#FF0066"/>
+    </inkml:brush>
+  </inkml:definitions>
+  <inkml:trace contextRef="#ctx0" brushRef="#br0">1 0 24575,'0'0'0</inkml:trace>
+</inkml:ink>
+</file>
+
+<file path=ppt/ink/ink10.xml><?xml version="1.0" encoding="utf-8"?>
 <inkml:ink xmlns:inkml="http://www.w3.org/2003/InkML">
   <inkml:definitions>
     <inkml:context xml:id="ctx0">
@@ -317,6 +348,62 @@
 </inkml:ink>
 </file>
 
+<file path=ppt/ink/ink8.xml><?xml version="1.0" encoding="utf-8"?>
+<inkml:ink xmlns:inkml="http://www.w3.org/2003/InkML">
+  <inkml:definitions>
+    <inkml:context xml:id="ctx0">
+      <inkml:inkSource xml:id="inkSrc0">
+        <inkml:traceFormat>
+          <inkml:channel name="X" type="integer" min="-2.14748E9" max="2.14748E9" units="cm"/>
+          <inkml:channel name="Y" type="integer" min="-2.14748E9" max="2.14748E9" units="cm"/>
+          <inkml:channel name="F" type="integer" max="32767" units="dev"/>
+        </inkml:traceFormat>
+        <inkml:channelProperties>
+          <inkml:channelProperty channel="X" name="resolution" value="1000" units="1/cm"/>
+          <inkml:channelProperty channel="Y" name="resolution" value="1000" units="1/cm"/>
+          <inkml:channelProperty channel="F" name="resolution" value="0" units="1/dev"/>
+        </inkml:channelProperties>
+      </inkml:inkSource>
+      <inkml:timestamp xml:id="ts0" timeString="2024-08-23T22:37:17.929"/>
+    </inkml:context>
+    <inkml:brush xml:id="br0">
+      <inkml:brushProperty name="width" value="0.035" units="cm"/>
+      <inkml:brushProperty name="height" value="0.035" units="cm"/>
+      <inkml:brushProperty name="color" value="#FF0066"/>
+    </inkml:brush>
+  </inkml:definitions>
+  <inkml:trace contextRef="#ctx0" brushRef="#br0">1 0 24575,'0'0'0</inkml:trace>
+</inkml:ink>
+</file>
+
+<file path=ppt/ink/ink9.xml><?xml version="1.0" encoding="utf-8"?>
+<inkml:ink xmlns:inkml="http://www.w3.org/2003/InkML">
+  <inkml:definitions>
+    <inkml:context xml:id="ctx0">
+      <inkml:inkSource xml:id="inkSrc0">
+        <inkml:traceFormat>
+          <inkml:channel name="X" type="integer" min="-2.14748E9" max="2.14748E9" units="cm"/>
+          <inkml:channel name="Y" type="integer" min="-2.14748E9" max="2.14748E9" units="cm"/>
+          <inkml:channel name="F" type="integer" max="32767" units="dev"/>
+        </inkml:traceFormat>
+        <inkml:channelProperties>
+          <inkml:channelProperty channel="X" name="resolution" value="1000" units="1/cm"/>
+          <inkml:channelProperty channel="Y" name="resolution" value="1000" units="1/cm"/>
+          <inkml:channelProperty channel="F" name="resolution" value="0" units="1/dev"/>
+        </inkml:channelProperties>
+      </inkml:inkSource>
+      <inkml:timestamp xml:id="ts0" timeString="2024-08-23T22:37:17.929"/>
+    </inkml:context>
+    <inkml:brush xml:id="br0">
+      <inkml:brushProperty name="width" value="0.035" units="cm"/>
+      <inkml:brushProperty name="height" value="0.035" units="cm"/>
+      <inkml:brushProperty name="color" value="#FF0066"/>
+    </inkml:brush>
+  </inkml:definitions>
+  <inkml:trace contextRef="#ctx0" brushRef="#br0">1 0 24575,'0'0'0</inkml:trace>
+</inkml:ink>
+</file>
+
 <file path=ppt/slideLayouts/slideLayout1.xml><?xml version="1.0" encoding="utf-8"?>
 <p:sldLayout xmlns:a="http://schemas.openxmlformats.org/drawingml/2006/main" xmlns:r="http://schemas.openxmlformats.org/officeDocument/2006/relationships" xmlns:p="http://schemas.openxmlformats.org/presentationml/2006/main" type="title" preserve="1">
   <p:cSld name="Diapositiva de título">
@@ -466,7 +553,7 @@
           <a:p>
             <a:fld id="{C8A65DB0-4DD6-49EF-BE9A-3F1A050B2B8C}" type="datetimeFigureOut">
               <a:rPr lang="es-SV" smtClean="0"/>
-              <a:t>14/9/2024</a:t>
+              <a:t>15/9/2024</a:t>
             </a:fld>
             <a:endParaRPr lang="es-SV"/>
           </a:p>
@@ -666,7 +753,7 @@
           <a:p>
             <a:fld id="{C8A65DB0-4DD6-49EF-BE9A-3F1A050B2B8C}" type="datetimeFigureOut">
               <a:rPr lang="es-SV" smtClean="0"/>
-              <a:t>14/9/2024</a:t>
+              <a:t>15/9/2024</a:t>
             </a:fld>
             <a:endParaRPr lang="es-SV"/>
           </a:p>
@@ -876,7 +963,7 @@
           <a:p>
             <a:fld id="{C8A65DB0-4DD6-49EF-BE9A-3F1A050B2B8C}" type="datetimeFigureOut">
               <a:rPr lang="es-SV" smtClean="0"/>
-              <a:t>14/9/2024</a:t>
+              <a:t>15/9/2024</a:t>
             </a:fld>
             <a:endParaRPr lang="es-SV"/>
           </a:p>
@@ -1076,7 +1163,7 @@
           <a:p>
             <a:fld id="{C8A65DB0-4DD6-49EF-BE9A-3F1A050B2B8C}" type="datetimeFigureOut">
               <a:rPr lang="es-SV" smtClean="0"/>
-              <a:t>14/9/2024</a:t>
+              <a:t>15/9/2024</a:t>
             </a:fld>
             <a:endParaRPr lang="es-SV"/>
           </a:p>
@@ -1352,7 +1439,7 @@
           <a:p>
             <a:fld id="{C8A65DB0-4DD6-49EF-BE9A-3F1A050B2B8C}" type="datetimeFigureOut">
               <a:rPr lang="es-SV" smtClean="0"/>
-              <a:t>14/9/2024</a:t>
+              <a:t>15/9/2024</a:t>
             </a:fld>
             <a:endParaRPr lang="es-SV"/>
           </a:p>
@@ -1620,7 +1707,7 @@
           <a:p>
             <a:fld id="{C8A65DB0-4DD6-49EF-BE9A-3F1A050B2B8C}" type="datetimeFigureOut">
               <a:rPr lang="es-SV" smtClean="0"/>
-              <a:t>14/9/2024</a:t>
+              <a:t>15/9/2024</a:t>
             </a:fld>
             <a:endParaRPr lang="es-SV"/>
           </a:p>
@@ -2035,7 +2122,7 @@
           <a:p>
             <a:fld id="{C8A65DB0-4DD6-49EF-BE9A-3F1A050B2B8C}" type="datetimeFigureOut">
               <a:rPr lang="es-SV" smtClean="0"/>
-              <a:t>14/9/2024</a:t>
+              <a:t>15/9/2024</a:t>
             </a:fld>
             <a:endParaRPr lang="es-SV"/>
           </a:p>
@@ -2177,7 +2264,7 @@
           <a:p>
             <a:fld id="{C8A65DB0-4DD6-49EF-BE9A-3F1A050B2B8C}" type="datetimeFigureOut">
               <a:rPr lang="es-SV" smtClean="0"/>
-              <a:t>14/9/2024</a:t>
+              <a:t>15/9/2024</a:t>
             </a:fld>
             <a:endParaRPr lang="es-SV"/>
           </a:p>
@@ -2290,7 +2377,7 @@
           <a:p>
             <a:fld id="{C8A65DB0-4DD6-49EF-BE9A-3F1A050B2B8C}" type="datetimeFigureOut">
               <a:rPr lang="es-SV" smtClean="0"/>
-              <a:t>14/9/2024</a:t>
+              <a:t>15/9/2024</a:t>
             </a:fld>
             <a:endParaRPr lang="es-SV"/>
           </a:p>
@@ -2603,7 +2690,7 @@
           <a:p>
             <a:fld id="{C8A65DB0-4DD6-49EF-BE9A-3F1A050B2B8C}" type="datetimeFigureOut">
               <a:rPr lang="es-SV" smtClean="0"/>
-              <a:t>14/9/2024</a:t>
+              <a:t>15/9/2024</a:t>
             </a:fld>
             <a:endParaRPr lang="es-SV"/>
           </a:p>
@@ -2892,7 +2979,7 @@
           <a:p>
             <a:fld id="{C8A65DB0-4DD6-49EF-BE9A-3F1A050B2B8C}" type="datetimeFigureOut">
               <a:rPr lang="es-SV" smtClean="0"/>
-              <a:t>14/9/2024</a:t>
+              <a:t>15/9/2024</a:t>
             </a:fld>
             <a:endParaRPr lang="es-SV"/>
           </a:p>
@@ -3153,7 +3240,7 @@
           <a:p>
             <a:fld id="{C8A65DB0-4DD6-49EF-BE9A-3F1A050B2B8C}" type="datetimeFigureOut">
               <a:rPr lang="es-SV" smtClean="0"/>
-              <a:t>14/9/2024</a:t>
+              <a:t>15/9/2024</a:t>
             </a:fld>
             <a:endParaRPr lang="es-SV"/>
           </a:p>
@@ -3944,6 +4031,1006 @@
 </file>
 
 <file path=ppt/slides/slide10.xml><?xml version="1.0" encoding="utf-8"?>
+<p:sld xmlns:a="http://schemas.openxmlformats.org/drawingml/2006/main" xmlns:r="http://schemas.openxmlformats.org/officeDocument/2006/relationships" xmlns:p="http://schemas.openxmlformats.org/presentationml/2006/main">
+  <p:cSld>
+    <p:bg>
+      <p:bgPr>
+        <a:gradFill flip="none" rotWithShape="1">
+          <a:gsLst>
+            <a:gs pos="75000">
+              <a:srgbClr val="008060"/>
+            </a:gs>
+            <a:gs pos="95413">
+              <a:srgbClr val="004F2D"/>
+            </a:gs>
+            <a:gs pos="56868">
+              <a:srgbClr val="7EB9FF"/>
+            </a:gs>
+            <a:gs pos="38518">
+              <a:srgbClr val="01A3FB"/>
+            </a:gs>
+            <a:gs pos="17000">
+              <a:srgbClr val="002F6C"/>
+            </a:gs>
+          </a:gsLst>
+          <a:lin ang="5400000" scaled="1"/>
+          <a:tileRect/>
+        </a:gradFill>
+        <a:effectLst/>
+      </p:bgPr>
+    </p:bg>
+    <p:spTree>
+      <p:nvGrpSpPr>
+        <p:cNvPr id="1" name=""/>
+        <p:cNvGrpSpPr/>
+        <p:nvPr/>
+      </p:nvGrpSpPr>
+      <p:grpSpPr>
+        <a:xfrm>
+          <a:off x="0" y="0"/>
+          <a:ext cx="0" cy="0"/>
+          <a:chOff x="0" y="0"/>
+          <a:chExt cx="0" cy="0"/>
+        </a:xfrm>
+      </p:grpSpPr>
+      <mc:AlternateContent xmlns:mc="http://schemas.openxmlformats.org/markup-compatibility/2006">
+        <mc:Choice xmlns:p14="http://schemas.microsoft.com/office/powerpoint/2010/main" Requires="p14">
+          <p:contentPart p14:bwMode="auto" r:id="rId2">
+            <p14:nvContentPartPr>
+              <p14:cNvPr id="10" name="Entrada de lápiz 9">
+                <a:extLst>
+                  <a:ext uri="{FF2B5EF4-FFF2-40B4-BE49-F238E27FC236}">
+                    <a16:creationId xmlns:a16="http://schemas.microsoft.com/office/drawing/2014/main" id="{54A55241-065D-1FE0-CC23-1BA2AC9C1F5A}"/>
+                  </a:ext>
+                </a:extLst>
+              </p14:cNvPr>
+              <p14:cNvContentPartPr/>
+              <p14:nvPr/>
+            </p14:nvContentPartPr>
+            <p14:xfrm>
+              <a:off x="1708613" y="5620928"/>
+              <a:ext cx="360" cy="360"/>
+            </p14:xfrm>
+          </p:contentPart>
+        </mc:Choice>
+        <mc:Fallback>
+          <p:pic>
+            <p:nvPicPr>
+              <p:cNvPr id="10" name="Entrada de lápiz 9">
+                <a:extLst>
+                  <a:ext uri="{FF2B5EF4-FFF2-40B4-BE49-F238E27FC236}">
+                    <a16:creationId xmlns:a16="http://schemas.microsoft.com/office/drawing/2014/main" id="{54A55241-065D-1FE0-CC23-1BA2AC9C1F5A}"/>
+                  </a:ext>
+                </a:extLst>
+              </p:cNvPr>
+              <p:cNvPicPr/>
+              <p:nvPr/>
+            </p:nvPicPr>
+            <p:blipFill>
+              <a:blip r:embed="rId3"/>
+              <a:stretch>
+                <a:fillRect/>
+              </a:stretch>
+            </p:blipFill>
+            <p:spPr>
+              <a:xfrm>
+                <a:off x="1702493" y="5614808"/>
+                <a:ext cx="12600" cy="12600"/>
+              </a:xfrm>
+              <a:prstGeom prst="rect">
+                <a:avLst/>
+              </a:prstGeom>
+            </p:spPr>
+          </p:pic>
+        </mc:Fallback>
+      </mc:AlternateContent>
+      <p:pic>
+        <p:nvPicPr>
+          <p:cNvPr id="9" name="Imagen 8">
+            <a:extLst>
+              <a:ext uri="{FF2B5EF4-FFF2-40B4-BE49-F238E27FC236}">
+                <a16:creationId xmlns:a16="http://schemas.microsoft.com/office/drawing/2014/main" id="{C0629D62-CDA9-C0D7-E69C-5D6906597A61}"/>
+              </a:ext>
+            </a:extLst>
+          </p:cNvPr>
+          <p:cNvPicPr>
+            <a:picLocks noChangeAspect="1"/>
+          </p:cNvPicPr>
+          <p:nvPr/>
+        </p:nvPicPr>
+        <p:blipFill>
+          <a:blip r:embed="rId4">
+            <a:extLst>
+              <a:ext uri="{28A0092B-C50C-407E-A947-70E740481C1C}">
+                <a14:useLocalDpi xmlns:a14="http://schemas.microsoft.com/office/drawing/2010/main" val="0"/>
+              </a:ext>
+            </a:extLst>
+          </a:blip>
+          <a:stretch>
+            <a:fillRect/>
+          </a:stretch>
+        </p:blipFill>
+        <p:spPr>
+          <a:xfrm>
+            <a:off x="0" y="5429250"/>
+            <a:ext cx="1428750" cy="1428750"/>
+          </a:xfrm>
+          <a:prstGeom prst="rect">
+            <a:avLst/>
+          </a:prstGeom>
+        </p:spPr>
+      </p:pic>
+      <p:pic>
+        <p:nvPicPr>
+          <p:cNvPr id="11" name="Marcador de contenido 10">
+            <a:extLst>
+              <a:ext uri="{FF2B5EF4-FFF2-40B4-BE49-F238E27FC236}">
+                <a16:creationId xmlns:a16="http://schemas.microsoft.com/office/drawing/2014/main" id="{B65F5A64-6B3B-9999-F8EB-29FF7556107A}"/>
+              </a:ext>
+            </a:extLst>
+          </p:cNvPr>
+          <p:cNvPicPr>
+            <a:picLocks noChangeAspect="1"/>
+          </p:cNvPicPr>
+          <p:nvPr/>
+        </p:nvPicPr>
+        <p:blipFill>
+          <a:blip r:embed="rId5">
+            <a:extLst>
+              <a:ext uri="{28A0092B-C50C-407E-A947-70E740481C1C}">
+                <a14:useLocalDpi xmlns:a14="http://schemas.microsoft.com/office/drawing/2010/main" val="0"/>
+              </a:ext>
+            </a:extLst>
+          </a:blip>
+          <a:srcRect t="21796" b="21796"/>
+          <a:stretch/>
+        </p:blipFill>
+        <p:spPr>
+          <a:xfrm>
+            <a:off x="10456906" y="5803328"/>
+            <a:ext cx="1793787" cy="1011836"/>
+          </a:xfrm>
+          <a:prstGeom prst="rect">
+            <a:avLst/>
+          </a:prstGeom>
+        </p:spPr>
+      </p:pic>
+      <p:pic>
+        <p:nvPicPr>
+          <p:cNvPr id="4" name="Imagen 3">
+            <a:extLst>
+              <a:ext uri="{FF2B5EF4-FFF2-40B4-BE49-F238E27FC236}">
+                <a16:creationId xmlns:a16="http://schemas.microsoft.com/office/drawing/2014/main" id="{F25851EF-B98B-72C4-7386-F50F79D983DD}"/>
+              </a:ext>
+            </a:extLst>
+          </p:cNvPr>
+          <p:cNvPicPr>
+            <a:picLocks noChangeAspect="1"/>
+          </p:cNvPicPr>
+          <p:nvPr/>
+        </p:nvPicPr>
+        <p:blipFill>
+          <a:blip r:embed="rId6">
+            <a:extLst>
+              <a:ext uri="{28A0092B-C50C-407E-A947-70E740481C1C}">
+                <a14:useLocalDpi xmlns:a14="http://schemas.microsoft.com/office/drawing/2010/main" val="0"/>
+              </a:ext>
+            </a:extLst>
+          </a:blip>
+          <a:srcRect l="19549" t="24399" r="19962" b="7487"/>
+          <a:stretch/>
+        </p:blipFill>
+        <p:spPr>
+          <a:xfrm>
+            <a:off x="1361074" y="300524"/>
+            <a:ext cx="9469851" cy="5620591"/>
+          </a:xfrm>
+          <a:prstGeom prst="rect">
+            <a:avLst/>
+          </a:prstGeom>
+        </p:spPr>
+      </p:pic>
+    </p:spTree>
+    <p:extLst>
+      <p:ext uri="{BB962C8B-B14F-4D97-AF65-F5344CB8AC3E}">
+        <p14:creationId xmlns:p14="http://schemas.microsoft.com/office/powerpoint/2010/main" val="4111745365"/>
+      </p:ext>
+    </p:extLst>
+  </p:cSld>
+  <p:clrMapOvr>
+    <a:masterClrMapping/>
+  </p:clrMapOvr>
+</p:sld>
+</file>
+
+<file path=ppt/slides/slide11.xml><?xml version="1.0" encoding="utf-8"?>
+<p:sld xmlns:a="http://schemas.openxmlformats.org/drawingml/2006/main" xmlns:r="http://schemas.openxmlformats.org/officeDocument/2006/relationships" xmlns:p="http://schemas.openxmlformats.org/presentationml/2006/main">
+  <p:cSld>
+    <p:bg>
+      <p:bgPr>
+        <a:gradFill flip="none" rotWithShape="1">
+          <a:gsLst>
+            <a:gs pos="75000">
+              <a:srgbClr val="008060"/>
+            </a:gs>
+            <a:gs pos="95413">
+              <a:srgbClr val="004F2D"/>
+            </a:gs>
+            <a:gs pos="56868">
+              <a:srgbClr val="7EB9FF"/>
+            </a:gs>
+            <a:gs pos="38518">
+              <a:srgbClr val="01A3FB"/>
+            </a:gs>
+            <a:gs pos="17000">
+              <a:srgbClr val="002F6C"/>
+            </a:gs>
+          </a:gsLst>
+          <a:lin ang="5400000" scaled="1"/>
+          <a:tileRect/>
+        </a:gradFill>
+        <a:effectLst/>
+      </p:bgPr>
+    </p:bg>
+    <p:spTree>
+      <p:nvGrpSpPr>
+        <p:cNvPr id="1" name=""/>
+        <p:cNvGrpSpPr/>
+        <p:nvPr/>
+      </p:nvGrpSpPr>
+      <p:grpSpPr>
+        <a:xfrm>
+          <a:off x="0" y="0"/>
+          <a:ext cx="0" cy="0"/>
+          <a:chOff x="0" y="0"/>
+          <a:chExt cx="0" cy="0"/>
+        </a:xfrm>
+      </p:grpSpPr>
+      <mc:AlternateContent xmlns:mc="http://schemas.openxmlformats.org/markup-compatibility/2006" xmlns:p14="http://schemas.microsoft.com/office/powerpoint/2010/main">
+        <mc:Choice Requires="p14">
+          <p:contentPart p14:bwMode="auto" r:id="rId2">
+            <p14:nvContentPartPr>
+              <p14:cNvPr id="10" name="Entrada de lápiz 9">
+                <a:extLst>
+                  <a:ext uri="{FF2B5EF4-FFF2-40B4-BE49-F238E27FC236}">
+                    <a16:creationId xmlns:a16="http://schemas.microsoft.com/office/drawing/2014/main" id="{54A55241-065D-1FE0-CC23-1BA2AC9C1F5A}"/>
+                  </a:ext>
+                </a:extLst>
+              </p14:cNvPr>
+              <p14:cNvContentPartPr/>
+              <p14:nvPr/>
+            </p14:nvContentPartPr>
+            <p14:xfrm>
+              <a:off x="1708613" y="5620928"/>
+              <a:ext cx="360" cy="360"/>
+            </p14:xfrm>
+          </p:contentPart>
+        </mc:Choice>
+        <mc:Fallback xmlns="">
+          <p:pic>
+            <p:nvPicPr>
+              <p:cNvPr id="10" name="Entrada de lápiz 9">
+                <a:extLst>
+                  <a:ext uri="{FF2B5EF4-FFF2-40B4-BE49-F238E27FC236}">
+                    <a16:creationId xmlns:a16="http://schemas.microsoft.com/office/drawing/2014/main" id="{54A55241-065D-1FE0-CC23-1BA2AC9C1F5A}"/>
+                  </a:ext>
+                </a:extLst>
+              </p:cNvPr>
+              <p:cNvPicPr/>
+              <p:nvPr/>
+            </p:nvPicPr>
+            <p:blipFill>
+              <a:blip r:embed="rId3"/>
+              <a:stretch>
+                <a:fillRect/>
+              </a:stretch>
+            </p:blipFill>
+            <p:spPr>
+              <a:xfrm>
+                <a:off x="1702493" y="5614808"/>
+                <a:ext cx="12600" cy="12600"/>
+              </a:xfrm>
+              <a:prstGeom prst="rect">
+                <a:avLst/>
+              </a:prstGeom>
+            </p:spPr>
+          </p:pic>
+        </mc:Fallback>
+      </mc:AlternateContent>
+      <p:pic>
+        <p:nvPicPr>
+          <p:cNvPr id="9" name="Imagen 8">
+            <a:extLst>
+              <a:ext uri="{FF2B5EF4-FFF2-40B4-BE49-F238E27FC236}">
+                <a16:creationId xmlns:a16="http://schemas.microsoft.com/office/drawing/2014/main" id="{C0629D62-CDA9-C0D7-E69C-5D6906597A61}"/>
+              </a:ext>
+            </a:extLst>
+          </p:cNvPr>
+          <p:cNvPicPr>
+            <a:picLocks noChangeAspect="1"/>
+          </p:cNvPicPr>
+          <p:nvPr/>
+        </p:nvPicPr>
+        <p:blipFill>
+          <a:blip r:embed="rId4">
+            <a:extLst>
+              <a:ext uri="{28A0092B-C50C-407E-A947-70E740481C1C}">
+                <a14:useLocalDpi xmlns:a14="http://schemas.microsoft.com/office/drawing/2010/main" val="0"/>
+              </a:ext>
+            </a:extLst>
+          </a:blip>
+          <a:stretch>
+            <a:fillRect/>
+          </a:stretch>
+        </p:blipFill>
+        <p:spPr>
+          <a:xfrm>
+            <a:off x="0" y="5429250"/>
+            <a:ext cx="1428750" cy="1428750"/>
+          </a:xfrm>
+          <a:prstGeom prst="rect">
+            <a:avLst/>
+          </a:prstGeom>
+        </p:spPr>
+      </p:pic>
+      <p:pic>
+        <p:nvPicPr>
+          <p:cNvPr id="11" name="Marcador de contenido 10">
+            <a:extLst>
+              <a:ext uri="{FF2B5EF4-FFF2-40B4-BE49-F238E27FC236}">
+                <a16:creationId xmlns:a16="http://schemas.microsoft.com/office/drawing/2014/main" id="{B65F5A64-6B3B-9999-F8EB-29FF7556107A}"/>
+              </a:ext>
+            </a:extLst>
+          </p:cNvPr>
+          <p:cNvPicPr>
+            <a:picLocks noChangeAspect="1"/>
+          </p:cNvPicPr>
+          <p:nvPr/>
+        </p:nvPicPr>
+        <p:blipFill>
+          <a:blip r:embed="rId5">
+            <a:extLst>
+              <a:ext uri="{28A0092B-C50C-407E-A947-70E740481C1C}">
+                <a14:useLocalDpi xmlns:a14="http://schemas.microsoft.com/office/drawing/2010/main" val="0"/>
+              </a:ext>
+            </a:extLst>
+          </a:blip>
+          <a:srcRect t="21796" b="21796"/>
+          <a:stretch/>
+        </p:blipFill>
+        <p:spPr>
+          <a:xfrm>
+            <a:off x="10456906" y="5803328"/>
+            <a:ext cx="1793787" cy="1011836"/>
+          </a:xfrm>
+          <a:prstGeom prst="rect">
+            <a:avLst/>
+          </a:prstGeom>
+        </p:spPr>
+      </p:pic>
+      <p:sp>
+        <p:nvSpPr>
+          <p:cNvPr id="2" name="Título 3">
+            <a:extLst>
+              <a:ext uri="{FF2B5EF4-FFF2-40B4-BE49-F238E27FC236}">
+                <a16:creationId xmlns:a16="http://schemas.microsoft.com/office/drawing/2014/main" id="{AC02598F-8AB8-8281-4E4B-A243C9635DE1}"/>
+              </a:ext>
+            </a:extLst>
+          </p:cNvPr>
+          <p:cNvSpPr>
+            <a:spLocks noGrp="1"/>
+          </p:cNvSpPr>
+          <p:nvPr>
+            <p:ph type="title"/>
+          </p:nvPr>
+        </p:nvSpPr>
+        <p:spPr>
+          <a:xfrm>
+            <a:off x="255976" y="394392"/>
+            <a:ext cx="11680047" cy="2182843"/>
+          </a:xfrm>
+        </p:spPr>
+        <p:txBody>
+          <a:bodyPr>
+            <a:noAutofit/>
+          </a:bodyPr>
+          <a:lstStyle/>
+          <a:p>
+            <a:pPr algn="ctr"/>
+            <a:r>
+              <a:rPr lang="es-ES" sz="6000" dirty="0">
+                <a:solidFill>
+                  <a:schemeClr val="bg1"/>
+                </a:solidFill>
+                <a:latin typeface="Avengeance Heroic Avenger"/>
+              </a:rPr>
+              <a:t>Desafíos y Consideraciones al usar Contenedores.</a:t>
+            </a:r>
+            <a:endParaRPr lang="es-SV" sz="6000" dirty="0">
+              <a:solidFill>
+                <a:schemeClr val="bg1"/>
+              </a:solidFill>
+              <a:latin typeface="Avengeance Heroic Avenger"/>
+            </a:endParaRPr>
+          </a:p>
+        </p:txBody>
+      </p:sp>
+      <p:sp>
+        <p:nvSpPr>
+          <p:cNvPr id="3" name="CuadroTexto 2">
+            <a:extLst>
+              <a:ext uri="{FF2B5EF4-FFF2-40B4-BE49-F238E27FC236}">
+                <a16:creationId xmlns:a16="http://schemas.microsoft.com/office/drawing/2014/main" id="{9873CC30-BA9C-06D2-9F80-8CAADC3F588E}"/>
+              </a:ext>
+            </a:extLst>
+          </p:cNvPr>
+          <p:cNvSpPr txBox="1"/>
+          <p:nvPr/>
+        </p:nvSpPr>
+        <p:spPr>
+          <a:xfrm>
+            <a:off x="255976" y="2855349"/>
+            <a:ext cx="3382401" cy="477054"/>
+          </a:xfrm>
+          <a:prstGeom prst="rect">
+            <a:avLst/>
+          </a:prstGeom>
+          <a:noFill/>
+        </p:spPr>
+        <p:txBody>
+          <a:bodyPr wrap="none" rtlCol="0">
+            <a:spAutoFit/>
+          </a:bodyPr>
+          <a:lstStyle/>
+          <a:p>
+            <a:pPr marL="285750" indent="-285750">
+              <a:buFont typeface="Wingdings" panose="05000000000000000000" pitchFamily="2" charset="2"/>
+              <a:buChar char="§"/>
+            </a:pPr>
+            <a:r>
+              <a:rPr lang="es-ES" sz="2500" b="1" dirty="0">
+                <a:latin typeface="Avengeance Heroic Avenger"/>
+              </a:rPr>
+              <a:t>Persistencia de Datos.</a:t>
+            </a:r>
+            <a:endParaRPr lang="es-SV" sz="2500" b="1" dirty="0">
+              <a:latin typeface="Avengeance Heroic Avenger"/>
+            </a:endParaRPr>
+          </a:p>
+        </p:txBody>
+      </p:sp>
+      <p:sp>
+        <p:nvSpPr>
+          <p:cNvPr id="5" name="CuadroTexto 4">
+            <a:extLst>
+              <a:ext uri="{FF2B5EF4-FFF2-40B4-BE49-F238E27FC236}">
+                <a16:creationId xmlns:a16="http://schemas.microsoft.com/office/drawing/2014/main" id="{0D56AFD9-9B6F-1419-C959-0F13136C6DB8}"/>
+              </a:ext>
+            </a:extLst>
+          </p:cNvPr>
+          <p:cNvSpPr txBox="1"/>
+          <p:nvPr/>
+        </p:nvSpPr>
+        <p:spPr>
+          <a:xfrm>
+            <a:off x="255976" y="3333918"/>
+            <a:ext cx="2762295" cy="477054"/>
+          </a:xfrm>
+          <a:prstGeom prst="rect">
+            <a:avLst/>
+          </a:prstGeom>
+          <a:noFill/>
+        </p:spPr>
+        <p:txBody>
+          <a:bodyPr wrap="none" rtlCol="0">
+            <a:spAutoFit/>
+          </a:bodyPr>
+          <a:lstStyle/>
+          <a:p>
+            <a:pPr marL="285750" indent="-285750">
+              <a:buFont typeface="Wingdings" panose="05000000000000000000" pitchFamily="2" charset="2"/>
+              <a:buChar char="§"/>
+            </a:pPr>
+            <a:r>
+              <a:rPr lang="es-ES" sz="2500" b="1" dirty="0">
+                <a:latin typeface="Avengeance Heroic Avenger"/>
+              </a:rPr>
+              <a:t>Tiempo de Inicio.</a:t>
+            </a:r>
+            <a:endParaRPr lang="es-SV" sz="2500" b="1" dirty="0">
+              <a:latin typeface="Avengeance Heroic Avenger"/>
+            </a:endParaRPr>
+          </a:p>
+        </p:txBody>
+      </p:sp>
+      <p:sp>
+        <p:nvSpPr>
+          <p:cNvPr id="7" name="CuadroTexto 6">
+            <a:extLst>
+              <a:ext uri="{FF2B5EF4-FFF2-40B4-BE49-F238E27FC236}">
+                <a16:creationId xmlns:a16="http://schemas.microsoft.com/office/drawing/2014/main" id="{FE43878F-E037-2718-46E4-995ED665B45B}"/>
+              </a:ext>
+            </a:extLst>
+          </p:cNvPr>
+          <p:cNvSpPr txBox="1"/>
+          <p:nvPr/>
+        </p:nvSpPr>
+        <p:spPr>
+          <a:xfrm>
+            <a:off x="255976" y="3810972"/>
+            <a:ext cx="2815322" cy="477054"/>
+          </a:xfrm>
+          <a:prstGeom prst="rect">
+            <a:avLst/>
+          </a:prstGeom>
+          <a:noFill/>
+        </p:spPr>
+        <p:txBody>
+          <a:bodyPr wrap="none" rtlCol="0">
+            <a:spAutoFit/>
+          </a:bodyPr>
+          <a:lstStyle/>
+          <a:p>
+            <a:pPr marL="285750" indent="-285750">
+              <a:buFont typeface="Wingdings" panose="05000000000000000000" pitchFamily="2" charset="2"/>
+              <a:buChar char="§"/>
+            </a:pPr>
+            <a:r>
+              <a:rPr lang="es-ES" sz="2500" b="1" dirty="0">
+                <a:latin typeface="Avengeance Heroic Avenger"/>
+              </a:rPr>
+              <a:t>Redes Complejas.</a:t>
+            </a:r>
+            <a:endParaRPr lang="es-SV" sz="2500" b="1" dirty="0">
+              <a:latin typeface="Avengeance Heroic Avenger"/>
+            </a:endParaRPr>
+          </a:p>
+        </p:txBody>
+      </p:sp>
+      <p:sp>
+        <p:nvSpPr>
+          <p:cNvPr id="8" name="CuadroTexto 7">
+            <a:extLst>
+              <a:ext uri="{FF2B5EF4-FFF2-40B4-BE49-F238E27FC236}">
+                <a16:creationId xmlns:a16="http://schemas.microsoft.com/office/drawing/2014/main" id="{BD933B0F-6989-BDE3-FAED-87D025E56C1F}"/>
+              </a:ext>
+            </a:extLst>
+          </p:cNvPr>
+          <p:cNvSpPr txBox="1"/>
+          <p:nvPr/>
+        </p:nvSpPr>
+        <p:spPr>
+          <a:xfrm>
+            <a:off x="255976" y="4279689"/>
+            <a:ext cx="4823949" cy="477054"/>
+          </a:xfrm>
+          <a:prstGeom prst="rect">
+            <a:avLst/>
+          </a:prstGeom>
+          <a:noFill/>
+        </p:spPr>
+        <p:txBody>
+          <a:bodyPr wrap="none" rtlCol="0">
+            <a:spAutoFit/>
+          </a:bodyPr>
+          <a:lstStyle/>
+          <a:p>
+            <a:pPr marL="285750" indent="-285750">
+              <a:buFont typeface="Wingdings" panose="05000000000000000000" pitchFamily="2" charset="2"/>
+              <a:buChar char="§"/>
+            </a:pPr>
+            <a:r>
+              <a:rPr lang="es-ES" sz="2500" b="1" dirty="0"/>
+              <a:t>Orquestación y Escalabilidad.</a:t>
+            </a:r>
+            <a:endParaRPr lang="es-SV" sz="2500" b="1" dirty="0"/>
+          </a:p>
+        </p:txBody>
+      </p:sp>
+    </p:spTree>
+    <p:extLst>
+      <p:ext uri="{BB962C8B-B14F-4D97-AF65-F5344CB8AC3E}">
+        <p14:creationId xmlns:p14="http://schemas.microsoft.com/office/powerpoint/2010/main" val="1865749463"/>
+      </p:ext>
+    </p:extLst>
+  </p:cSld>
+  <p:clrMapOvr>
+    <a:masterClrMapping/>
+  </p:clrMapOvr>
+</p:sld>
+</file>
+
+<file path=ppt/slides/slide12.xml><?xml version="1.0" encoding="utf-8"?>
+<p:sld xmlns:a="http://schemas.openxmlformats.org/drawingml/2006/main" xmlns:r="http://schemas.openxmlformats.org/officeDocument/2006/relationships" xmlns:p="http://schemas.openxmlformats.org/presentationml/2006/main">
+  <p:cSld>
+    <p:bg>
+      <p:bgPr>
+        <a:blipFill dpi="0" rotWithShape="1">
+          <a:blip r:embed="rId2">
+            <a:lum/>
+          </a:blip>
+          <a:srcRect/>
+          <a:stretch>
+            <a:fillRect/>
+          </a:stretch>
+        </a:blipFill>
+        <a:effectLst/>
+      </p:bgPr>
+    </p:bg>
+    <p:spTree>
+      <p:nvGrpSpPr>
+        <p:cNvPr id="1" name=""/>
+        <p:cNvGrpSpPr/>
+        <p:nvPr/>
+      </p:nvGrpSpPr>
+      <p:grpSpPr>
+        <a:xfrm>
+          <a:off x="0" y="0"/>
+          <a:ext cx="0" cy="0"/>
+          <a:chOff x="0" y="0"/>
+          <a:chExt cx="0" cy="0"/>
+        </a:xfrm>
+      </p:grpSpPr>
+      <p:pic>
+        <p:nvPicPr>
+          <p:cNvPr id="4" name="Imagen 3">
+            <a:extLst>
+              <a:ext uri="{FF2B5EF4-FFF2-40B4-BE49-F238E27FC236}">
+                <a16:creationId xmlns:a16="http://schemas.microsoft.com/office/drawing/2014/main" id="{34DF8743-DE11-7979-CD69-49A30223ACE4}"/>
+              </a:ext>
+            </a:extLst>
+          </p:cNvPr>
+          <p:cNvPicPr>
+            <a:picLocks noChangeAspect="1"/>
+          </p:cNvPicPr>
+          <p:nvPr/>
+        </p:nvPicPr>
+        <p:blipFill>
+          <a:blip r:embed="rId3"/>
+          <a:stretch>
+            <a:fillRect/>
+          </a:stretch>
+        </p:blipFill>
+        <p:spPr>
+          <a:xfrm>
+            <a:off x="5445136" y="2790257"/>
+            <a:ext cx="1301728" cy="424476"/>
+          </a:xfrm>
+          <a:prstGeom prst="rect">
+            <a:avLst/>
+          </a:prstGeom>
+        </p:spPr>
+      </p:pic>
+      <p:pic>
+        <p:nvPicPr>
+          <p:cNvPr id="5" name="Imagen 4">
+            <a:extLst>
+              <a:ext uri="{FF2B5EF4-FFF2-40B4-BE49-F238E27FC236}">
+                <a16:creationId xmlns:a16="http://schemas.microsoft.com/office/drawing/2014/main" id="{B878BBC4-9441-31C5-F468-CD144799372C}"/>
+              </a:ext>
+            </a:extLst>
+          </p:cNvPr>
+          <p:cNvPicPr>
+            <a:picLocks noChangeAspect="1"/>
+          </p:cNvPicPr>
+          <p:nvPr/>
+        </p:nvPicPr>
+        <p:blipFill>
+          <a:blip r:embed="rId4"/>
+          <a:stretch>
+            <a:fillRect/>
+          </a:stretch>
+        </p:blipFill>
+        <p:spPr>
+          <a:xfrm>
+            <a:off x="3026833" y="3408895"/>
+            <a:ext cx="5626100" cy="424476"/>
+          </a:xfrm>
+          <a:prstGeom prst="rect">
+            <a:avLst/>
+          </a:prstGeom>
+        </p:spPr>
+      </p:pic>
+      <p:pic>
+        <p:nvPicPr>
+          <p:cNvPr id="6" name="Imagen 5">
+            <a:extLst>
+              <a:ext uri="{FF2B5EF4-FFF2-40B4-BE49-F238E27FC236}">
+                <a16:creationId xmlns:a16="http://schemas.microsoft.com/office/drawing/2014/main" id="{03E1169A-46F7-6DAA-B8E6-F955DD103964}"/>
+              </a:ext>
+            </a:extLst>
+          </p:cNvPr>
+          <p:cNvPicPr>
+            <a:picLocks noChangeAspect="1"/>
+          </p:cNvPicPr>
+          <p:nvPr/>
+        </p:nvPicPr>
+        <p:blipFill>
+          <a:blip r:embed="rId5"/>
+          <a:stretch>
+            <a:fillRect/>
+          </a:stretch>
+        </p:blipFill>
+        <p:spPr>
+          <a:xfrm>
+            <a:off x="4497916" y="3903737"/>
+            <a:ext cx="5014567" cy="589949"/>
+          </a:xfrm>
+          <a:prstGeom prst="rect">
+            <a:avLst/>
+          </a:prstGeom>
+        </p:spPr>
+      </p:pic>
+      <p:pic>
+        <p:nvPicPr>
+          <p:cNvPr id="7" name="Imagen 6" descr="Diagrama&#10;&#10;Descripción generada automáticamente">
+            <a:extLst>
+              <a:ext uri="{FF2B5EF4-FFF2-40B4-BE49-F238E27FC236}">
+                <a16:creationId xmlns:a16="http://schemas.microsoft.com/office/drawing/2014/main" id="{6B6CF54D-A2C2-7EC3-B7AD-522FFDBF44EE}"/>
+              </a:ext>
+            </a:extLst>
+          </p:cNvPr>
+          <p:cNvPicPr>
+            <a:picLocks noChangeAspect="1"/>
+          </p:cNvPicPr>
+          <p:nvPr/>
+        </p:nvPicPr>
+        <p:blipFill>
+          <a:blip r:embed="rId6">
+            <a:extLst>
+              <a:ext uri="{28A0092B-C50C-407E-A947-70E740481C1C}">
+                <a14:useLocalDpi xmlns:a14="http://schemas.microsoft.com/office/drawing/2010/main" val="0"/>
+              </a:ext>
+            </a:extLst>
+          </a:blip>
+          <a:stretch>
+            <a:fillRect/>
+          </a:stretch>
+        </p:blipFill>
+        <p:spPr>
+          <a:xfrm>
+            <a:off x="10313383" y="618980"/>
+            <a:ext cx="1224000" cy="1226729"/>
+          </a:xfrm>
+          <a:prstGeom prst="rect">
+            <a:avLst/>
+          </a:prstGeom>
+        </p:spPr>
+      </p:pic>
+    </p:spTree>
+    <p:extLst>
+      <p:ext uri="{BB962C8B-B14F-4D97-AF65-F5344CB8AC3E}">
+        <p14:creationId xmlns:p14="http://schemas.microsoft.com/office/powerpoint/2010/main" val="1425037669"/>
+      </p:ext>
+    </p:extLst>
+  </p:cSld>
+  <p:clrMapOvr>
+    <a:masterClrMapping/>
+  </p:clrMapOvr>
+  <p:timing>
+    <p:tnLst>
+      <p:par>
+        <p:cTn id="1" dur="indefinite" restart="never" nodeType="tmRoot">
+          <p:childTnLst>
+            <p:seq concurrent="1" nextAc="seek">
+              <p:cTn id="2" dur="indefinite" nodeType="mainSeq">
+                <p:childTnLst>
+                  <p:par>
+                    <p:cTn id="3" fill="hold">
+                      <p:stCondLst>
+                        <p:cond delay="indefinite"/>
+                        <p:cond evt="onBegin" delay="0">
+                          <p:tn val="2"/>
+                        </p:cond>
+                      </p:stCondLst>
+                      <p:childTnLst>
+                        <p:par>
+                          <p:cTn id="4" fill="hold">
+                            <p:stCondLst>
+                              <p:cond delay="0"/>
+                            </p:stCondLst>
+                            <p:childTnLst>
+                              <p:par>
+                                <p:cTn id="5" presetID="10" presetClass="entr" presetSubtype="0" fill="hold" nodeType="afterEffect">
+                                  <p:stCondLst>
+                                    <p:cond delay="0"/>
+                                  </p:stCondLst>
+                                  <p:childTnLst>
+                                    <p:set>
+                                      <p:cBhvr>
+                                        <p:cTn id="6" dur="1" fill="hold">
+                                          <p:stCondLst>
+                                            <p:cond delay="0"/>
+                                          </p:stCondLst>
+                                        </p:cTn>
+                                        <p:tgtEl>
+                                          <p:spTgt spid="4"/>
+                                        </p:tgtEl>
+                                        <p:attrNameLst>
+                                          <p:attrName>style.visibility</p:attrName>
+                                        </p:attrNameLst>
+                                      </p:cBhvr>
+                                      <p:to>
+                                        <p:strVal val="visible"/>
+                                      </p:to>
+                                    </p:set>
+                                    <p:animEffect transition="in" filter="fade">
+                                      <p:cBhvr>
+                                        <p:cTn id="7" dur="500"/>
+                                        <p:tgtEl>
+                                          <p:spTgt spid="4"/>
+                                        </p:tgtEl>
+                                      </p:cBhvr>
+                                    </p:animEffect>
+                                  </p:childTnLst>
+                                </p:cTn>
+                              </p:par>
+                            </p:childTnLst>
+                          </p:cTn>
+                        </p:par>
+                        <p:par>
+                          <p:cTn id="8" fill="hold">
+                            <p:stCondLst>
+                              <p:cond delay="500"/>
+                            </p:stCondLst>
+                            <p:childTnLst>
+                              <p:par>
+                                <p:cTn id="9" presetID="42" presetClass="entr" presetSubtype="0" fill="hold" nodeType="afterEffect">
+                                  <p:stCondLst>
+                                    <p:cond delay="0"/>
+                                  </p:stCondLst>
+                                  <p:childTnLst>
+                                    <p:set>
+                                      <p:cBhvr>
+                                        <p:cTn id="10" dur="1" fill="hold">
+                                          <p:stCondLst>
+                                            <p:cond delay="0"/>
+                                          </p:stCondLst>
+                                        </p:cTn>
+                                        <p:tgtEl>
+                                          <p:spTgt spid="5"/>
+                                        </p:tgtEl>
+                                        <p:attrNameLst>
+                                          <p:attrName>style.visibility</p:attrName>
+                                        </p:attrNameLst>
+                                      </p:cBhvr>
+                                      <p:to>
+                                        <p:strVal val="visible"/>
+                                      </p:to>
+                                    </p:set>
+                                    <p:animEffect transition="in" filter="fade">
+                                      <p:cBhvr>
+                                        <p:cTn id="11" dur="500"/>
+                                        <p:tgtEl>
+                                          <p:spTgt spid="5"/>
+                                        </p:tgtEl>
+                                      </p:cBhvr>
+                                    </p:animEffect>
+                                    <p:anim calcmode="lin" valueType="num">
+                                      <p:cBhvr>
+                                        <p:cTn id="12" dur="500" fill="hold"/>
+                                        <p:tgtEl>
+                                          <p:spTgt spid="5"/>
+                                        </p:tgtEl>
+                                        <p:attrNameLst>
+                                          <p:attrName>ppt_x</p:attrName>
+                                        </p:attrNameLst>
+                                      </p:cBhvr>
+                                      <p:tavLst>
+                                        <p:tav tm="0">
+                                          <p:val>
+                                            <p:strVal val="#ppt_x"/>
+                                          </p:val>
+                                        </p:tav>
+                                        <p:tav tm="100000">
+                                          <p:val>
+                                            <p:strVal val="#ppt_x"/>
+                                          </p:val>
+                                        </p:tav>
+                                      </p:tavLst>
+                                    </p:anim>
+                                    <p:anim calcmode="lin" valueType="num">
+                                      <p:cBhvr>
+                                        <p:cTn id="13" dur="500" fill="hold"/>
+                                        <p:tgtEl>
+                                          <p:spTgt spid="5"/>
+                                        </p:tgtEl>
+                                        <p:attrNameLst>
+                                          <p:attrName>ppt_y</p:attrName>
+                                        </p:attrNameLst>
+                                      </p:cBhvr>
+                                      <p:tavLst>
+                                        <p:tav tm="0">
+                                          <p:val>
+                                            <p:strVal val="#ppt_y+.1"/>
+                                          </p:val>
+                                        </p:tav>
+                                        <p:tav tm="100000">
+                                          <p:val>
+                                            <p:strVal val="#ppt_y"/>
+                                          </p:val>
+                                        </p:tav>
+                                      </p:tavLst>
+                                    </p:anim>
+                                  </p:childTnLst>
+                                </p:cTn>
+                              </p:par>
+                            </p:childTnLst>
+                          </p:cTn>
+                        </p:par>
+                        <p:par>
+                          <p:cTn id="14" fill="hold">
+                            <p:stCondLst>
+                              <p:cond delay="1000"/>
+                            </p:stCondLst>
+                            <p:childTnLst>
+                              <p:par>
+                                <p:cTn id="15" presetID="10" presetClass="entr" presetSubtype="0" fill="hold" nodeType="afterEffect">
+                                  <p:stCondLst>
+                                    <p:cond delay="300"/>
+                                  </p:stCondLst>
+                                  <p:childTnLst>
+                                    <p:set>
+                                      <p:cBhvr>
+                                        <p:cTn id="16" dur="1" fill="hold">
+                                          <p:stCondLst>
+                                            <p:cond delay="0"/>
+                                          </p:stCondLst>
+                                        </p:cTn>
+                                        <p:tgtEl>
+                                          <p:spTgt spid="6"/>
+                                        </p:tgtEl>
+                                        <p:attrNameLst>
+                                          <p:attrName>style.visibility</p:attrName>
+                                        </p:attrNameLst>
+                                      </p:cBhvr>
+                                      <p:to>
+                                        <p:strVal val="visible"/>
+                                      </p:to>
+                                    </p:set>
+                                    <p:animEffect transition="in" filter="fade">
+                                      <p:cBhvr>
+                                        <p:cTn id="17" dur="500"/>
+                                        <p:tgtEl>
+                                          <p:spTgt spid="6"/>
+                                        </p:tgtEl>
+                                      </p:cBhvr>
+                                    </p:animEffect>
+                                  </p:childTnLst>
+                                </p:cTn>
+                              </p:par>
+                            </p:childTnLst>
+                          </p:cTn>
+                        </p:par>
+                      </p:childTnLst>
+                    </p:cTn>
+                  </p:par>
+                </p:childTnLst>
+              </p:cTn>
+              <p:prevCondLst>
+                <p:cond evt="onPrev" delay="0">
+                  <p:tgtEl>
+                    <p:sldTgt/>
+                  </p:tgtEl>
+                </p:cond>
+              </p:prevCondLst>
+              <p:nextCondLst>
+                <p:cond evt="onNext" delay="0">
+                  <p:tgtEl>
+                    <p:sldTgt/>
+                  </p:tgtEl>
+                </p:cond>
+              </p:nextCondLst>
+            </p:seq>
+          </p:childTnLst>
+        </p:cTn>
+      </p:par>
+    </p:tnLst>
+  </p:timing>
+</p:sld>
+</file>
+
+<file path=ppt/slides/slide13.xml><?xml version="1.0" encoding="utf-8"?>
 <p:sld xmlns:a="http://schemas.openxmlformats.org/drawingml/2006/main" xmlns:r="http://schemas.openxmlformats.org/officeDocument/2006/relationships" xmlns:p="http://schemas.openxmlformats.org/presentationml/2006/main">
   <p:cSld>
     <p:bg>
@@ -6628,7 +7715,7 @@
           <p:cNvPr id="2" name="Título 1">
             <a:extLst>
               <a:ext uri="{FF2B5EF4-FFF2-40B4-BE49-F238E27FC236}">
-                <a16:creationId xmlns:a16="http://schemas.microsoft.com/office/drawing/2014/main" id="{B9AA0002-8C80-F609-4BC6-BB6D1F617B27}"/>
+                <a16:creationId xmlns:a16="http://schemas.microsoft.com/office/drawing/2014/main" id="{53DCCBE3-C577-5D98-CE92-7C262A7B2A65}"/>
               </a:ext>
             </a:extLst>
           </p:cNvPr>
@@ -6641,22 +7728,29 @@
         </p:nvSpPr>
         <p:spPr>
           <a:xfrm>
-            <a:off x="838200" y="365125"/>
-            <a:ext cx="10515600" cy="991727"/>
+            <a:off x="838200" y="365126"/>
+            <a:ext cx="10515600" cy="741004"/>
           </a:xfrm>
         </p:spPr>
         <p:txBody>
           <a:bodyPr/>
           <a:lstStyle/>
           <a:p>
-            <a:pPr algn="ctr"/>
+            <a:r>
+              <a:rPr lang="es-MX" dirty="0" err="1">
+                <a:solidFill>
+                  <a:schemeClr val="bg1"/>
+                </a:solidFill>
+              </a:rPr>
+              <a:t>Dockerfile</a:t>
+            </a:r>
             <a:r>
               <a:rPr lang="es-MX" dirty="0">
                 <a:solidFill>
                   <a:schemeClr val="bg1"/>
                 </a:solidFill>
               </a:rPr>
-              <a:t>Dockers vs </a:t>
+              <a:t> y </a:t>
             </a:r>
             <a:r>
               <a:rPr lang="es-MX" dirty="0" err="1">
@@ -6664,31 +7758,7 @@
                   <a:schemeClr val="bg1"/>
                 </a:solidFill>
               </a:rPr>
-              <a:t>Podman</a:t>
-            </a:r>
-            <a:r>
-              <a:rPr lang="es-MX" dirty="0">
-                <a:solidFill>
-                  <a:schemeClr val="bg1"/>
-                </a:solidFill>
-              </a:rPr>
-              <a:t> vs </a:t>
-            </a:r>
-            <a:r>
-              <a:rPr lang="es-MX" dirty="0" err="1">
-                <a:solidFill>
-                  <a:schemeClr val="bg1"/>
-                </a:solidFill>
-              </a:rPr>
-              <a:t>Kubernetes</a:t>
-            </a:r>
-            <a:r>
-              <a:rPr lang="es-MX" dirty="0">
-                <a:solidFill>
-                  <a:schemeClr val="bg1"/>
-                </a:solidFill>
-              </a:rPr>
-              <a:t> </a:t>
+              <a:t>dockercomposer</a:t>
             </a:r>
             <a:endParaRPr lang="es-SV" dirty="0">
               <a:solidFill>
@@ -6700,10 +7770,10 @@
       </p:sp>
       <p:pic>
         <p:nvPicPr>
-          <p:cNvPr id="3" name="Imagen 2">
-            <a:extLst>
-              <a:ext uri="{FF2B5EF4-FFF2-40B4-BE49-F238E27FC236}">
-                <a16:creationId xmlns:a16="http://schemas.microsoft.com/office/drawing/2014/main" id="{86B23537-590D-9979-5333-42A8391DF587}"/>
+          <p:cNvPr id="4" name="Imagen 3">
+            <a:extLst>
+              <a:ext uri="{FF2B5EF4-FFF2-40B4-BE49-F238E27FC236}">
+                <a16:creationId xmlns:a16="http://schemas.microsoft.com/office/drawing/2014/main" id="{186DCF0A-F569-AE34-32CE-2D0C72E1499E}"/>
               </a:ext>
             </a:extLst>
           </p:cNvPr>
@@ -6713,57 +7783,15 @@
           <p:nvPr/>
         </p:nvPicPr>
         <p:blipFill>
-          <a:blip r:embed="rId6">
-            <a:extLst>
-              <a:ext uri="{28A0092B-C50C-407E-A947-70E740481C1C}">
-                <a14:useLocalDpi xmlns:a14="http://schemas.microsoft.com/office/drawing/2010/main" val="0"/>
-              </a:ext>
-            </a:extLst>
-          </a:blip>
+          <a:blip r:embed="rId6"/>
           <a:stretch>
             <a:fillRect/>
           </a:stretch>
         </p:blipFill>
         <p:spPr>
           <a:xfrm>
-            <a:off x="690717" y="1705400"/>
-            <a:ext cx="2851074" cy="2851074"/>
-          </a:xfrm>
-          <a:prstGeom prst="rect">
-            <a:avLst/>
-          </a:prstGeom>
-        </p:spPr>
-      </p:pic>
-      <p:pic>
-        <p:nvPicPr>
-          <p:cNvPr id="5" name="Imagen 4">
-            <a:extLst>
-              <a:ext uri="{FF2B5EF4-FFF2-40B4-BE49-F238E27FC236}">
-                <a16:creationId xmlns:a16="http://schemas.microsoft.com/office/drawing/2014/main" id="{5BE230CA-0EAD-6EA8-150D-AEAD70E156FA}"/>
-              </a:ext>
-            </a:extLst>
-          </p:cNvPr>
-          <p:cNvPicPr>
-            <a:picLocks noChangeAspect="1"/>
-          </p:cNvPicPr>
-          <p:nvPr/>
-        </p:nvPicPr>
-        <p:blipFill>
-          <a:blip r:embed="rId7">
-            <a:extLst>
-              <a:ext uri="{28A0092B-C50C-407E-A947-70E740481C1C}">
-                <a14:useLocalDpi xmlns:a14="http://schemas.microsoft.com/office/drawing/2010/main" val="0"/>
-              </a:ext>
-            </a:extLst>
-          </a:blip>
-          <a:stretch>
-            <a:fillRect/>
-          </a:stretch>
-        </p:blipFill>
-        <p:spPr>
-          <a:xfrm>
-            <a:off x="7809213" y="939543"/>
-            <a:ext cx="4382787" cy="4382787"/>
+            <a:off x="207389" y="1336184"/>
+            <a:ext cx="6042591" cy="3897293"/>
           </a:xfrm>
           <a:prstGeom prst="rect">
             <a:avLst/>
@@ -6775,7 +7803,7 @@
           <p:cNvPr id="6" name="Imagen 5">
             <a:extLst>
               <a:ext uri="{FF2B5EF4-FFF2-40B4-BE49-F238E27FC236}">
-                <a16:creationId xmlns:a16="http://schemas.microsoft.com/office/drawing/2014/main" id="{2083A3B7-B410-84FE-4FBE-42A372BD5A47}"/>
+                <a16:creationId xmlns:a16="http://schemas.microsoft.com/office/drawing/2014/main" id="{B507CEC0-F989-3244-4732-8069997CEFA0}"/>
               </a:ext>
             </a:extLst>
           </p:cNvPr>
@@ -6785,198 +7813,30 @@
           <p:nvPr/>
         </p:nvPicPr>
         <p:blipFill>
-          <a:blip r:embed="rId8">
+          <a:blip r:embed="rId7">
             <a:extLst>
               <a:ext uri="{28A0092B-C50C-407E-A947-70E740481C1C}">
                 <a14:useLocalDpi xmlns:a14="http://schemas.microsoft.com/office/drawing/2010/main" val="0"/>
               </a:ext>
             </a:extLst>
           </a:blip>
-          <a:stretch>
-            <a:fillRect/>
-          </a:stretch>
+          <a:srcRect l="29631" t="31682" r="29936" b="5621"/>
+          <a:stretch/>
         </p:blipFill>
         <p:spPr>
           <a:xfrm>
-            <a:off x="4513340" y="2370036"/>
-            <a:ext cx="2851074" cy="2186438"/>
+            <a:off x="6610299" y="1225101"/>
+            <a:ext cx="5581701" cy="4562093"/>
           </a:xfrm>
           <a:prstGeom prst="rect">
             <a:avLst/>
           </a:prstGeom>
         </p:spPr>
       </p:pic>
-      <p:sp>
-        <p:nvSpPr>
-          <p:cNvPr id="7" name="CuadroTexto 6">
-            <a:extLst>
-              <a:ext uri="{FF2B5EF4-FFF2-40B4-BE49-F238E27FC236}">
-                <a16:creationId xmlns:a16="http://schemas.microsoft.com/office/drawing/2014/main" id="{F2FBC498-5915-73CC-FE13-03095CBF8FFD}"/>
-              </a:ext>
-            </a:extLst>
-          </p:cNvPr>
-          <p:cNvSpPr txBox="1"/>
-          <p:nvPr/>
-        </p:nvSpPr>
-        <p:spPr>
-          <a:xfrm>
-            <a:off x="838200" y="4881716"/>
-            <a:ext cx="3406958" cy="923330"/>
-          </a:xfrm>
-          <a:prstGeom prst="rect">
-            <a:avLst/>
-          </a:prstGeom>
-          <a:noFill/>
-        </p:spPr>
-        <p:txBody>
-          <a:bodyPr wrap="none" rtlCol="0">
-            <a:spAutoFit/>
-          </a:bodyPr>
-          <a:lstStyle/>
-          <a:p>
-            <a:r>
-              <a:rPr lang="es-MX" dirty="0"/>
-              <a:t>Plataforma para crear, fácilmente, </a:t>
-            </a:r>
-          </a:p>
-          <a:p>
-            <a:r>
-              <a:rPr lang="es-MX" dirty="0"/>
-              <a:t>aplicaciones en contenedores</a:t>
-            </a:r>
-          </a:p>
-          <a:p>
-            <a:r>
-              <a:rPr lang="es-SV" dirty="0"/>
-              <a:t>ejecutables en cualquier entorno</a:t>
-            </a:r>
-          </a:p>
-        </p:txBody>
-      </p:sp>
-      <p:sp>
-        <p:nvSpPr>
-          <p:cNvPr id="8" name="CuadroTexto 7">
-            <a:extLst>
-              <a:ext uri="{FF2B5EF4-FFF2-40B4-BE49-F238E27FC236}">
-                <a16:creationId xmlns:a16="http://schemas.microsoft.com/office/drawing/2014/main" id="{058F5E01-691C-C9BF-BD19-C5FE517664E0}"/>
-              </a:ext>
-            </a:extLst>
-          </p:cNvPr>
-          <p:cNvSpPr txBox="1"/>
-          <p:nvPr/>
-        </p:nvSpPr>
-        <p:spPr>
-          <a:xfrm>
-            <a:off x="4382788" y="4893830"/>
-            <a:ext cx="3499804" cy="646331"/>
-          </a:xfrm>
-          <a:prstGeom prst="rect">
-            <a:avLst/>
-          </a:prstGeom>
-          <a:noFill/>
-        </p:spPr>
-        <p:txBody>
-          <a:bodyPr wrap="none" rtlCol="0">
-            <a:spAutoFit/>
-          </a:bodyPr>
-          <a:lstStyle/>
-          <a:p>
-            <a:r>
-              <a:rPr lang="es-MX" dirty="0"/>
-              <a:t>Plataforma de contenedores donde</a:t>
-            </a:r>
-          </a:p>
-          <a:p>
-            <a:r>
-              <a:rPr lang="es-MX" dirty="0"/>
-              <a:t>la seguridad es lo más crítico</a:t>
-            </a:r>
-            <a:endParaRPr lang="es-SV" dirty="0"/>
-          </a:p>
-        </p:txBody>
-      </p:sp>
-      <p:sp>
-        <p:nvSpPr>
-          <p:cNvPr id="12" name="CuadroTexto 11">
-            <a:extLst>
-              <a:ext uri="{FF2B5EF4-FFF2-40B4-BE49-F238E27FC236}">
-                <a16:creationId xmlns:a16="http://schemas.microsoft.com/office/drawing/2014/main" id="{A6FAB0F7-0C2D-FBD4-A2F5-71F7A5AE75B3}"/>
-              </a:ext>
-            </a:extLst>
-          </p:cNvPr>
-          <p:cNvSpPr txBox="1"/>
-          <p:nvPr/>
-        </p:nvSpPr>
-        <p:spPr>
-          <a:xfrm>
-            <a:off x="8167514" y="4999164"/>
-            <a:ext cx="3982500" cy="646331"/>
-          </a:xfrm>
-          <a:prstGeom prst="rect">
-            <a:avLst/>
-          </a:prstGeom>
-          <a:noFill/>
-        </p:spPr>
-        <p:txBody>
-          <a:bodyPr wrap="none" rtlCol="0">
-            <a:spAutoFit/>
-          </a:bodyPr>
-          <a:lstStyle/>
-          <a:p>
-            <a:r>
-              <a:rPr lang="es-MX" dirty="0"/>
-              <a:t>Plataforma de creación de contenedores</a:t>
-            </a:r>
-          </a:p>
-          <a:p>
-            <a:r>
-              <a:rPr lang="es-MX" dirty="0"/>
-              <a:t>que tiene una mayor escalabilidad</a:t>
-            </a:r>
-            <a:endParaRPr lang="es-SV" dirty="0"/>
-          </a:p>
-        </p:txBody>
-      </p:sp>
-      <p:sp>
-        <p:nvSpPr>
-          <p:cNvPr id="13" name="CuadroTexto 12">
-            <a:extLst>
-              <a:ext uri="{FF2B5EF4-FFF2-40B4-BE49-F238E27FC236}">
-                <a16:creationId xmlns:a16="http://schemas.microsoft.com/office/drawing/2014/main" id="{1CAB41AC-102A-72E3-30D7-6B1D81A9B981}"/>
-              </a:ext>
-            </a:extLst>
-          </p:cNvPr>
-          <p:cNvSpPr txBox="1"/>
-          <p:nvPr/>
-        </p:nvSpPr>
-        <p:spPr>
-          <a:xfrm>
-            <a:off x="4117816" y="6335514"/>
-            <a:ext cx="4049698" cy="369332"/>
-          </a:xfrm>
-          <a:prstGeom prst="rect">
-            <a:avLst/>
-          </a:prstGeom>
-          <a:noFill/>
-        </p:spPr>
-        <p:txBody>
-          <a:bodyPr wrap="none" rtlCol="0">
-            <a:spAutoFit/>
-          </a:bodyPr>
-          <a:lstStyle/>
-          <a:p>
-            <a:r>
-              <a:rPr lang="es-MX" dirty="0"/>
-              <a:t>Se encuentran basados en código abierto</a:t>
-            </a:r>
-            <a:endParaRPr lang="es-SV" dirty="0"/>
-          </a:p>
-        </p:txBody>
-      </p:sp>
     </p:spTree>
     <p:extLst>
       <p:ext uri="{BB962C8B-B14F-4D97-AF65-F5344CB8AC3E}">
-        <p14:creationId xmlns:p14="http://schemas.microsoft.com/office/powerpoint/2010/main" val="2185984485"/>
+        <p14:creationId xmlns:p14="http://schemas.microsoft.com/office/powerpoint/2010/main" val="677753280"/>
       </p:ext>
     </p:extLst>
   </p:cSld>
@@ -7029,8 +7889,8 @@
           <a:chExt cx="0" cy="0"/>
         </a:xfrm>
       </p:grpSpPr>
-      <mc:AlternateContent xmlns:mc="http://schemas.openxmlformats.org/markup-compatibility/2006" xmlns:p14="http://schemas.microsoft.com/office/powerpoint/2010/main">
-        <mc:Choice Requires="p14">
+      <mc:AlternateContent xmlns:mc="http://schemas.openxmlformats.org/markup-compatibility/2006">
+        <mc:Choice xmlns:p14="http://schemas.microsoft.com/office/powerpoint/2010/main" Requires="p14">
           <p:contentPart p14:bwMode="auto" r:id="rId2">
             <p14:nvContentPartPr>
               <p14:cNvPr id="10" name="Entrada de lápiz 9">
@@ -7049,7 +7909,7 @@
             </p14:xfrm>
           </p:contentPart>
         </mc:Choice>
-        <mc:Fallback xmlns="">
+        <mc:Fallback>
           <p:pic>
             <p:nvPicPr>
               <p:cNvPr id="10" name="Entrada de lápiz 9">
@@ -7153,10 +8013,10 @@
       </p:pic>
       <p:sp>
         <p:nvSpPr>
-          <p:cNvPr id="4" name="Título 3">
-            <a:extLst>
-              <a:ext uri="{FF2B5EF4-FFF2-40B4-BE49-F238E27FC236}">
-                <a16:creationId xmlns:a16="http://schemas.microsoft.com/office/drawing/2014/main" id="{AC02598F-8AB8-8281-4E4B-A243C9635DE1}"/>
+          <p:cNvPr id="2" name="Título 1">
+            <a:extLst>
+              <a:ext uri="{FF2B5EF4-FFF2-40B4-BE49-F238E27FC236}">
+                <a16:creationId xmlns:a16="http://schemas.microsoft.com/office/drawing/2014/main" id="{53DCCBE3-C577-5D98-CE92-7C262A7B2A65}"/>
               </a:ext>
             </a:extLst>
           </p:cNvPr>
@@ -7167,19 +8027,117 @@
             <p:ph type="title"/>
           </p:nvPr>
         </p:nvSpPr>
-        <p:spPr/>
+        <p:spPr>
+          <a:xfrm>
+            <a:off x="838200" y="365126"/>
+            <a:ext cx="10515600" cy="741004"/>
+          </a:xfrm>
+        </p:spPr>
         <p:txBody>
           <a:bodyPr/>
           <a:lstStyle/>
           <a:p>
-            <a:endParaRPr lang="es-SV"/>
+            <a:r>
+              <a:rPr lang="es-MX" dirty="0" err="1">
+                <a:solidFill>
+                  <a:schemeClr val="bg1"/>
+                </a:solidFill>
+              </a:rPr>
+              <a:t>Dockerfile</a:t>
+            </a:r>
+            <a:r>
+              <a:rPr lang="es-MX" dirty="0">
+                <a:solidFill>
+                  <a:schemeClr val="bg1"/>
+                </a:solidFill>
+              </a:rPr>
+              <a:t> y </a:t>
+            </a:r>
+            <a:r>
+              <a:rPr lang="es-MX" dirty="0" err="1">
+                <a:solidFill>
+                  <a:schemeClr val="bg1"/>
+                </a:solidFill>
+              </a:rPr>
+              <a:t>dockercomposer</a:t>
+            </a:r>
+            <a:endParaRPr lang="es-SV" dirty="0">
+              <a:solidFill>
+                <a:schemeClr val="bg1"/>
+              </a:solidFill>
+            </a:endParaRPr>
           </a:p>
         </p:txBody>
       </p:sp>
+      <p:pic>
+        <p:nvPicPr>
+          <p:cNvPr id="4" name="Imagen 3">
+            <a:extLst>
+              <a:ext uri="{FF2B5EF4-FFF2-40B4-BE49-F238E27FC236}">
+                <a16:creationId xmlns:a16="http://schemas.microsoft.com/office/drawing/2014/main" id="{186DCF0A-F569-AE34-32CE-2D0C72E1499E}"/>
+              </a:ext>
+            </a:extLst>
+          </p:cNvPr>
+          <p:cNvPicPr>
+            <a:picLocks noChangeAspect="1"/>
+          </p:cNvPicPr>
+          <p:nvPr/>
+        </p:nvPicPr>
+        <p:blipFill>
+          <a:blip r:embed="rId6"/>
+          <a:stretch>
+            <a:fillRect/>
+          </a:stretch>
+        </p:blipFill>
+        <p:spPr>
+          <a:xfrm>
+            <a:off x="207389" y="1336184"/>
+            <a:ext cx="6042591" cy="3897293"/>
+          </a:xfrm>
+          <a:prstGeom prst="rect">
+            <a:avLst/>
+          </a:prstGeom>
+        </p:spPr>
+      </p:pic>
+      <p:pic>
+        <p:nvPicPr>
+          <p:cNvPr id="6" name="Imagen 5">
+            <a:extLst>
+              <a:ext uri="{FF2B5EF4-FFF2-40B4-BE49-F238E27FC236}">
+                <a16:creationId xmlns:a16="http://schemas.microsoft.com/office/drawing/2014/main" id="{B507CEC0-F989-3244-4732-8069997CEFA0}"/>
+              </a:ext>
+            </a:extLst>
+          </p:cNvPr>
+          <p:cNvPicPr>
+            <a:picLocks noChangeAspect="1"/>
+          </p:cNvPicPr>
+          <p:nvPr/>
+        </p:nvPicPr>
+        <p:blipFill>
+          <a:blip r:embed="rId7">
+            <a:extLst>
+              <a:ext uri="{28A0092B-C50C-407E-A947-70E740481C1C}">
+                <a14:useLocalDpi xmlns:a14="http://schemas.microsoft.com/office/drawing/2010/main" val="0"/>
+              </a:ext>
+            </a:extLst>
+          </a:blip>
+          <a:srcRect l="29631" t="31682" r="29936" b="5621"/>
+          <a:stretch/>
+        </p:blipFill>
+        <p:spPr>
+          <a:xfrm>
+            <a:off x="6610299" y="1225101"/>
+            <a:ext cx="5581701" cy="4562093"/>
+          </a:xfrm>
+          <a:prstGeom prst="rect">
+            <a:avLst/>
+          </a:prstGeom>
+        </p:spPr>
+      </p:pic>
     </p:spTree>
     <p:extLst>
       <p:ext uri="{BB962C8B-B14F-4D97-AF65-F5344CB8AC3E}">
-        <p14:creationId xmlns:p14="http://schemas.microsoft.com/office/powerpoint/2010/main" val="2066409400"/>
+        <p14:creationId xmlns:p14="http://schemas.microsoft.com/office/powerpoint/2010/main" val="4019085554"/>
       </p:ext>
     </p:extLst>
   </p:cSld>
@@ -7356,10 +8314,10 @@
       </p:pic>
       <p:sp>
         <p:nvSpPr>
-          <p:cNvPr id="2" name="Título 3">
-            <a:extLst>
-              <a:ext uri="{FF2B5EF4-FFF2-40B4-BE49-F238E27FC236}">
-                <a16:creationId xmlns:a16="http://schemas.microsoft.com/office/drawing/2014/main" id="{AC02598F-8AB8-8281-4E4B-A243C9635DE1}"/>
+          <p:cNvPr id="2" name="Título 1">
+            <a:extLst>
+              <a:ext uri="{FF2B5EF4-FFF2-40B4-BE49-F238E27FC236}">
+                <a16:creationId xmlns:a16="http://schemas.microsoft.com/office/drawing/2014/main" id="{B9AA0002-8C80-F609-4BC6-BB6D1F617B27}"/>
               </a:ext>
             </a:extLst>
           </p:cNvPr>
@@ -7372,41 +8330,177 @@
         </p:nvSpPr>
         <p:spPr>
           <a:xfrm>
-            <a:off x="255976" y="394392"/>
-            <a:ext cx="11680047" cy="2182843"/>
+            <a:off x="838200" y="365125"/>
+            <a:ext cx="10515600" cy="991727"/>
           </a:xfrm>
         </p:spPr>
         <p:txBody>
-          <a:bodyPr>
-            <a:noAutofit/>
-          </a:bodyPr>
+          <a:bodyPr/>
           <a:lstStyle/>
           <a:p>
             <a:pPr algn="ctr"/>
             <a:r>
-              <a:rPr lang="es-ES" sz="6000" dirty="0">
+              <a:rPr lang="es-MX" dirty="0">
                 <a:solidFill>
                   <a:schemeClr val="bg1"/>
                 </a:solidFill>
-                <a:latin typeface="Avengeance Heroic Avenger"/>
               </a:rPr>
-              <a:t>Desafíos y Consideraciones al usar Contenedores.</a:t>
-            </a:r>
-            <a:endParaRPr lang="es-SV" sz="6000" dirty="0">
+              <a:t>Dockers vs </a:t>
+            </a:r>
+            <a:r>
+              <a:rPr lang="es-MX" dirty="0" err="1">
+                <a:solidFill>
+                  <a:schemeClr val="bg1"/>
+                </a:solidFill>
+              </a:rPr>
+              <a:t>Podman</a:t>
+            </a:r>
+            <a:r>
+              <a:rPr lang="es-MX" dirty="0">
+                <a:solidFill>
+                  <a:schemeClr val="bg1"/>
+                </a:solidFill>
+              </a:rPr>
+              <a:t> vs </a:t>
+            </a:r>
+            <a:r>
+              <a:rPr lang="es-MX" dirty="0" err="1">
+                <a:solidFill>
+                  <a:schemeClr val="bg1"/>
+                </a:solidFill>
+              </a:rPr>
+              <a:t>Kubernetes</a:t>
+            </a:r>
+            <a:r>
+              <a:rPr lang="es-MX" dirty="0">
+                <a:solidFill>
+                  <a:schemeClr val="bg1"/>
+                </a:solidFill>
+              </a:rPr>
+              <a:t> </a:t>
+            </a:r>
+            <a:endParaRPr lang="es-SV" dirty="0">
               <a:solidFill>
                 <a:schemeClr val="bg1"/>
               </a:solidFill>
-              <a:latin typeface="Avengeance Heroic Avenger"/>
             </a:endParaRPr>
           </a:p>
         </p:txBody>
       </p:sp>
+      <p:pic>
+        <p:nvPicPr>
+          <p:cNvPr id="3" name="Imagen 2">
+            <a:extLst>
+              <a:ext uri="{FF2B5EF4-FFF2-40B4-BE49-F238E27FC236}">
+                <a16:creationId xmlns:a16="http://schemas.microsoft.com/office/drawing/2014/main" id="{86B23537-590D-9979-5333-42A8391DF587}"/>
+              </a:ext>
+            </a:extLst>
+          </p:cNvPr>
+          <p:cNvPicPr>
+            <a:picLocks noChangeAspect="1"/>
+          </p:cNvPicPr>
+          <p:nvPr/>
+        </p:nvPicPr>
+        <p:blipFill>
+          <a:blip r:embed="rId6">
+            <a:extLst>
+              <a:ext uri="{28A0092B-C50C-407E-A947-70E740481C1C}">
+                <a14:useLocalDpi xmlns:a14="http://schemas.microsoft.com/office/drawing/2010/main" val="0"/>
+              </a:ext>
+            </a:extLst>
+          </a:blip>
+          <a:stretch>
+            <a:fillRect/>
+          </a:stretch>
+        </p:blipFill>
+        <p:spPr>
+          <a:xfrm>
+            <a:off x="690717" y="1705400"/>
+            <a:ext cx="2851074" cy="2851074"/>
+          </a:xfrm>
+          <a:prstGeom prst="rect">
+            <a:avLst/>
+          </a:prstGeom>
+        </p:spPr>
+      </p:pic>
+      <p:pic>
+        <p:nvPicPr>
+          <p:cNvPr id="5" name="Imagen 4">
+            <a:extLst>
+              <a:ext uri="{FF2B5EF4-FFF2-40B4-BE49-F238E27FC236}">
+                <a16:creationId xmlns:a16="http://schemas.microsoft.com/office/drawing/2014/main" id="{5BE230CA-0EAD-6EA8-150D-AEAD70E156FA}"/>
+              </a:ext>
+            </a:extLst>
+          </p:cNvPr>
+          <p:cNvPicPr>
+            <a:picLocks noChangeAspect="1"/>
+          </p:cNvPicPr>
+          <p:nvPr/>
+        </p:nvPicPr>
+        <p:blipFill>
+          <a:blip r:embed="rId7">
+            <a:extLst>
+              <a:ext uri="{28A0092B-C50C-407E-A947-70E740481C1C}">
+                <a14:useLocalDpi xmlns:a14="http://schemas.microsoft.com/office/drawing/2010/main" val="0"/>
+              </a:ext>
+            </a:extLst>
+          </a:blip>
+          <a:stretch>
+            <a:fillRect/>
+          </a:stretch>
+        </p:blipFill>
+        <p:spPr>
+          <a:xfrm>
+            <a:off x="7809213" y="939543"/>
+            <a:ext cx="4382787" cy="4382787"/>
+          </a:xfrm>
+          <a:prstGeom prst="rect">
+            <a:avLst/>
+          </a:prstGeom>
+        </p:spPr>
+      </p:pic>
+      <p:pic>
+        <p:nvPicPr>
+          <p:cNvPr id="6" name="Imagen 5">
+            <a:extLst>
+              <a:ext uri="{FF2B5EF4-FFF2-40B4-BE49-F238E27FC236}">
+                <a16:creationId xmlns:a16="http://schemas.microsoft.com/office/drawing/2014/main" id="{2083A3B7-B410-84FE-4FBE-42A372BD5A47}"/>
+              </a:ext>
+            </a:extLst>
+          </p:cNvPr>
+          <p:cNvPicPr>
+            <a:picLocks noChangeAspect="1"/>
+          </p:cNvPicPr>
+          <p:nvPr/>
+        </p:nvPicPr>
+        <p:blipFill>
+          <a:blip r:embed="rId8">
+            <a:extLst>
+              <a:ext uri="{28A0092B-C50C-407E-A947-70E740481C1C}">
+                <a14:useLocalDpi xmlns:a14="http://schemas.microsoft.com/office/drawing/2010/main" val="0"/>
+              </a:ext>
+            </a:extLst>
+          </a:blip>
+          <a:stretch>
+            <a:fillRect/>
+          </a:stretch>
+        </p:blipFill>
+        <p:spPr>
+          <a:xfrm>
+            <a:off x="4513340" y="2370036"/>
+            <a:ext cx="2851074" cy="2186438"/>
+          </a:xfrm>
+          <a:prstGeom prst="rect">
+            <a:avLst/>
+          </a:prstGeom>
+        </p:spPr>
+      </p:pic>
       <p:sp>
         <p:nvSpPr>
-          <p:cNvPr id="3" name="CuadroTexto 2">
-            <a:extLst>
-              <a:ext uri="{FF2B5EF4-FFF2-40B4-BE49-F238E27FC236}">
-                <a16:creationId xmlns:a16="http://schemas.microsoft.com/office/drawing/2014/main" id="{9873CC30-BA9C-06D2-9F80-8CAADC3F588E}"/>
+          <p:cNvPr id="7" name="CuadroTexto 6">
+            <a:extLst>
+              <a:ext uri="{FF2B5EF4-FFF2-40B4-BE49-F238E27FC236}">
+                <a16:creationId xmlns:a16="http://schemas.microsoft.com/office/drawing/2014/main" id="{F2FBC498-5915-73CC-FE13-03095CBF8FFD}"/>
               </a:ext>
             </a:extLst>
           </p:cNvPr>
@@ -7415,8 +8509,8 @@
         </p:nvSpPr>
         <p:spPr>
           <a:xfrm>
-            <a:off x="255976" y="2855349"/>
-            <a:ext cx="3382401" cy="477054"/>
+            <a:off x="838200" y="4881716"/>
+            <a:ext cx="3406958" cy="923330"/>
           </a:xfrm>
           <a:prstGeom prst="rect">
             <a:avLst/>
@@ -7429,28 +8523,31 @@
           </a:bodyPr>
           <a:lstStyle/>
           <a:p>
-            <a:pPr marL="285750" indent="-285750">
-              <a:buFont typeface="Wingdings" panose="05000000000000000000" pitchFamily="2" charset="2"/>
-              <a:buChar char="§"/>
-            </a:pPr>
-            <a:r>
-              <a:rPr lang="es-ES" sz="2500" b="1" dirty="0">
-                <a:latin typeface="Avengeance Heroic Avenger"/>
-              </a:rPr>
-              <a:t>Persistencia de Datos.</a:t>
-            </a:r>
-            <a:endParaRPr lang="es-SV" sz="2500" b="1" dirty="0">
-              <a:latin typeface="Avengeance Heroic Avenger"/>
-            </a:endParaRPr>
+            <a:r>
+              <a:rPr lang="es-MX" dirty="0"/>
+              <a:t>Plataforma para crear, fácilmente, </a:t>
+            </a:r>
+          </a:p>
+          <a:p>
+            <a:r>
+              <a:rPr lang="es-MX" dirty="0"/>
+              <a:t>aplicaciones en contenedores</a:t>
+            </a:r>
+          </a:p>
+          <a:p>
+            <a:r>
+              <a:rPr lang="es-SV" dirty="0"/>
+              <a:t>ejecutables en cualquier entorno</a:t>
+            </a:r>
           </a:p>
         </p:txBody>
       </p:sp>
       <p:sp>
         <p:nvSpPr>
-          <p:cNvPr id="5" name="CuadroTexto 4">
-            <a:extLst>
-              <a:ext uri="{FF2B5EF4-FFF2-40B4-BE49-F238E27FC236}">
-                <a16:creationId xmlns:a16="http://schemas.microsoft.com/office/drawing/2014/main" id="{0D56AFD9-9B6F-1419-C959-0F13136C6DB8}"/>
+          <p:cNvPr id="8" name="CuadroTexto 7">
+            <a:extLst>
+              <a:ext uri="{FF2B5EF4-FFF2-40B4-BE49-F238E27FC236}">
+                <a16:creationId xmlns:a16="http://schemas.microsoft.com/office/drawing/2014/main" id="{058F5E01-691C-C9BF-BD19-C5FE517664E0}"/>
               </a:ext>
             </a:extLst>
           </p:cNvPr>
@@ -7459,8 +8556,8 @@
         </p:nvSpPr>
         <p:spPr>
           <a:xfrm>
-            <a:off x="255976" y="3333918"/>
-            <a:ext cx="2762295" cy="477054"/>
+            <a:off x="4382788" y="4893830"/>
+            <a:ext cx="3499804" cy="646331"/>
           </a:xfrm>
           <a:prstGeom prst="rect">
             <a:avLst/>
@@ -7473,28 +8570,26 @@
           </a:bodyPr>
           <a:lstStyle/>
           <a:p>
-            <a:pPr marL="285750" indent="-285750">
-              <a:buFont typeface="Wingdings" panose="05000000000000000000" pitchFamily="2" charset="2"/>
-              <a:buChar char="§"/>
-            </a:pPr>
-            <a:r>
-              <a:rPr lang="es-ES" sz="2500" b="1" dirty="0">
-                <a:latin typeface="Avengeance Heroic Avenger"/>
-              </a:rPr>
-              <a:t>Tiempo de Inicio.</a:t>
-            </a:r>
-            <a:endParaRPr lang="es-SV" sz="2500" b="1" dirty="0">
-              <a:latin typeface="Avengeance Heroic Avenger"/>
-            </a:endParaRPr>
+            <a:r>
+              <a:rPr lang="es-MX" dirty="0"/>
+              <a:t>Plataforma de contenedores donde</a:t>
+            </a:r>
+          </a:p>
+          <a:p>
+            <a:r>
+              <a:rPr lang="es-MX" dirty="0"/>
+              <a:t>la seguridad es lo más crítico</a:t>
+            </a:r>
+            <a:endParaRPr lang="es-SV" dirty="0"/>
           </a:p>
         </p:txBody>
       </p:sp>
       <p:sp>
         <p:nvSpPr>
-          <p:cNvPr id="7" name="CuadroTexto 6">
-            <a:extLst>
-              <a:ext uri="{FF2B5EF4-FFF2-40B4-BE49-F238E27FC236}">
-                <a16:creationId xmlns:a16="http://schemas.microsoft.com/office/drawing/2014/main" id="{FE43878F-E037-2718-46E4-995ED665B45B}"/>
+          <p:cNvPr id="12" name="CuadroTexto 11">
+            <a:extLst>
+              <a:ext uri="{FF2B5EF4-FFF2-40B4-BE49-F238E27FC236}">
+                <a16:creationId xmlns:a16="http://schemas.microsoft.com/office/drawing/2014/main" id="{A6FAB0F7-0C2D-FBD4-A2F5-71F7A5AE75B3}"/>
               </a:ext>
             </a:extLst>
           </p:cNvPr>
@@ -7503,8 +8598,8 @@
         </p:nvSpPr>
         <p:spPr>
           <a:xfrm>
-            <a:off x="255976" y="3810972"/>
-            <a:ext cx="2815322" cy="477054"/>
+            <a:off x="8167514" y="4999164"/>
+            <a:ext cx="3982500" cy="646331"/>
           </a:xfrm>
           <a:prstGeom prst="rect">
             <a:avLst/>
@@ -7517,28 +8612,26 @@
           </a:bodyPr>
           <a:lstStyle/>
           <a:p>
-            <a:pPr marL="285750" indent="-285750">
-              <a:buFont typeface="Wingdings" panose="05000000000000000000" pitchFamily="2" charset="2"/>
-              <a:buChar char="§"/>
-            </a:pPr>
-            <a:r>
-              <a:rPr lang="es-ES" sz="2500" b="1" dirty="0">
-                <a:latin typeface="Avengeance Heroic Avenger"/>
-              </a:rPr>
-              <a:t>Redes Complejas.</a:t>
-            </a:r>
-            <a:endParaRPr lang="es-SV" sz="2500" b="1" dirty="0">
-              <a:latin typeface="Avengeance Heroic Avenger"/>
-            </a:endParaRPr>
+            <a:r>
+              <a:rPr lang="es-MX" dirty="0"/>
+              <a:t>Plataforma de creación de contenedores</a:t>
+            </a:r>
+          </a:p>
+          <a:p>
+            <a:r>
+              <a:rPr lang="es-MX" dirty="0"/>
+              <a:t>que tiene una mayor escalabilidad</a:t>
+            </a:r>
+            <a:endParaRPr lang="es-SV" dirty="0"/>
           </a:p>
         </p:txBody>
       </p:sp>
       <p:sp>
         <p:nvSpPr>
-          <p:cNvPr id="8" name="CuadroTexto 7">
-            <a:extLst>
-              <a:ext uri="{FF2B5EF4-FFF2-40B4-BE49-F238E27FC236}">
-                <a16:creationId xmlns:a16="http://schemas.microsoft.com/office/drawing/2014/main" id="{BD933B0F-6989-BDE3-FAED-87D025E56C1F}"/>
+          <p:cNvPr id="13" name="CuadroTexto 12">
+            <a:extLst>
+              <a:ext uri="{FF2B5EF4-FFF2-40B4-BE49-F238E27FC236}">
+                <a16:creationId xmlns:a16="http://schemas.microsoft.com/office/drawing/2014/main" id="{1CAB41AC-102A-72E3-30D7-6B1D81A9B981}"/>
               </a:ext>
             </a:extLst>
           </p:cNvPr>
@@ -7547,8 +8640,8 @@
         </p:nvSpPr>
         <p:spPr>
           <a:xfrm>
-            <a:off x="255976" y="4279689"/>
-            <a:ext cx="4823949" cy="477054"/>
+            <a:off x="4117816" y="6335514"/>
+            <a:ext cx="4049698" cy="369332"/>
           </a:xfrm>
           <a:prstGeom prst="rect">
             <a:avLst/>
@@ -7561,22 +8654,18 @@
           </a:bodyPr>
           <a:lstStyle/>
           <a:p>
-            <a:pPr marL="285750" indent="-285750">
-              <a:buFont typeface="Wingdings" panose="05000000000000000000" pitchFamily="2" charset="2"/>
-              <a:buChar char="§"/>
-            </a:pPr>
-            <a:r>
-              <a:rPr lang="es-ES" sz="2500" b="1" dirty="0"/>
-              <a:t>Orquestación y Escalabilidad.</a:t>
-            </a:r>
-            <a:endParaRPr lang="es-SV" sz="2500" b="1" dirty="0"/>
+            <a:r>
+              <a:rPr lang="es-MX" dirty="0"/>
+              <a:t>Se encuentran basados en código abierto</a:t>
+            </a:r>
+            <a:endParaRPr lang="es-SV" dirty="0"/>
           </a:p>
         </p:txBody>
       </p:sp>
     </p:spTree>
     <p:extLst>
       <p:ext uri="{BB962C8B-B14F-4D97-AF65-F5344CB8AC3E}">
-        <p14:creationId xmlns:p14="http://schemas.microsoft.com/office/powerpoint/2010/main" val="1865749463"/>
+        <p14:creationId xmlns:p14="http://schemas.microsoft.com/office/powerpoint/2010/main" val="2185984485"/>
       </p:ext>
     </p:extLst>
   </p:cSld>
@@ -7591,15 +8680,27 @@
   <p:cSld>
     <p:bg>
       <p:bgPr>
-        <a:blipFill dpi="0" rotWithShape="1">
-          <a:blip r:embed="rId2">
-            <a:lum/>
-          </a:blip>
-          <a:srcRect/>
-          <a:stretch>
-            <a:fillRect/>
-          </a:stretch>
-        </a:blipFill>
+        <a:gradFill flip="none" rotWithShape="1">
+          <a:gsLst>
+            <a:gs pos="75000">
+              <a:srgbClr val="008060"/>
+            </a:gs>
+            <a:gs pos="95413">
+              <a:srgbClr val="004F2D"/>
+            </a:gs>
+            <a:gs pos="56868">
+              <a:srgbClr val="7EB9FF"/>
+            </a:gs>
+            <a:gs pos="38518">
+              <a:srgbClr val="01A3FB"/>
+            </a:gs>
+            <a:gs pos="17000">
+              <a:srgbClr val="002F6C"/>
+            </a:gs>
+          </a:gsLst>
+          <a:lin ang="5400000" scaled="1"/>
+          <a:tileRect/>
+        </a:gradFill>
         <a:effectLst/>
       </p:bgPr>
     </p:bg>
@@ -7617,12 +8718,63 @@
           <a:chExt cx="0" cy="0"/>
         </a:xfrm>
       </p:grpSpPr>
+      <mc:AlternateContent xmlns:mc="http://schemas.openxmlformats.org/markup-compatibility/2006" xmlns:p14="http://schemas.microsoft.com/office/powerpoint/2010/main">
+        <mc:Choice Requires="p14">
+          <p:contentPart p14:bwMode="auto" r:id="rId2">
+            <p14:nvContentPartPr>
+              <p14:cNvPr id="10" name="Entrada de lápiz 9">
+                <a:extLst>
+                  <a:ext uri="{FF2B5EF4-FFF2-40B4-BE49-F238E27FC236}">
+                    <a16:creationId xmlns:a16="http://schemas.microsoft.com/office/drawing/2014/main" id="{54A55241-065D-1FE0-CC23-1BA2AC9C1F5A}"/>
+                  </a:ext>
+                </a:extLst>
+              </p14:cNvPr>
+              <p14:cNvContentPartPr/>
+              <p14:nvPr/>
+            </p14:nvContentPartPr>
+            <p14:xfrm>
+              <a:off x="1708613" y="5620928"/>
+              <a:ext cx="360" cy="360"/>
+            </p14:xfrm>
+          </p:contentPart>
+        </mc:Choice>
+        <mc:Fallback xmlns="">
+          <p:pic>
+            <p:nvPicPr>
+              <p:cNvPr id="10" name="Entrada de lápiz 9">
+                <a:extLst>
+                  <a:ext uri="{FF2B5EF4-FFF2-40B4-BE49-F238E27FC236}">
+                    <a16:creationId xmlns:a16="http://schemas.microsoft.com/office/drawing/2014/main" id="{54A55241-065D-1FE0-CC23-1BA2AC9C1F5A}"/>
+                  </a:ext>
+                </a:extLst>
+              </p:cNvPr>
+              <p:cNvPicPr/>
+              <p:nvPr/>
+            </p:nvPicPr>
+            <p:blipFill>
+              <a:blip r:embed="rId3"/>
+              <a:stretch>
+                <a:fillRect/>
+              </a:stretch>
+            </p:blipFill>
+            <p:spPr>
+              <a:xfrm>
+                <a:off x="1702493" y="5614808"/>
+                <a:ext cx="12600" cy="12600"/>
+              </a:xfrm>
+              <a:prstGeom prst="rect">
+                <a:avLst/>
+              </a:prstGeom>
+            </p:spPr>
+          </p:pic>
+        </mc:Fallback>
+      </mc:AlternateContent>
       <p:pic>
         <p:nvPicPr>
-          <p:cNvPr id="4" name="Imagen 3">
-            <a:extLst>
-              <a:ext uri="{FF2B5EF4-FFF2-40B4-BE49-F238E27FC236}">
-                <a16:creationId xmlns:a16="http://schemas.microsoft.com/office/drawing/2014/main" id="{34DF8743-DE11-7979-CD69-49A30223ACE4}"/>
+          <p:cNvPr id="9" name="Imagen 8">
+            <a:extLst>
+              <a:ext uri="{FF2B5EF4-FFF2-40B4-BE49-F238E27FC236}">
+                <a16:creationId xmlns:a16="http://schemas.microsoft.com/office/drawing/2014/main" id="{C0629D62-CDA9-C0D7-E69C-5D6906597A61}"/>
               </a:ext>
             </a:extLst>
           </p:cNvPr>
@@ -7632,15 +8784,21 @@
           <p:nvPr/>
         </p:nvPicPr>
         <p:blipFill>
-          <a:blip r:embed="rId3"/>
+          <a:blip r:embed="rId4">
+            <a:extLst>
+              <a:ext uri="{28A0092B-C50C-407E-A947-70E740481C1C}">
+                <a14:useLocalDpi xmlns:a14="http://schemas.microsoft.com/office/drawing/2010/main" val="0"/>
+              </a:ext>
+            </a:extLst>
+          </a:blip>
           <a:stretch>
             <a:fillRect/>
           </a:stretch>
         </p:blipFill>
         <p:spPr>
           <a:xfrm>
-            <a:off x="5445136" y="2790257"/>
-            <a:ext cx="1301728" cy="424476"/>
+            <a:off x="0" y="5429250"/>
+            <a:ext cx="1428750" cy="1428750"/>
           </a:xfrm>
           <a:prstGeom prst="rect">
             <a:avLst/>
@@ -7649,10 +8807,10 @@
       </p:pic>
       <p:pic>
         <p:nvPicPr>
-          <p:cNvPr id="5" name="Imagen 4">
-            <a:extLst>
-              <a:ext uri="{FF2B5EF4-FFF2-40B4-BE49-F238E27FC236}">
-                <a16:creationId xmlns:a16="http://schemas.microsoft.com/office/drawing/2014/main" id="{B878BBC4-9441-31C5-F468-CD144799372C}"/>
+          <p:cNvPr id="11" name="Marcador de contenido 10">
+            <a:extLst>
+              <a:ext uri="{FF2B5EF4-FFF2-40B4-BE49-F238E27FC236}">
+                <a16:creationId xmlns:a16="http://schemas.microsoft.com/office/drawing/2014/main" id="{B65F5A64-6B3B-9999-F8EB-29FF7556107A}"/>
               </a:ext>
             </a:extLst>
           </p:cNvPr>
@@ -7662,15 +8820,20 @@
           <p:nvPr/>
         </p:nvPicPr>
         <p:blipFill>
-          <a:blip r:embed="rId4"/>
-          <a:stretch>
-            <a:fillRect/>
-          </a:stretch>
+          <a:blip r:embed="rId5">
+            <a:extLst>
+              <a:ext uri="{28A0092B-C50C-407E-A947-70E740481C1C}">
+                <a14:useLocalDpi xmlns:a14="http://schemas.microsoft.com/office/drawing/2010/main" val="0"/>
+              </a:ext>
+            </a:extLst>
+          </a:blip>
+          <a:srcRect t="21796" b="21796"/>
+          <a:stretch/>
         </p:blipFill>
         <p:spPr>
           <a:xfrm>
-            <a:off x="3026833" y="3408895"/>
-            <a:ext cx="5626100" cy="424476"/>
+            <a:off x="10456906" y="5803328"/>
+            <a:ext cx="1793787" cy="1011836"/>
           </a:xfrm>
           <a:prstGeom prst="rect">
             <a:avLst/>
@@ -7679,40 +8842,10 @@
       </p:pic>
       <p:pic>
         <p:nvPicPr>
-          <p:cNvPr id="6" name="Imagen 5">
-            <a:extLst>
-              <a:ext uri="{FF2B5EF4-FFF2-40B4-BE49-F238E27FC236}">
-                <a16:creationId xmlns:a16="http://schemas.microsoft.com/office/drawing/2014/main" id="{03E1169A-46F7-6DAA-B8E6-F955DD103964}"/>
-              </a:ext>
-            </a:extLst>
-          </p:cNvPr>
-          <p:cNvPicPr>
-            <a:picLocks noChangeAspect="1"/>
-          </p:cNvPicPr>
-          <p:nvPr/>
-        </p:nvPicPr>
-        <p:blipFill>
-          <a:blip r:embed="rId5"/>
-          <a:stretch>
-            <a:fillRect/>
-          </a:stretch>
-        </p:blipFill>
-        <p:spPr>
-          <a:xfrm>
-            <a:off x="4497916" y="3903737"/>
-            <a:ext cx="5014567" cy="589949"/>
-          </a:xfrm>
-          <a:prstGeom prst="rect">
-            <a:avLst/>
-          </a:prstGeom>
-        </p:spPr>
-      </p:pic>
-      <p:pic>
-        <p:nvPicPr>
-          <p:cNvPr id="7" name="Imagen 6" descr="Diagrama&#10;&#10;Descripción generada automáticamente">
-            <a:extLst>
-              <a:ext uri="{FF2B5EF4-FFF2-40B4-BE49-F238E27FC236}">
-                <a16:creationId xmlns:a16="http://schemas.microsoft.com/office/drawing/2014/main" id="{6B6CF54D-A2C2-7EC3-B7AD-522FFDBF44EE}"/>
+          <p:cNvPr id="3" name="Imagen 2">
+            <a:extLst>
+              <a:ext uri="{FF2B5EF4-FFF2-40B4-BE49-F238E27FC236}">
+                <a16:creationId xmlns:a16="http://schemas.microsoft.com/office/drawing/2014/main" id="{E74765DC-91EE-797D-80C2-469E41C4A0E4}"/>
               </a:ext>
             </a:extLst>
           </p:cNvPr>
@@ -7729,14 +8862,13 @@
               </a:ext>
             </a:extLst>
           </a:blip>
-          <a:stretch>
-            <a:fillRect/>
-          </a:stretch>
+          <a:srcRect l="12910" t="26265" r="14014"/>
+          <a:stretch/>
         </p:blipFill>
         <p:spPr>
           <a:xfrm>
-            <a:off x="10313383" y="618980"/>
-            <a:ext cx="1224000" cy="1226729"/>
+            <a:off x="1641289" y="1059816"/>
+            <a:ext cx="8909421" cy="4738367"/>
           </a:xfrm>
           <a:prstGeom prst="rect">
             <a:avLst/>
@@ -7746,233 +8878,13 @@
     </p:spTree>
     <p:extLst>
       <p:ext uri="{BB962C8B-B14F-4D97-AF65-F5344CB8AC3E}">
-        <p14:creationId xmlns:p14="http://schemas.microsoft.com/office/powerpoint/2010/main" val="1425037669"/>
+        <p14:creationId xmlns:p14="http://schemas.microsoft.com/office/powerpoint/2010/main" val="2066409400"/>
       </p:ext>
     </p:extLst>
   </p:cSld>
   <p:clrMapOvr>
     <a:masterClrMapping/>
   </p:clrMapOvr>
-  <p:timing>
-    <p:tnLst>
-      <p:par>
-        <p:cTn id="1" dur="indefinite" restart="never" nodeType="tmRoot">
-          <p:childTnLst>
-            <p:seq concurrent="1" nextAc="seek">
-              <p:cTn id="2" dur="indefinite" nodeType="mainSeq">
-                <p:childTnLst>
-                  <p:par>
-                    <p:cTn id="3" fill="hold">
-                      <p:stCondLst>
-                        <p:cond delay="indefinite"/>
-                        <p:cond evt="onBegin" delay="0">
-                          <p:tn val="2"/>
-                        </p:cond>
-                      </p:stCondLst>
-                      <p:childTnLst>
-                        <p:par>
-                          <p:cTn id="4" fill="hold">
-                            <p:stCondLst>
-                              <p:cond delay="0"/>
-                            </p:stCondLst>
-                            <p:childTnLst>
-                              <p:par>
-                                <p:cTn id="5" presetID="10" presetClass="entr" presetSubtype="0" fill="hold" nodeType="afterEffect">
-                                  <p:stCondLst>
-                                    <p:cond delay="0"/>
-                                  </p:stCondLst>
-                                  <p:childTnLst>
-                                    <p:set>
-                                      <p:cBhvr>
-                                        <p:cTn id="6" dur="1" fill="hold">
-                                          <p:stCondLst>
-                                            <p:cond delay="0"/>
-                                          </p:stCondLst>
-                                        </p:cTn>
-                                        <p:tgtEl>
-                                          <p:spTgt spid="4"/>
-                                        </p:tgtEl>
-                                        <p:attrNameLst>
-                                          <p:attrName>style.visibility</p:attrName>
-                                        </p:attrNameLst>
-                                      </p:cBhvr>
-                                      <p:to>
-                                        <p:strVal val="visible"/>
-                                      </p:to>
-                                    </p:set>
-                                    <p:animEffect transition="in" filter="fade">
-                                      <p:cBhvr>
-                                        <p:cTn id="7" dur="500"/>
-                                        <p:tgtEl>
-                                          <p:spTgt spid="4"/>
-                                        </p:tgtEl>
-                                      </p:cBhvr>
-                                    </p:animEffect>
-                                  </p:childTnLst>
-                                </p:cTn>
-                              </p:par>
-                            </p:childTnLst>
-                          </p:cTn>
-                        </p:par>
-                        <p:par>
-                          <p:cTn id="8" fill="hold">
-                            <p:stCondLst>
-                              <p:cond delay="500"/>
-                            </p:stCondLst>
-                            <p:childTnLst>
-                              <p:par>
-                                <p:cTn id="9" presetID="42" presetClass="entr" presetSubtype="0" fill="hold" nodeType="afterEffect">
-                                  <p:stCondLst>
-                                    <p:cond delay="0"/>
-                                  </p:stCondLst>
-                                  <p:childTnLst>
-                                    <p:set>
-                                      <p:cBhvr>
-                                        <p:cTn id="10" dur="1" fill="hold">
-                                          <p:stCondLst>
-                                            <p:cond delay="0"/>
-                                          </p:stCondLst>
-                                        </p:cTn>
-                                        <p:tgtEl>
-                                          <p:spTgt spid="5"/>
-                                        </p:tgtEl>
-                                        <p:attrNameLst>
-                                          <p:attrName>style.visibility</p:attrName>
-                                        </p:attrNameLst>
-                                      </p:cBhvr>
-                                      <p:to>
-                                        <p:strVal val="visible"/>
-                                      </p:to>
-                                    </p:set>
-                                    <p:animEffect transition="in" filter="fade">
-                                      <p:cBhvr>
-                                        <p:cTn id="11" dur="500"/>
-                                        <p:tgtEl>
-                                          <p:spTgt spid="5"/>
-                                        </p:tgtEl>
-                                      </p:cBhvr>
-                                    </p:animEffect>
-                                    <p:anim calcmode="lin" valueType="num">
-                                      <p:cBhvr>
-                                        <p:cTn id="12" dur="500" fill="hold"/>
-                                        <p:tgtEl>
-                                          <p:spTgt spid="5"/>
-                                        </p:tgtEl>
-                                        <p:attrNameLst>
-                                          <p:attrName>ppt_x</p:attrName>
-                                        </p:attrNameLst>
-                                      </p:cBhvr>
-                                      <p:tavLst>
-                                        <p:tav tm="0">
-                                          <p:val>
-                                            <p:strVal val="#ppt_x"/>
-                                          </p:val>
-                                        </p:tav>
-                                        <p:tav tm="100000">
-                                          <p:val>
-                                            <p:strVal val="#ppt_x"/>
-                                          </p:val>
-                                        </p:tav>
-                                      </p:tavLst>
-                                    </p:anim>
-                                    <p:anim calcmode="lin" valueType="num">
-                                      <p:cBhvr>
-                                        <p:cTn id="13" dur="500" fill="hold"/>
-                                        <p:tgtEl>
-                                          <p:spTgt spid="5"/>
-                                        </p:tgtEl>
-                                        <p:attrNameLst>
-                                          <p:attrName>ppt_y</p:attrName>
-                                        </p:attrNameLst>
-                                      </p:cBhvr>
-                                      <p:tavLst>
-                                        <p:tav tm="0">
-                                          <p:val>
-                                            <p:strVal val="#ppt_y+.1"/>
-                                          </p:val>
-                                        </p:tav>
-                                        <p:tav tm="100000">
-                                          <p:val>
-                                            <p:strVal val="#ppt_y"/>
-                                          </p:val>
-                                        </p:tav>
-                                      </p:tavLst>
-                                    </p:anim>
-                                  </p:childTnLst>
-                                </p:cTn>
-                              </p:par>
-                            </p:childTnLst>
-                          </p:cTn>
-                        </p:par>
-                        <p:par>
-                          <p:cTn id="14" fill="hold">
-                            <p:stCondLst>
-                              <p:cond delay="1000"/>
-                            </p:stCondLst>
-                            <p:childTnLst>
-                              <p:par>
-                                <p:cTn id="15" presetID="10" presetClass="entr" presetSubtype="0" fill="hold" nodeType="afterEffect">
-                                  <p:stCondLst>
-                                    <p:cond delay="300"/>
-                                  </p:stCondLst>
-                                  <p:childTnLst>
-                                    <p:set>
-                                      <p:cBhvr>
-                                        <p:cTn id="16" dur="1" fill="hold">
-                                          <p:stCondLst>
-                                            <p:cond delay="0"/>
-                                          </p:stCondLst>
-                                        </p:cTn>
-                                        <p:tgtEl>
-                                          <p:spTgt spid="6"/>
-                                        </p:tgtEl>
-                                        <p:attrNameLst>
-                                          <p:attrName>style.visibility</p:attrName>
-                                        </p:attrNameLst>
-                                      </p:cBhvr>
-                                      <p:to>
-                                        <p:strVal val="visible"/>
-                                      </p:to>
-                                    </p:set>
-                                    <p:animEffect transition="in" filter="fade">
-                                      <p:cBhvr>
-                                        <p:cTn id="17" dur="500"/>
-                                        <p:tgtEl>
-                                          <p:spTgt spid="6"/>
-                                        </p:tgtEl>
-                                      </p:cBhvr>
-                                    </p:animEffect>
-                                  </p:childTnLst>
-                                </p:cTn>
-                              </p:par>
-                            </p:childTnLst>
-                          </p:cTn>
-                        </p:par>
-                      </p:childTnLst>
-                    </p:cTn>
-                  </p:par>
-                </p:childTnLst>
-              </p:cTn>
-              <p:prevCondLst>
-                <p:cond evt="onPrev" delay="0">
-                  <p:tgtEl>
-                    <p:sldTgt/>
-                  </p:tgtEl>
-                </p:cond>
-              </p:prevCondLst>
-              <p:nextCondLst>
-                <p:cond evt="onNext" delay="0">
-                  <p:tgtEl>
-                    <p:sldTgt/>
-                  </p:tgtEl>
-                </p:cond>
-              </p:nextCondLst>
-            </p:seq>
-          </p:childTnLst>
-        </p:cTn>
-      </p:par>
-    </p:tnLst>
-  </p:timing>
 </p:sld>
 </file>
 
